--- a/14_extratask/02_Inventory/レッスン14_課題②.pptx
+++ b/14_extratask/02_Inventory/レッスン14_課題②.pptx
@@ -106,6 +106,11 @@
       </a:defRPr>
     </a:lvl9pPr>
   </p:defaultTextStyle>
+  <p:extLst>
+    <p:ext uri="{EFAFB233-063F-42B5-8137-9DF3F51BA10A}">
+      <p15:sldGuideLst xmlns:p15="http://schemas.microsoft.com/office/powerpoint/2012/main"/>
+    </p:ext>
+  </p:extLst>
 </p:presentation>
 </file>
 
@@ -3841,8 +3846,8 @@
           <a:p>
             <a:pPr algn="ctr"/>
             <a:r>
-              <a:rPr kumimoji="1" lang="ja-JP" altLang="en-US" dirty="0"/>
-              <a:t>打刻画面へリクエスト</a:t>
+              <a:rPr lang="ja-JP" altLang="en-US" dirty="0"/>
+              <a:t>商品の登録</a:t>
             </a:r>
             <a:endParaRPr kumimoji="1" lang="en-US" altLang="ja-JP" dirty="0"/>
           </a:p>
@@ -3850,10 +3855,10 @@
       </p:sp>
       <p:sp>
         <p:nvSpPr>
-          <p:cNvPr id="7" name="ひし形 6">
-            <a:extLst>
-              <a:ext uri="{FF2B5EF4-FFF2-40B4-BE49-F238E27FC236}">
-                <a16:creationId xmlns:a16="http://schemas.microsoft.com/office/drawing/2014/main" id="{6BB41921-814C-D6B2-3444-F986879FC58F}"/>
+          <p:cNvPr id="8" name="四角形: 角を丸くする 7">
+            <a:extLst>
+              <a:ext uri="{FF2B5EF4-FFF2-40B4-BE49-F238E27FC236}">
+                <a16:creationId xmlns:a16="http://schemas.microsoft.com/office/drawing/2014/main" id="{CB67E838-53DF-6E8B-3DB2-DF37D28932DC}"/>
               </a:ext>
             </a:extLst>
           </p:cNvPr>
@@ -3862,59 +3867,8 @@
         </p:nvSpPr>
         <p:spPr>
           <a:xfrm>
-            <a:off x="3974432" y="1171074"/>
-            <a:ext cx="1800726" cy="914400"/>
-          </a:xfrm>
-          <a:prstGeom prst="diamond">
-            <a:avLst/>
-          </a:prstGeom>
-        </p:spPr>
-        <p:style>
-          <a:lnRef idx="2">
-            <a:schemeClr val="accent2"/>
-          </a:lnRef>
-          <a:fillRef idx="1">
-            <a:schemeClr val="lt1"/>
-          </a:fillRef>
-          <a:effectRef idx="0">
-            <a:schemeClr val="accent2"/>
-          </a:effectRef>
-          <a:fontRef idx="minor">
-            <a:schemeClr val="dk1"/>
-          </a:fontRef>
-        </p:style>
-        <p:txBody>
-          <a:bodyPr rtlCol="0" anchor="ctr"/>
-          <a:lstStyle/>
-          <a:p>
-            <a:pPr algn="ctr"/>
-            <a:r>
-              <a:rPr lang="ja-JP" altLang="en-US" dirty="0"/>
-              <a:t>情報登録済み</a:t>
-            </a:r>
-            <a:r>
-              <a:rPr kumimoji="1" lang="ja-JP" altLang="en-US" dirty="0"/>
-              <a:t>？</a:t>
-            </a:r>
-          </a:p>
-        </p:txBody>
-      </p:sp>
-      <p:sp>
-        <p:nvSpPr>
-          <p:cNvPr id="8" name="四角形: 角を丸くする 7">
-            <a:extLst>
-              <a:ext uri="{FF2B5EF4-FFF2-40B4-BE49-F238E27FC236}">
-                <a16:creationId xmlns:a16="http://schemas.microsoft.com/office/drawing/2014/main" id="{CB67E838-53DF-6E8B-3DB2-DF37D28932DC}"/>
-              </a:ext>
-            </a:extLst>
-          </p:cNvPr>
-          <p:cNvSpPr/>
-          <p:nvPr/>
-        </p:nvSpPr>
-        <p:spPr>
-          <a:xfrm>
-            <a:off x="4319905" y="2586789"/>
-            <a:ext cx="1086853" cy="561474"/>
+            <a:off x="3974432" y="1355740"/>
+            <a:ext cx="1085177" cy="766856"/>
           </a:xfrm>
           <a:prstGeom prst="roundRect">
             <a:avLst/>
@@ -3941,222 +3895,7 @@
             <a:pPr algn="ctr"/>
             <a:r>
               <a:rPr lang="ja-JP" altLang="en-US" dirty="0"/>
-              <a:t>情報</a:t>
-            </a:r>
-            <a:br>
-              <a:rPr lang="en-US" altLang="ja-JP" dirty="0"/>
-            </a:br>
-            <a:r>
-              <a:rPr lang="ja-JP" altLang="en-US" dirty="0"/>
-              <a:t>登録</a:t>
-            </a:r>
-            <a:endParaRPr lang="en-US" altLang="ja-JP" dirty="0"/>
-          </a:p>
-        </p:txBody>
-      </p:sp>
-      <p:sp>
-        <p:nvSpPr>
-          <p:cNvPr id="9" name="四角形: 角を丸くする 8">
-            <a:extLst>
-              <a:ext uri="{FF2B5EF4-FFF2-40B4-BE49-F238E27FC236}">
-                <a16:creationId xmlns:a16="http://schemas.microsoft.com/office/drawing/2014/main" id="{C6F037AF-61F8-23E5-A8BD-D4A161134C44}"/>
-              </a:ext>
-            </a:extLst>
-          </p:cNvPr>
-          <p:cNvSpPr/>
-          <p:nvPr/>
-        </p:nvSpPr>
-        <p:spPr>
-          <a:xfrm>
-            <a:off x="6256421" y="1347537"/>
-            <a:ext cx="1086853" cy="561474"/>
-          </a:xfrm>
-          <a:prstGeom prst="roundRect">
-            <a:avLst/>
-          </a:prstGeom>
-        </p:spPr>
-        <p:style>
-          <a:lnRef idx="2">
-            <a:schemeClr val="accent4"/>
-          </a:lnRef>
-          <a:fillRef idx="1">
-            <a:schemeClr val="lt1"/>
-          </a:fillRef>
-          <a:effectRef idx="0">
-            <a:schemeClr val="accent4"/>
-          </a:effectRef>
-          <a:fontRef idx="minor">
-            <a:schemeClr val="dk1"/>
-          </a:fontRef>
-        </p:style>
-        <p:txBody>
-          <a:bodyPr rtlCol="0" anchor="ctr"/>
-          <a:lstStyle/>
-          <a:p>
-            <a:pPr algn="ctr"/>
-            <a:r>
-              <a:rPr lang="ja-JP" altLang="en-US" dirty="0"/>
-              <a:t>ログ</a:t>
-            </a:r>
-            <a:endParaRPr lang="en-US" altLang="ja-JP" dirty="0"/>
-          </a:p>
-          <a:p>
-            <a:pPr algn="ctr"/>
-            <a:r>
-              <a:rPr lang="ja-JP" altLang="en-US" dirty="0"/>
-              <a:t>イン</a:t>
-            </a:r>
-            <a:endParaRPr kumimoji="1" lang="ja-JP" altLang="en-US" dirty="0"/>
-          </a:p>
-        </p:txBody>
-      </p:sp>
-      <p:sp>
-        <p:nvSpPr>
-          <p:cNvPr id="10" name="四角形: 角を丸くする 9">
-            <a:extLst>
-              <a:ext uri="{FF2B5EF4-FFF2-40B4-BE49-F238E27FC236}">
-                <a16:creationId xmlns:a16="http://schemas.microsoft.com/office/drawing/2014/main" id="{E011EC62-AE9F-55D2-B70B-B19A5D4A612C}"/>
-              </a:ext>
-            </a:extLst>
-          </p:cNvPr>
-          <p:cNvSpPr/>
-          <p:nvPr/>
-        </p:nvSpPr>
-        <p:spPr>
-          <a:xfrm>
-            <a:off x="9428475" y="1358233"/>
-            <a:ext cx="1086853" cy="561474"/>
-          </a:xfrm>
-          <a:prstGeom prst="roundRect">
-            <a:avLst/>
-          </a:prstGeom>
-        </p:spPr>
-        <p:style>
-          <a:lnRef idx="2">
-            <a:schemeClr val="accent4"/>
-          </a:lnRef>
-          <a:fillRef idx="1">
-            <a:schemeClr val="lt1"/>
-          </a:fillRef>
-          <a:effectRef idx="0">
-            <a:schemeClr val="accent4"/>
-          </a:effectRef>
-          <a:fontRef idx="minor">
-            <a:schemeClr val="dk1"/>
-          </a:fontRef>
-        </p:style>
-        <p:txBody>
-          <a:bodyPr rtlCol="0" anchor="ctr"/>
-          <a:lstStyle/>
-          <a:p>
-            <a:pPr algn="ctr"/>
-            <a:r>
-              <a:rPr lang="ja-JP" altLang="en-US" dirty="0"/>
-              <a:t>打刻</a:t>
-            </a:r>
-            <a:endParaRPr lang="en-US" altLang="ja-JP" dirty="0"/>
-          </a:p>
-        </p:txBody>
-      </p:sp>
-      <p:sp>
-        <p:nvSpPr>
-          <p:cNvPr id="12" name="四角形: 角を丸くする 11">
-            <a:extLst>
-              <a:ext uri="{FF2B5EF4-FFF2-40B4-BE49-F238E27FC236}">
-                <a16:creationId xmlns:a16="http://schemas.microsoft.com/office/drawing/2014/main" id="{2FD1F37A-09B6-9223-907B-9CB00D016F14}"/>
-              </a:ext>
-            </a:extLst>
-          </p:cNvPr>
-          <p:cNvSpPr/>
-          <p:nvPr/>
-        </p:nvSpPr>
-        <p:spPr>
-          <a:xfrm>
-            <a:off x="7842448" y="1358505"/>
-            <a:ext cx="1086853" cy="561474"/>
-          </a:xfrm>
-          <a:prstGeom prst="roundRect">
-            <a:avLst/>
-          </a:prstGeom>
-        </p:spPr>
-        <p:style>
-          <a:lnRef idx="2">
-            <a:schemeClr val="accent4"/>
-          </a:lnRef>
-          <a:fillRef idx="1">
-            <a:schemeClr val="lt1"/>
-          </a:fillRef>
-          <a:effectRef idx="0">
-            <a:schemeClr val="accent4"/>
-          </a:effectRef>
-          <a:fontRef idx="minor">
-            <a:schemeClr val="dk1"/>
-          </a:fontRef>
-        </p:style>
-        <p:txBody>
-          <a:bodyPr rtlCol="0" anchor="ctr"/>
-          <a:lstStyle/>
-          <a:p>
-            <a:pPr algn="ctr"/>
-            <a:r>
-              <a:rPr lang="ja-JP" altLang="en-US" dirty="0"/>
-              <a:t>トップページの表示</a:t>
-            </a:r>
-            <a:endParaRPr lang="en-US" altLang="ja-JP" dirty="0"/>
-          </a:p>
-        </p:txBody>
-      </p:sp>
-      <p:sp>
-        <p:nvSpPr>
-          <p:cNvPr id="13" name="ひし形 12">
-            <a:extLst>
-              <a:ext uri="{FF2B5EF4-FFF2-40B4-BE49-F238E27FC236}">
-                <a16:creationId xmlns:a16="http://schemas.microsoft.com/office/drawing/2014/main" id="{4A791A57-A964-A657-2C5A-A2DAE1C5A7AC}"/>
-              </a:ext>
-            </a:extLst>
-          </p:cNvPr>
-          <p:cNvSpPr/>
-          <p:nvPr/>
-        </p:nvSpPr>
-        <p:spPr>
-          <a:xfrm>
-            <a:off x="7551383" y="2379539"/>
-            <a:ext cx="1800726" cy="914400"/>
-          </a:xfrm>
-          <a:prstGeom prst="diamond">
-            <a:avLst/>
-          </a:prstGeom>
-        </p:spPr>
-        <p:style>
-          <a:lnRef idx="2">
-            <a:schemeClr val="accent2"/>
-          </a:lnRef>
-          <a:fillRef idx="1">
-            <a:schemeClr val="lt1"/>
-          </a:fillRef>
-          <a:effectRef idx="0">
-            <a:schemeClr val="accent2"/>
-          </a:effectRef>
-          <a:fontRef idx="minor">
-            <a:schemeClr val="dk1"/>
-          </a:fontRef>
-        </p:style>
-        <p:txBody>
-          <a:bodyPr rtlCol="0" anchor="ctr"/>
-          <a:lstStyle/>
-          <a:p>
-            <a:pPr algn="ctr"/>
-            <a:r>
-              <a:rPr lang="ja-JP" altLang="en-US" dirty="0"/>
-              <a:t>打刻</a:t>
-            </a:r>
-            <a:endParaRPr lang="en-US" altLang="ja-JP" dirty="0"/>
-          </a:p>
-          <a:p>
-            <a:pPr algn="ctr"/>
-            <a:r>
-              <a:rPr lang="ja-JP" altLang="en-US" dirty="0"/>
-              <a:t>完了？</a:t>
+              <a:t>最低在庫数の登録</a:t>
             </a:r>
             <a:endParaRPr lang="en-US" altLang="ja-JP" dirty="0"/>
           </a:p>
@@ -4217,7 +3956,6 @@
           <p:cNvCxnSpPr>
             <a:cxnSpLocks/>
             <a:stCxn id="5" idx="3"/>
-            <a:endCxn id="7" idx="1"/>
           </p:cNvCxnSpPr>
           <p:nvPr/>
         </p:nvCxnSpPr>
@@ -4225,6 +3963,787 @@
           <a:xfrm>
             <a:off x="3493169" y="1628274"/>
             <a:ext cx="481263" cy="0"/>
+          </a:xfrm>
+          <a:prstGeom prst="straightConnector1">
+            <a:avLst/>
+          </a:prstGeom>
+          <a:ln>
+            <a:tailEnd type="triangle"/>
+          </a:ln>
+        </p:spPr>
+        <p:style>
+          <a:lnRef idx="2">
+            <a:schemeClr val="accent1"/>
+          </a:lnRef>
+          <a:fillRef idx="0">
+            <a:schemeClr val="accent1"/>
+          </a:fillRef>
+          <a:effectRef idx="1">
+            <a:schemeClr val="accent1"/>
+          </a:effectRef>
+          <a:fontRef idx="minor">
+            <a:schemeClr val="tx1"/>
+          </a:fontRef>
+        </p:style>
+      </p:cxnSp>
+      <p:sp>
+        <p:nvSpPr>
+          <p:cNvPr id="52" name="四角形: 角を丸くする 51">
+            <a:extLst>
+              <a:ext uri="{FF2B5EF4-FFF2-40B4-BE49-F238E27FC236}">
+                <a16:creationId xmlns:a16="http://schemas.microsoft.com/office/drawing/2014/main" id="{222E10DD-C2E7-F93C-E79A-2DE4ED6D1C09}"/>
+              </a:ext>
+            </a:extLst>
+          </p:cNvPr>
+          <p:cNvSpPr/>
+          <p:nvPr/>
+        </p:nvSpPr>
+        <p:spPr>
+          <a:xfrm>
+            <a:off x="7786085" y="2450877"/>
+            <a:ext cx="1080729" cy="770020"/>
+          </a:xfrm>
+          <a:prstGeom prst="roundRect">
+            <a:avLst/>
+          </a:prstGeom>
+        </p:spPr>
+        <p:style>
+          <a:lnRef idx="2">
+            <a:schemeClr val="accent4"/>
+          </a:lnRef>
+          <a:fillRef idx="1">
+            <a:schemeClr val="lt1"/>
+          </a:fillRef>
+          <a:effectRef idx="0">
+            <a:schemeClr val="accent4"/>
+          </a:effectRef>
+          <a:fontRef idx="minor">
+            <a:schemeClr val="dk1"/>
+          </a:fontRef>
+        </p:style>
+        <p:txBody>
+          <a:bodyPr rtlCol="0" anchor="ctr"/>
+          <a:lstStyle/>
+          <a:p>
+            <a:pPr algn="ctr"/>
+            <a:r>
+              <a:rPr lang="ja-JP" altLang="en-US" dirty="0"/>
+              <a:t>注文メールの送信</a:t>
+            </a:r>
+            <a:endParaRPr lang="en-US" altLang="ja-JP" dirty="0"/>
+          </a:p>
+        </p:txBody>
+      </p:sp>
+      <p:sp>
+        <p:nvSpPr>
+          <p:cNvPr id="59" name="四角形: 角を丸くする 58">
+            <a:extLst>
+              <a:ext uri="{FF2B5EF4-FFF2-40B4-BE49-F238E27FC236}">
+                <a16:creationId xmlns:a16="http://schemas.microsoft.com/office/drawing/2014/main" id="{4DD0623F-A5B0-7ED8-FE81-CAC475823988}"/>
+              </a:ext>
+            </a:extLst>
+          </p:cNvPr>
+          <p:cNvSpPr/>
+          <p:nvPr/>
+        </p:nvSpPr>
+        <p:spPr>
+          <a:xfrm>
+            <a:off x="9282682" y="2104098"/>
+            <a:ext cx="1080728" cy="1467406"/>
+          </a:xfrm>
+          <a:prstGeom prst="roundRect">
+            <a:avLst/>
+          </a:prstGeom>
+        </p:spPr>
+        <p:style>
+          <a:lnRef idx="2">
+            <a:schemeClr val="accent4"/>
+          </a:lnRef>
+          <a:fillRef idx="1">
+            <a:schemeClr val="lt1"/>
+          </a:fillRef>
+          <a:effectRef idx="0">
+            <a:schemeClr val="accent4"/>
+          </a:effectRef>
+          <a:fontRef idx="minor">
+            <a:schemeClr val="dk1"/>
+          </a:fontRef>
+        </p:style>
+        <p:txBody>
+          <a:bodyPr rtlCol="0" anchor="ctr"/>
+          <a:lstStyle/>
+          <a:p>
+            <a:pPr algn="ctr"/>
+            <a:r>
+              <a:rPr lang="ja-JP" altLang="en-US" dirty="0"/>
+              <a:t>仕入予定数を商品データに反映</a:t>
+            </a:r>
+            <a:endParaRPr lang="en-US" altLang="ja-JP" dirty="0"/>
+          </a:p>
+        </p:txBody>
+      </p:sp>
+      <p:sp>
+        <p:nvSpPr>
+          <p:cNvPr id="75" name="楕円 74">
+            <a:extLst>
+              <a:ext uri="{FF2B5EF4-FFF2-40B4-BE49-F238E27FC236}">
+                <a16:creationId xmlns:a16="http://schemas.microsoft.com/office/drawing/2014/main" id="{86941029-AC94-D166-BE5C-2344255E9BF4}"/>
+              </a:ext>
+            </a:extLst>
+          </p:cNvPr>
+          <p:cNvSpPr/>
+          <p:nvPr/>
+        </p:nvSpPr>
+        <p:spPr>
+          <a:xfrm>
+            <a:off x="2406314" y="5279829"/>
+            <a:ext cx="1086853" cy="561474"/>
+          </a:xfrm>
+          <a:prstGeom prst="ellipse">
+            <a:avLst/>
+          </a:prstGeom>
+        </p:spPr>
+        <p:style>
+          <a:lnRef idx="2">
+            <a:schemeClr val="accent6"/>
+          </a:lnRef>
+          <a:fillRef idx="1">
+            <a:schemeClr val="lt1"/>
+          </a:fillRef>
+          <a:effectRef idx="0">
+            <a:schemeClr val="accent6"/>
+          </a:effectRef>
+          <a:fontRef idx="minor">
+            <a:schemeClr val="dk1"/>
+          </a:fontRef>
+        </p:style>
+        <p:txBody>
+          <a:bodyPr rtlCol="0" anchor="ctr"/>
+          <a:lstStyle/>
+          <a:p>
+            <a:pPr algn="ctr"/>
+            <a:r>
+              <a:rPr lang="ja-JP" altLang="en-US" dirty="0"/>
+              <a:t>終了</a:t>
+            </a:r>
+            <a:endParaRPr kumimoji="1" lang="ja-JP" altLang="en-US" dirty="0"/>
+          </a:p>
+        </p:txBody>
+      </p:sp>
+      <p:sp>
+        <p:nvSpPr>
+          <p:cNvPr id="93" name="四角形: 角を丸くする 92">
+            <a:extLst>
+              <a:ext uri="{FF2B5EF4-FFF2-40B4-BE49-F238E27FC236}">
+                <a16:creationId xmlns:a16="http://schemas.microsoft.com/office/drawing/2014/main" id="{379B327E-0279-172C-AE31-0FBE95F20B13}"/>
+              </a:ext>
+            </a:extLst>
+          </p:cNvPr>
+          <p:cNvSpPr/>
+          <p:nvPr/>
+        </p:nvSpPr>
+        <p:spPr>
+          <a:xfrm>
+            <a:off x="7791606" y="4909595"/>
+            <a:ext cx="1080706" cy="1301942"/>
+          </a:xfrm>
+          <a:prstGeom prst="roundRect">
+            <a:avLst/>
+          </a:prstGeom>
+        </p:spPr>
+        <p:style>
+          <a:lnRef idx="2">
+            <a:schemeClr val="accent4"/>
+          </a:lnRef>
+          <a:fillRef idx="1">
+            <a:schemeClr val="lt1"/>
+          </a:fillRef>
+          <a:effectRef idx="0">
+            <a:schemeClr val="accent4"/>
+          </a:effectRef>
+          <a:fontRef idx="minor">
+            <a:schemeClr val="dk1"/>
+          </a:fontRef>
+        </p:style>
+        <p:txBody>
+          <a:bodyPr rtlCol="0" anchor="ctr"/>
+          <a:lstStyle/>
+          <a:p>
+            <a:pPr algn="ctr"/>
+            <a:r>
+              <a:rPr lang="ja-JP" altLang="en-US" dirty="0"/>
+              <a:t>在庫状況レポートの出力</a:t>
+            </a:r>
+            <a:endParaRPr lang="en-US" altLang="ja-JP" dirty="0"/>
+          </a:p>
+        </p:txBody>
+      </p:sp>
+      <p:cxnSp>
+        <p:nvCxnSpPr>
+          <p:cNvPr id="111" name="直線矢印コネクタ 110">
+            <a:extLst>
+              <a:ext uri="{FF2B5EF4-FFF2-40B4-BE49-F238E27FC236}">
+                <a16:creationId xmlns:a16="http://schemas.microsoft.com/office/drawing/2014/main" id="{2CEC1CD2-F12A-F5EE-B0AA-1025027EB572}"/>
+              </a:ext>
+            </a:extLst>
+          </p:cNvPr>
+          <p:cNvCxnSpPr>
+            <a:cxnSpLocks/>
+            <a:stCxn id="93" idx="1"/>
+            <a:endCxn id="75" idx="6"/>
+          </p:cNvCxnSpPr>
+          <p:nvPr/>
+        </p:nvCxnSpPr>
+        <p:spPr>
+          <a:xfrm flipH="1">
+            <a:off x="3493167" y="5560566"/>
+            <a:ext cx="4298439" cy="0"/>
+          </a:xfrm>
+          <a:prstGeom prst="straightConnector1">
+            <a:avLst/>
+          </a:prstGeom>
+          <a:ln>
+            <a:tailEnd type="triangle"/>
+          </a:ln>
+        </p:spPr>
+        <p:style>
+          <a:lnRef idx="2">
+            <a:schemeClr val="accent1"/>
+          </a:lnRef>
+          <a:fillRef idx="0">
+            <a:schemeClr val="accent1"/>
+          </a:fillRef>
+          <a:effectRef idx="1">
+            <a:schemeClr val="accent1"/>
+          </a:effectRef>
+          <a:fontRef idx="minor">
+            <a:schemeClr val="tx1"/>
+          </a:fontRef>
+        </p:style>
+      </p:cxnSp>
+      <p:sp>
+        <p:nvSpPr>
+          <p:cNvPr id="124" name="テキスト ボックス 123">
+            <a:extLst>
+              <a:ext uri="{FF2B5EF4-FFF2-40B4-BE49-F238E27FC236}">
+                <a16:creationId xmlns:a16="http://schemas.microsoft.com/office/drawing/2014/main" id="{E1714324-4FD8-59F8-DA14-CAF918DAAE7C}"/>
+              </a:ext>
+            </a:extLst>
+          </p:cNvPr>
+          <p:cNvSpPr txBox="1"/>
+          <p:nvPr/>
+        </p:nvSpPr>
+        <p:spPr>
+          <a:xfrm>
+            <a:off x="5202338" y="2087610"/>
+            <a:ext cx="1338828" cy="369332"/>
+          </a:xfrm>
+          <a:prstGeom prst="rect">
+            <a:avLst/>
+          </a:prstGeom>
+          <a:noFill/>
+        </p:spPr>
+        <p:txBody>
+          <a:bodyPr wrap="none" rtlCol="0">
+            <a:spAutoFit/>
+          </a:bodyPr>
+          <a:lstStyle/>
+          <a:p>
+            <a:r>
+              <a:rPr kumimoji="1" lang="ja-JP" altLang="en-US" dirty="0"/>
+              <a:t>在庫</a:t>
+            </a:r>
+            <a:r>
+              <a:rPr lang="ja-JP" altLang="en-US" dirty="0"/>
+              <a:t>不十分</a:t>
+            </a:r>
+            <a:endParaRPr kumimoji="1" lang="en-US" altLang="ja-JP" dirty="0"/>
+          </a:p>
+        </p:txBody>
+      </p:sp>
+      <p:cxnSp>
+        <p:nvCxnSpPr>
+          <p:cNvPr id="175" name="直線矢印コネクタ 174">
+            <a:extLst>
+              <a:ext uri="{FF2B5EF4-FFF2-40B4-BE49-F238E27FC236}">
+                <a16:creationId xmlns:a16="http://schemas.microsoft.com/office/drawing/2014/main" id="{0B2A3DDD-1521-5988-1FB3-82D4C11C4FB6}"/>
+              </a:ext>
+            </a:extLst>
+          </p:cNvPr>
+          <p:cNvCxnSpPr>
+            <a:cxnSpLocks/>
+            <a:stCxn id="52" idx="3"/>
+            <a:endCxn id="59" idx="1"/>
+          </p:cNvCxnSpPr>
+          <p:nvPr/>
+        </p:nvCxnSpPr>
+        <p:spPr>
+          <a:xfrm>
+            <a:off x="8866814" y="2835887"/>
+            <a:ext cx="415868" cy="1914"/>
+          </a:xfrm>
+          <a:prstGeom prst="straightConnector1">
+            <a:avLst/>
+          </a:prstGeom>
+          <a:ln>
+            <a:tailEnd type="triangle"/>
+          </a:ln>
+        </p:spPr>
+        <p:style>
+          <a:lnRef idx="2">
+            <a:schemeClr val="accent1"/>
+          </a:lnRef>
+          <a:fillRef idx="0">
+            <a:schemeClr val="accent1"/>
+          </a:fillRef>
+          <a:effectRef idx="1">
+            <a:schemeClr val="accent1"/>
+          </a:effectRef>
+          <a:fontRef idx="minor">
+            <a:schemeClr val="tx1"/>
+          </a:fontRef>
+        </p:style>
+      </p:cxnSp>
+      <p:sp>
+        <p:nvSpPr>
+          <p:cNvPr id="178" name="四角形: 角を丸くする 177">
+            <a:extLst>
+              <a:ext uri="{FF2B5EF4-FFF2-40B4-BE49-F238E27FC236}">
+                <a16:creationId xmlns:a16="http://schemas.microsoft.com/office/drawing/2014/main" id="{EADB85DA-95CB-A5F2-129E-3D32781D1E09}"/>
+              </a:ext>
+            </a:extLst>
+          </p:cNvPr>
+          <p:cNvSpPr/>
+          <p:nvPr/>
+        </p:nvSpPr>
+        <p:spPr>
+          <a:xfrm>
+            <a:off x="9282705" y="5279829"/>
+            <a:ext cx="1080705" cy="561474"/>
+          </a:xfrm>
+          <a:prstGeom prst="roundRect">
+            <a:avLst/>
+          </a:prstGeom>
+        </p:spPr>
+        <p:style>
+          <a:lnRef idx="2">
+            <a:schemeClr val="accent4"/>
+          </a:lnRef>
+          <a:fillRef idx="1">
+            <a:schemeClr val="lt1"/>
+          </a:fillRef>
+          <a:effectRef idx="0">
+            <a:schemeClr val="accent4"/>
+          </a:effectRef>
+          <a:fontRef idx="minor">
+            <a:schemeClr val="dk1"/>
+          </a:fontRef>
+        </p:style>
+        <p:txBody>
+          <a:bodyPr rtlCol="0" anchor="ctr"/>
+          <a:lstStyle/>
+          <a:p>
+            <a:pPr algn="ctr"/>
+            <a:r>
+              <a:rPr lang="ja-JP" altLang="en-US" dirty="0"/>
+              <a:t>在庫金額計算</a:t>
+            </a:r>
+            <a:endParaRPr lang="en-US" altLang="ja-JP" dirty="0"/>
+          </a:p>
+        </p:txBody>
+      </p:sp>
+      <p:cxnSp>
+        <p:nvCxnSpPr>
+          <p:cNvPr id="11" name="直線矢印コネクタ 10">
+            <a:extLst>
+              <a:ext uri="{FF2B5EF4-FFF2-40B4-BE49-F238E27FC236}">
+                <a16:creationId xmlns:a16="http://schemas.microsoft.com/office/drawing/2014/main" id="{913A7FB6-0514-274D-65CD-8B494CD8B2A5}"/>
+              </a:ext>
+            </a:extLst>
+          </p:cNvPr>
+          <p:cNvCxnSpPr>
+            <a:cxnSpLocks/>
+            <a:stCxn id="8" idx="3"/>
+            <a:endCxn id="35" idx="1"/>
+          </p:cNvCxnSpPr>
+          <p:nvPr/>
+        </p:nvCxnSpPr>
+        <p:spPr>
+          <a:xfrm flipV="1">
+            <a:off x="5059609" y="1636477"/>
+            <a:ext cx="537302" cy="102691"/>
+          </a:xfrm>
+          <a:prstGeom prst="straightConnector1">
+            <a:avLst/>
+          </a:prstGeom>
+          <a:ln>
+            <a:tailEnd type="triangle"/>
+          </a:ln>
+        </p:spPr>
+        <p:style>
+          <a:lnRef idx="2">
+            <a:schemeClr val="accent1"/>
+          </a:lnRef>
+          <a:fillRef idx="0">
+            <a:schemeClr val="accent1"/>
+          </a:fillRef>
+          <a:effectRef idx="1">
+            <a:schemeClr val="accent1"/>
+          </a:effectRef>
+          <a:fontRef idx="minor">
+            <a:schemeClr val="tx1"/>
+          </a:fontRef>
+        </p:style>
+      </p:cxnSp>
+      <p:sp>
+        <p:nvSpPr>
+          <p:cNvPr id="35" name="ひし形 34">
+            <a:extLst>
+              <a:ext uri="{FF2B5EF4-FFF2-40B4-BE49-F238E27FC236}">
+                <a16:creationId xmlns:a16="http://schemas.microsoft.com/office/drawing/2014/main" id="{3A707585-89F5-29A0-BB47-C4A9E84A03D3}"/>
+              </a:ext>
+            </a:extLst>
+          </p:cNvPr>
+          <p:cNvSpPr/>
+          <p:nvPr/>
+        </p:nvSpPr>
+        <p:spPr>
+          <a:xfrm>
+            <a:off x="5596911" y="1179277"/>
+            <a:ext cx="1800726" cy="914400"/>
+          </a:xfrm>
+          <a:prstGeom prst="diamond">
+            <a:avLst/>
+          </a:prstGeom>
+        </p:spPr>
+        <p:style>
+          <a:lnRef idx="2">
+            <a:schemeClr val="accent2"/>
+          </a:lnRef>
+          <a:fillRef idx="1">
+            <a:schemeClr val="lt1"/>
+          </a:fillRef>
+          <a:effectRef idx="0">
+            <a:schemeClr val="accent2"/>
+          </a:effectRef>
+          <a:fontRef idx="minor">
+            <a:schemeClr val="dk1"/>
+          </a:fontRef>
+        </p:style>
+        <p:txBody>
+          <a:bodyPr rtlCol="0" anchor="ctr"/>
+          <a:lstStyle/>
+          <a:p>
+            <a:pPr algn="ctr"/>
+            <a:r>
+              <a:rPr lang="ja-JP" altLang="en-US" dirty="0"/>
+              <a:t>在庫</a:t>
+            </a:r>
+            <a:endParaRPr lang="en-US" altLang="ja-JP" dirty="0"/>
+          </a:p>
+          <a:p>
+            <a:pPr algn="ctr"/>
+            <a:r>
+              <a:rPr lang="ja-JP" altLang="en-US" dirty="0"/>
+              <a:t>確認</a:t>
+            </a:r>
+            <a:endParaRPr lang="en-US" altLang="ja-JP" dirty="0"/>
+          </a:p>
+        </p:txBody>
+      </p:sp>
+      <p:cxnSp>
+        <p:nvCxnSpPr>
+          <p:cNvPr id="37" name="直線矢印コネクタ 36">
+            <a:extLst>
+              <a:ext uri="{FF2B5EF4-FFF2-40B4-BE49-F238E27FC236}">
+                <a16:creationId xmlns:a16="http://schemas.microsoft.com/office/drawing/2014/main" id="{E3AD867C-4C44-4169-D98A-1332F805F809}"/>
+              </a:ext>
+            </a:extLst>
+          </p:cNvPr>
+          <p:cNvCxnSpPr>
+            <a:cxnSpLocks/>
+            <a:stCxn id="35" idx="2"/>
+            <a:endCxn id="40" idx="0"/>
+          </p:cNvCxnSpPr>
+          <p:nvPr/>
+        </p:nvCxnSpPr>
+        <p:spPr>
+          <a:xfrm flipH="1">
+            <a:off x="6494212" y="2093677"/>
+            <a:ext cx="3062" cy="357199"/>
+          </a:xfrm>
+          <a:prstGeom prst="straightConnector1">
+            <a:avLst/>
+          </a:prstGeom>
+          <a:ln>
+            <a:tailEnd type="triangle"/>
+          </a:ln>
+        </p:spPr>
+        <p:style>
+          <a:lnRef idx="2">
+            <a:schemeClr val="accent1"/>
+          </a:lnRef>
+          <a:fillRef idx="0">
+            <a:schemeClr val="accent1"/>
+          </a:fillRef>
+          <a:effectRef idx="1">
+            <a:schemeClr val="accent1"/>
+          </a:effectRef>
+          <a:fontRef idx="minor">
+            <a:schemeClr val="tx1"/>
+          </a:fontRef>
+        </p:style>
+      </p:cxnSp>
+      <p:sp>
+        <p:nvSpPr>
+          <p:cNvPr id="40" name="四角形: 角を丸くする 39">
+            <a:extLst>
+              <a:ext uri="{FF2B5EF4-FFF2-40B4-BE49-F238E27FC236}">
+                <a16:creationId xmlns:a16="http://schemas.microsoft.com/office/drawing/2014/main" id="{5D7E3969-375E-B7BB-0293-10358C59FF07}"/>
+              </a:ext>
+            </a:extLst>
+          </p:cNvPr>
+          <p:cNvSpPr/>
+          <p:nvPr/>
+        </p:nvSpPr>
+        <p:spPr>
+          <a:xfrm>
+            <a:off x="5953848" y="2450876"/>
+            <a:ext cx="1080728" cy="1435323"/>
+          </a:xfrm>
+          <a:prstGeom prst="roundRect">
+            <a:avLst/>
+          </a:prstGeom>
+          <a:ln>
+            <a:solidFill>
+              <a:srgbClr val="FF0000"/>
+            </a:solidFill>
+          </a:ln>
+        </p:spPr>
+        <p:style>
+          <a:lnRef idx="2">
+            <a:schemeClr val="accent4"/>
+          </a:lnRef>
+          <a:fillRef idx="1">
+            <a:schemeClr val="lt1"/>
+          </a:fillRef>
+          <a:effectRef idx="0">
+            <a:schemeClr val="accent4"/>
+          </a:effectRef>
+          <a:fontRef idx="minor">
+            <a:schemeClr val="dk1"/>
+          </a:fontRef>
+        </p:style>
+        <p:txBody>
+          <a:bodyPr rtlCol="0" anchor="ctr"/>
+          <a:lstStyle/>
+          <a:p>
+            <a:pPr algn="ctr"/>
+            <a:r>
+              <a:rPr lang="ja-JP" altLang="en-US" dirty="0"/>
+              <a:t>エラー通知と注文メールの作成</a:t>
+            </a:r>
+            <a:endParaRPr lang="en-US" altLang="ja-JP" dirty="0"/>
+          </a:p>
+        </p:txBody>
+      </p:sp>
+      <p:cxnSp>
+        <p:nvCxnSpPr>
+          <p:cNvPr id="48" name="直線矢印コネクタ 47">
+            <a:extLst>
+              <a:ext uri="{FF2B5EF4-FFF2-40B4-BE49-F238E27FC236}">
+                <a16:creationId xmlns:a16="http://schemas.microsoft.com/office/drawing/2014/main" id="{680C2E2D-8D8F-7941-70A2-1F3F077396A7}"/>
+              </a:ext>
+            </a:extLst>
+          </p:cNvPr>
+          <p:cNvCxnSpPr>
+            <a:cxnSpLocks/>
+            <a:stCxn id="40" idx="3"/>
+            <a:endCxn id="52" idx="1"/>
+          </p:cNvCxnSpPr>
+          <p:nvPr/>
+        </p:nvCxnSpPr>
+        <p:spPr>
+          <a:xfrm flipV="1">
+            <a:off x="7034576" y="2835887"/>
+            <a:ext cx="751509" cy="332651"/>
+          </a:xfrm>
+          <a:prstGeom prst="straightConnector1">
+            <a:avLst/>
+          </a:prstGeom>
+          <a:ln>
+            <a:tailEnd type="triangle"/>
+          </a:ln>
+        </p:spPr>
+        <p:style>
+          <a:lnRef idx="2">
+            <a:schemeClr val="accent1"/>
+          </a:lnRef>
+          <a:fillRef idx="0">
+            <a:schemeClr val="accent1"/>
+          </a:fillRef>
+          <a:effectRef idx="1">
+            <a:schemeClr val="accent1"/>
+          </a:effectRef>
+          <a:fontRef idx="minor">
+            <a:schemeClr val="tx1"/>
+          </a:fontRef>
+        </p:style>
+      </p:cxnSp>
+      <p:sp>
+        <p:nvSpPr>
+          <p:cNvPr id="54" name="テキスト ボックス 53">
+            <a:extLst>
+              <a:ext uri="{FF2B5EF4-FFF2-40B4-BE49-F238E27FC236}">
+                <a16:creationId xmlns:a16="http://schemas.microsoft.com/office/drawing/2014/main" id="{3A3E4FF7-4CD3-9305-E1E6-0FBCC6DB38A4}"/>
+              </a:ext>
+            </a:extLst>
+          </p:cNvPr>
+          <p:cNvSpPr txBox="1"/>
+          <p:nvPr/>
+        </p:nvSpPr>
+        <p:spPr>
+          <a:xfrm>
+            <a:off x="7397637" y="1306447"/>
+            <a:ext cx="1107996" cy="369332"/>
+          </a:xfrm>
+          <a:prstGeom prst="rect">
+            <a:avLst/>
+          </a:prstGeom>
+          <a:noFill/>
+        </p:spPr>
+        <p:txBody>
+          <a:bodyPr wrap="none" rtlCol="0">
+            <a:spAutoFit/>
+          </a:bodyPr>
+          <a:lstStyle/>
+          <a:p>
+            <a:r>
+              <a:rPr kumimoji="1" lang="ja-JP" altLang="en-US" dirty="0"/>
+              <a:t>在庫十分</a:t>
+            </a:r>
+            <a:endParaRPr kumimoji="1" lang="en-US" altLang="ja-JP" dirty="0"/>
+          </a:p>
+        </p:txBody>
+      </p:sp>
+      <p:cxnSp>
+        <p:nvCxnSpPr>
+          <p:cNvPr id="55" name="直線矢印コネクタ 54">
+            <a:extLst>
+              <a:ext uri="{FF2B5EF4-FFF2-40B4-BE49-F238E27FC236}">
+                <a16:creationId xmlns:a16="http://schemas.microsoft.com/office/drawing/2014/main" id="{DE7E68C3-04E8-0532-47FC-B5017DB570CC}"/>
+              </a:ext>
+            </a:extLst>
+          </p:cNvPr>
+          <p:cNvCxnSpPr>
+            <a:cxnSpLocks/>
+            <a:endCxn id="61" idx="1"/>
+          </p:cNvCxnSpPr>
+          <p:nvPr/>
+        </p:nvCxnSpPr>
+        <p:spPr>
+          <a:xfrm flipV="1">
+            <a:off x="7397637" y="1608667"/>
+            <a:ext cx="1133536" cy="19607"/>
+          </a:xfrm>
+          <a:prstGeom prst="straightConnector1">
+            <a:avLst/>
+          </a:prstGeom>
+          <a:ln>
+            <a:tailEnd type="triangle"/>
+          </a:ln>
+        </p:spPr>
+        <p:style>
+          <a:lnRef idx="2">
+            <a:schemeClr val="accent1"/>
+          </a:lnRef>
+          <a:fillRef idx="0">
+            <a:schemeClr val="accent1"/>
+          </a:fillRef>
+          <a:effectRef idx="1">
+            <a:schemeClr val="accent1"/>
+          </a:effectRef>
+          <a:fontRef idx="minor">
+            <a:schemeClr val="tx1"/>
+          </a:fontRef>
+        </p:style>
+      </p:cxnSp>
+      <p:sp>
+        <p:nvSpPr>
+          <p:cNvPr id="61" name="四角形: 角を丸くする 60">
+            <a:extLst>
+              <a:ext uri="{FF2B5EF4-FFF2-40B4-BE49-F238E27FC236}">
+                <a16:creationId xmlns:a16="http://schemas.microsoft.com/office/drawing/2014/main" id="{A3C24545-8975-A166-AC17-EE8742022B37}"/>
+              </a:ext>
+            </a:extLst>
+          </p:cNvPr>
+          <p:cNvSpPr/>
+          <p:nvPr/>
+        </p:nvSpPr>
+        <p:spPr>
+          <a:xfrm>
+            <a:off x="8531173" y="1223657"/>
+            <a:ext cx="1080729" cy="770020"/>
+          </a:xfrm>
+          <a:prstGeom prst="roundRect">
+            <a:avLst/>
+          </a:prstGeom>
+        </p:spPr>
+        <p:style>
+          <a:lnRef idx="2">
+            <a:schemeClr val="accent4"/>
+          </a:lnRef>
+          <a:fillRef idx="1">
+            <a:schemeClr val="lt1"/>
+          </a:fillRef>
+          <a:effectRef idx="0">
+            <a:schemeClr val="accent4"/>
+          </a:effectRef>
+          <a:fontRef idx="minor">
+            <a:schemeClr val="dk1"/>
+          </a:fontRef>
+        </p:style>
+        <p:txBody>
+          <a:bodyPr rtlCol="0" anchor="ctr"/>
+          <a:lstStyle/>
+          <a:p>
+            <a:pPr algn="ctr"/>
+            <a:r>
+              <a:rPr lang="ja-JP" altLang="en-US" dirty="0"/>
+              <a:t>在庫</a:t>
+            </a:r>
+            <a:endParaRPr lang="en-US" altLang="ja-JP" dirty="0"/>
+          </a:p>
+          <a:p>
+            <a:pPr algn="ctr"/>
+            <a:r>
+              <a:rPr lang="ja-JP" altLang="en-US" dirty="0"/>
+              <a:t>登録の完了</a:t>
+            </a:r>
+            <a:endParaRPr lang="en-US" altLang="ja-JP" dirty="0"/>
+          </a:p>
+        </p:txBody>
+      </p:sp>
+      <p:cxnSp>
+        <p:nvCxnSpPr>
+          <p:cNvPr id="71" name="直線矢印コネクタ 70">
+            <a:extLst>
+              <a:ext uri="{FF2B5EF4-FFF2-40B4-BE49-F238E27FC236}">
+                <a16:creationId xmlns:a16="http://schemas.microsoft.com/office/drawing/2014/main" id="{903C5889-2DDC-6E68-6C85-106DD3801C6D}"/>
+              </a:ext>
+            </a:extLst>
+          </p:cNvPr>
+          <p:cNvCxnSpPr>
+            <a:cxnSpLocks/>
+            <a:stCxn id="40" idx="3"/>
+            <a:endCxn id="61" idx="1"/>
+          </p:cNvCxnSpPr>
+          <p:nvPr/>
+        </p:nvCxnSpPr>
+        <p:spPr>
+          <a:xfrm flipV="1">
+            <a:off x="7034576" y="1608667"/>
+            <a:ext cx="1496597" cy="1559871"/>
           </a:xfrm>
           <a:prstGeom prst="straightConnector1">
             <a:avLst/>
@@ -4250,24 +4769,262 @@
       </p:cxnSp>
       <p:cxnSp>
         <p:nvCxnSpPr>
-          <p:cNvPr id="20" name="直線矢印コネクタ 19">
-            <a:extLst>
-              <a:ext uri="{FF2B5EF4-FFF2-40B4-BE49-F238E27FC236}">
-                <a16:creationId xmlns:a16="http://schemas.microsoft.com/office/drawing/2014/main" id="{E6CB493A-EA18-122B-4B13-A3AB9CAA785F}"/>
+          <p:cNvPr id="88" name="コネクタ: カギ線 87">
+            <a:extLst>
+              <a:ext uri="{FF2B5EF4-FFF2-40B4-BE49-F238E27FC236}">
+                <a16:creationId xmlns:a16="http://schemas.microsoft.com/office/drawing/2014/main" id="{B44D5D78-E3DC-AB91-553B-9EDE99701077}"/>
               </a:ext>
             </a:extLst>
           </p:cNvPr>
           <p:cNvCxnSpPr>
             <a:cxnSpLocks/>
-            <a:stCxn id="7" idx="3"/>
-            <a:endCxn id="9" idx="1"/>
+            <a:stCxn id="61" idx="3"/>
+            <a:endCxn id="91" idx="0"/>
           </p:cNvCxnSpPr>
           <p:nvPr/>
         </p:nvCxnSpPr>
         <p:spPr>
           <a:xfrm>
-            <a:off x="5775158" y="1628274"/>
-            <a:ext cx="481263" cy="0"/>
+            <a:off x="9611902" y="1608667"/>
+            <a:ext cx="1707740" cy="495431"/>
+          </a:xfrm>
+          <a:prstGeom prst="bentConnector2">
+            <a:avLst/>
+          </a:prstGeom>
+          <a:ln>
+            <a:tailEnd type="triangle"/>
+          </a:ln>
+        </p:spPr>
+        <p:style>
+          <a:lnRef idx="2">
+            <a:schemeClr val="accent1"/>
+          </a:lnRef>
+          <a:fillRef idx="0">
+            <a:schemeClr val="accent1"/>
+          </a:fillRef>
+          <a:effectRef idx="1">
+            <a:schemeClr val="accent1"/>
+          </a:effectRef>
+          <a:fontRef idx="minor">
+            <a:schemeClr val="tx1"/>
+          </a:fontRef>
+        </p:style>
+      </p:cxnSp>
+      <p:sp>
+        <p:nvSpPr>
+          <p:cNvPr id="91" name="四角形: 角を丸くする 90">
+            <a:extLst>
+              <a:ext uri="{FF2B5EF4-FFF2-40B4-BE49-F238E27FC236}">
+                <a16:creationId xmlns:a16="http://schemas.microsoft.com/office/drawing/2014/main" id="{F8418EF5-EBC8-1F65-5332-36D7E5BB910B}"/>
+              </a:ext>
+            </a:extLst>
+          </p:cNvPr>
+          <p:cNvSpPr/>
+          <p:nvPr/>
+        </p:nvSpPr>
+        <p:spPr>
+          <a:xfrm>
+            <a:off x="10779278" y="2104098"/>
+            <a:ext cx="1080728" cy="1467406"/>
+          </a:xfrm>
+          <a:prstGeom prst="roundRect">
+            <a:avLst/>
+          </a:prstGeom>
+        </p:spPr>
+        <p:style>
+          <a:lnRef idx="2">
+            <a:schemeClr val="accent4"/>
+          </a:lnRef>
+          <a:fillRef idx="1">
+            <a:schemeClr val="lt1"/>
+          </a:fillRef>
+          <a:effectRef idx="0">
+            <a:schemeClr val="accent4"/>
+          </a:effectRef>
+          <a:fontRef idx="minor">
+            <a:schemeClr val="dk1"/>
+          </a:fontRef>
+        </p:style>
+        <p:txBody>
+          <a:bodyPr rtlCol="0" anchor="ctr"/>
+          <a:lstStyle/>
+          <a:p>
+            <a:pPr algn="ctr"/>
+            <a:r>
+              <a:rPr lang="ja-JP" altLang="en-US" dirty="0"/>
+              <a:t>在庫状況レポートの作成</a:t>
+            </a:r>
+            <a:endParaRPr lang="en-US" altLang="ja-JP" dirty="0"/>
+          </a:p>
+        </p:txBody>
+      </p:sp>
+      <p:cxnSp>
+        <p:nvCxnSpPr>
+          <p:cNvPr id="98" name="直線矢印コネクタ 97">
+            <a:extLst>
+              <a:ext uri="{FF2B5EF4-FFF2-40B4-BE49-F238E27FC236}">
+                <a16:creationId xmlns:a16="http://schemas.microsoft.com/office/drawing/2014/main" id="{46482E79-47AD-CD8D-6EA7-03E3184CCC58}"/>
+              </a:ext>
+            </a:extLst>
+          </p:cNvPr>
+          <p:cNvCxnSpPr>
+            <a:cxnSpLocks/>
+            <a:stCxn id="91" idx="2"/>
+            <a:endCxn id="102" idx="0"/>
+          </p:cNvCxnSpPr>
+          <p:nvPr/>
+        </p:nvCxnSpPr>
+        <p:spPr>
+          <a:xfrm>
+            <a:off x="11319642" y="3571504"/>
+            <a:ext cx="1" cy="495431"/>
+          </a:xfrm>
+          <a:prstGeom prst="straightConnector1">
+            <a:avLst/>
+          </a:prstGeom>
+          <a:ln>
+            <a:tailEnd type="triangle"/>
+          </a:ln>
+        </p:spPr>
+        <p:style>
+          <a:lnRef idx="2">
+            <a:schemeClr val="accent1"/>
+          </a:lnRef>
+          <a:fillRef idx="0">
+            <a:schemeClr val="accent1"/>
+          </a:fillRef>
+          <a:effectRef idx="1">
+            <a:schemeClr val="accent1"/>
+          </a:effectRef>
+          <a:fontRef idx="minor">
+            <a:schemeClr val="tx1"/>
+          </a:fontRef>
+        </p:style>
+      </p:cxnSp>
+      <p:sp>
+        <p:nvSpPr>
+          <p:cNvPr id="102" name="四角形: 角を丸くする 101">
+            <a:extLst>
+              <a:ext uri="{FF2B5EF4-FFF2-40B4-BE49-F238E27FC236}">
+                <a16:creationId xmlns:a16="http://schemas.microsoft.com/office/drawing/2014/main" id="{8710A6EE-1783-4DD0-7B02-3D12ACFCE205}"/>
+              </a:ext>
+            </a:extLst>
+          </p:cNvPr>
+          <p:cNvSpPr/>
+          <p:nvPr/>
+        </p:nvSpPr>
+        <p:spPr>
+          <a:xfrm>
+            <a:off x="10779279" y="4066935"/>
+            <a:ext cx="1080728" cy="561474"/>
+          </a:xfrm>
+          <a:prstGeom prst="roundRect">
+            <a:avLst/>
+          </a:prstGeom>
+        </p:spPr>
+        <p:style>
+          <a:lnRef idx="2">
+            <a:schemeClr val="accent4"/>
+          </a:lnRef>
+          <a:fillRef idx="1">
+            <a:schemeClr val="lt1"/>
+          </a:fillRef>
+          <a:effectRef idx="0">
+            <a:schemeClr val="accent4"/>
+          </a:effectRef>
+          <a:fontRef idx="minor">
+            <a:schemeClr val="dk1"/>
+          </a:fontRef>
+        </p:style>
+        <p:txBody>
+          <a:bodyPr rtlCol="0" anchor="ctr"/>
+          <a:lstStyle/>
+          <a:p>
+            <a:pPr algn="ctr"/>
+            <a:r>
+              <a:rPr lang="ja-JP" altLang="en-US" dirty="0"/>
+              <a:t>在庫量</a:t>
+            </a:r>
+            <a:endParaRPr lang="en-US" altLang="ja-JP" dirty="0"/>
+          </a:p>
+          <a:p>
+            <a:pPr algn="ctr"/>
+            <a:r>
+              <a:rPr lang="ja-JP" altLang="en-US" dirty="0"/>
+              <a:t>確認</a:t>
+            </a:r>
+            <a:endParaRPr lang="en-US" altLang="ja-JP" dirty="0"/>
+          </a:p>
+        </p:txBody>
+      </p:sp>
+      <p:sp>
+        <p:nvSpPr>
+          <p:cNvPr id="106" name="四角形: 角を丸くする 105">
+            <a:extLst>
+              <a:ext uri="{FF2B5EF4-FFF2-40B4-BE49-F238E27FC236}">
+                <a16:creationId xmlns:a16="http://schemas.microsoft.com/office/drawing/2014/main" id="{6468AC93-220C-55D6-ABBF-13BC6D7FCBA1}"/>
+              </a:ext>
+            </a:extLst>
+          </p:cNvPr>
+          <p:cNvSpPr/>
+          <p:nvPr/>
+        </p:nvSpPr>
+        <p:spPr>
+          <a:xfrm>
+            <a:off x="10779278" y="5123839"/>
+            <a:ext cx="1080721" cy="873455"/>
+          </a:xfrm>
+          <a:prstGeom prst="roundRect">
+            <a:avLst/>
+          </a:prstGeom>
+        </p:spPr>
+        <p:style>
+          <a:lnRef idx="2">
+            <a:schemeClr val="accent4"/>
+          </a:lnRef>
+          <a:fillRef idx="1">
+            <a:schemeClr val="lt1"/>
+          </a:fillRef>
+          <a:effectRef idx="0">
+            <a:schemeClr val="accent4"/>
+          </a:effectRef>
+          <a:fontRef idx="minor">
+            <a:schemeClr val="dk1"/>
+          </a:fontRef>
+        </p:style>
+        <p:txBody>
+          <a:bodyPr rtlCol="0" anchor="ctr"/>
+          <a:lstStyle/>
+          <a:p>
+            <a:pPr algn="ctr"/>
+            <a:r>
+              <a:rPr lang="ja-JP" altLang="en-US" dirty="0"/>
+              <a:t>商品データ確認</a:t>
+            </a:r>
+            <a:endParaRPr lang="en-US" altLang="ja-JP" dirty="0"/>
+          </a:p>
+        </p:txBody>
+      </p:sp>
+      <p:cxnSp>
+        <p:nvCxnSpPr>
+          <p:cNvPr id="107" name="直線矢印コネクタ 106">
+            <a:extLst>
+              <a:ext uri="{FF2B5EF4-FFF2-40B4-BE49-F238E27FC236}">
+                <a16:creationId xmlns:a16="http://schemas.microsoft.com/office/drawing/2014/main" id="{7F3ED135-0E13-88AC-097A-89C4B1C51BB6}"/>
+              </a:ext>
+            </a:extLst>
+          </p:cNvPr>
+          <p:cNvCxnSpPr>
+            <a:cxnSpLocks/>
+            <a:stCxn id="102" idx="2"/>
+            <a:endCxn id="106" idx="0"/>
+          </p:cNvCxnSpPr>
+          <p:nvPr/>
+        </p:nvCxnSpPr>
+        <p:spPr>
+          <a:xfrm flipH="1">
+            <a:off x="11319639" y="4628409"/>
+            <a:ext cx="4" cy="495430"/>
           </a:xfrm>
           <a:prstGeom prst="straightConnector1">
             <a:avLst/>
@@ -4293,24 +5050,24 @@
       </p:cxnSp>
       <p:cxnSp>
         <p:nvCxnSpPr>
-          <p:cNvPr id="21" name="直線矢印コネクタ 20">
-            <a:extLst>
-              <a:ext uri="{FF2B5EF4-FFF2-40B4-BE49-F238E27FC236}">
-                <a16:creationId xmlns:a16="http://schemas.microsoft.com/office/drawing/2014/main" id="{F4C75159-4AEF-C49D-6155-5C83AC23DFB3}"/>
+          <p:cNvPr id="114" name="直線矢印コネクタ 113">
+            <a:extLst>
+              <a:ext uri="{FF2B5EF4-FFF2-40B4-BE49-F238E27FC236}">
+                <a16:creationId xmlns:a16="http://schemas.microsoft.com/office/drawing/2014/main" id="{1E323414-E58C-CB48-F24F-12B22D2EBBB6}"/>
               </a:ext>
             </a:extLst>
           </p:cNvPr>
           <p:cNvCxnSpPr>
             <a:cxnSpLocks/>
-            <a:stCxn id="9" idx="3"/>
-            <a:endCxn id="12" idx="1"/>
+            <a:stCxn id="106" idx="1"/>
+            <a:endCxn id="178" idx="3"/>
           </p:cNvCxnSpPr>
           <p:nvPr/>
         </p:nvCxnSpPr>
         <p:spPr>
-          <a:xfrm>
-            <a:off x="7343274" y="1628274"/>
-            <a:ext cx="499174" cy="10968"/>
+          <a:xfrm flipH="1" flipV="1">
+            <a:off x="10363410" y="5560566"/>
+            <a:ext cx="415868" cy="1"/>
           </a:xfrm>
           <a:prstGeom prst="straightConnector1">
             <a:avLst/>
@@ -4336,24 +5093,222 @@
       </p:cxnSp>
       <p:cxnSp>
         <p:nvCxnSpPr>
-          <p:cNvPr id="23" name="直線矢印コネクタ 22">
-            <a:extLst>
-              <a:ext uri="{FF2B5EF4-FFF2-40B4-BE49-F238E27FC236}">
-                <a16:creationId xmlns:a16="http://schemas.microsoft.com/office/drawing/2014/main" id="{A1816C5E-5F1E-17C6-0236-73CA2A4149EC}"/>
+          <p:cNvPr id="123" name="直線矢印コネクタ 122">
+            <a:extLst>
+              <a:ext uri="{FF2B5EF4-FFF2-40B4-BE49-F238E27FC236}">
+                <a16:creationId xmlns:a16="http://schemas.microsoft.com/office/drawing/2014/main" id="{10A2D6B8-4226-6D5F-63AA-7A600569749F}"/>
               </a:ext>
             </a:extLst>
           </p:cNvPr>
           <p:cNvCxnSpPr>
             <a:cxnSpLocks/>
-            <a:stCxn id="7" idx="2"/>
-            <a:endCxn id="8" idx="0"/>
+            <a:stCxn id="178" idx="1"/>
+            <a:endCxn id="93" idx="3"/>
           </p:cNvCxnSpPr>
           <p:nvPr/>
         </p:nvCxnSpPr>
         <p:spPr>
           <a:xfrm flipH="1">
-            <a:off x="4863332" y="2085474"/>
-            <a:ext cx="11463" cy="501315"/>
+            <a:off x="8872312" y="5560566"/>
+            <a:ext cx="410393" cy="0"/>
+          </a:xfrm>
+          <a:prstGeom prst="straightConnector1">
+            <a:avLst/>
+          </a:prstGeom>
+          <a:ln>
+            <a:tailEnd type="triangle"/>
+          </a:ln>
+        </p:spPr>
+        <p:style>
+          <a:lnRef idx="2">
+            <a:schemeClr val="accent1"/>
+          </a:lnRef>
+          <a:fillRef idx="0">
+            <a:schemeClr val="accent1"/>
+          </a:fillRef>
+          <a:effectRef idx="1">
+            <a:schemeClr val="accent1"/>
+          </a:effectRef>
+          <a:fontRef idx="minor">
+            <a:schemeClr val="tx1"/>
+          </a:fontRef>
+        </p:style>
+      </p:cxnSp>
+      <p:sp>
+        <p:nvSpPr>
+          <p:cNvPr id="130" name="四角形: 角を丸くする 129">
+            <a:extLst>
+              <a:ext uri="{FF2B5EF4-FFF2-40B4-BE49-F238E27FC236}">
+                <a16:creationId xmlns:a16="http://schemas.microsoft.com/office/drawing/2014/main" id="{618DE559-C849-F966-EE5D-BE2A90FC98AB}"/>
+              </a:ext>
+            </a:extLst>
+          </p:cNvPr>
+          <p:cNvSpPr/>
+          <p:nvPr/>
+        </p:nvSpPr>
+        <p:spPr>
+          <a:xfrm>
+            <a:off x="9282682" y="4066935"/>
+            <a:ext cx="1080641" cy="561474"/>
+          </a:xfrm>
+          <a:prstGeom prst="roundRect">
+            <a:avLst/>
+          </a:prstGeom>
+        </p:spPr>
+        <p:style>
+          <a:lnRef idx="2">
+            <a:schemeClr val="accent4"/>
+          </a:lnRef>
+          <a:fillRef idx="1">
+            <a:schemeClr val="lt1"/>
+          </a:fillRef>
+          <a:effectRef idx="0">
+            <a:schemeClr val="accent4"/>
+          </a:effectRef>
+          <a:fontRef idx="minor">
+            <a:schemeClr val="dk1"/>
+          </a:fontRef>
+        </p:style>
+        <p:txBody>
+          <a:bodyPr rtlCol="0" anchor="ctr"/>
+          <a:lstStyle/>
+          <a:p>
+            <a:pPr algn="ctr"/>
+            <a:r>
+              <a:rPr lang="ja-JP" altLang="en-US" dirty="0"/>
+              <a:t>仕入</a:t>
+            </a:r>
+            <a:endParaRPr lang="en-US" altLang="ja-JP" dirty="0"/>
+          </a:p>
+          <a:p>
+            <a:pPr algn="ctr"/>
+            <a:r>
+              <a:rPr lang="ja-JP" altLang="en-US" dirty="0"/>
+              <a:t>完了</a:t>
+            </a:r>
+            <a:endParaRPr lang="en-US" altLang="ja-JP" dirty="0"/>
+          </a:p>
+        </p:txBody>
+      </p:sp>
+      <p:cxnSp>
+        <p:nvCxnSpPr>
+          <p:cNvPr id="131" name="直線矢印コネクタ 130">
+            <a:extLst>
+              <a:ext uri="{FF2B5EF4-FFF2-40B4-BE49-F238E27FC236}">
+                <a16:creationId xmlns:a16="http://schemas.microsoft.com/office/drawing/2014/main" id="{A3329DCD-A312-7149-2D54-CB61657198BB}"/>
+              </a:ext>
+            </a:extLst>
+          </p:cNvPr>
+          <p:cNvCxnSpPr>
+            <a:cxnSpLocks/>
+            <a:stCxn id="59" idx="2"/>
+            <a:endCxn id="130" idx="0"/>
+          </p:cNvCxnSpPr>
+          <p:nvPr/>
+        </p:nvCxnSpPr>
+        <p:spPr>
+          <a:xfrm flipH="1">
+            <a:off x="9823003" y="3571504"/>
+            <a:ext cx="43" cy="495431"/>
+          </a:xfrm>
+          <a:prstGeom prst="straightConnector1">
+            <a:avLst/>
+          </a:prstGeom>
+          <a:ln>
+            <a:tailEnd type="triangle"/>
+          </a:ln>
+        </p:spPr>
+        <p:style>
+          <a:lnRef idx="2">
+            <a:schemeClr val="accent1"/>
+          </a:lnRef>
+          <a:fillRef idx="0">
+            <a:schemeClr val="accent1"/>
+          </a:fillRef>
+          <a:effectRef idx="1">
+            <a:schemeClr val="accent1"/>
+          </a:effectRef>
+          <a:fontRef idx="minor">
+            <a:schemeClr val="tx1"/>
+          </a:fontRef>
+        </p:style>
+      </p:cxnSp>
+      <p:sp>
+        <p:nvSpPr>
+          <p:cNvPr id="138" name="四角形: 角を丸くする 137">
+            <a:extLst>
+              <a:ext uri="{FF2B5EF4-FFF2-40B4-BE49-F238E27FC236}">
+                <a16:creationId xmlns:a16="http://schemas.microsoft.com/office/drawing/2014/main" id="{FD6A5FEE-76FA-27E9-4993-0C06E81B6960}"/>
+              </a:ext>
+            </a:extLst>
+          </p:cNvPr>
+          <p:cNvSpPr/>
+          <p:nvPr/>
+        </p:nvSpPr>
+        <p:spPr>
+          <a:xfrm>
+            <a:off x="5038678" y="4005722"/>
+            <a:ext cx="1074700" cy="770019"/>
+          </a:xfrm>
+          <a:prstGeom prst="roundRect">
+            <a:avLst/>
+          </a:prstGeom>
+        </p:spPr>
+        <p:style>
+          <a:lnRef idx="2">
+            <a:schemeClr val="accent4"/>
+          </a:lnRef>
+          <a:fillRef idx="1">
+            <a:schemeClr val="lt1"/>
+          </a:fillRef>
+          <a:effectRef idx="0">
+            <a:schemeClr val="accent4"/>
+          </a:effectRef>
+          <a:fontRef idx="minor">
+            <a:schemeClr val="dk1"/>
+          </a:fontRef>
+        </p:style>
+        <p:txBody>
+          <a:bodyPr rtlCol="0" anchor="ctr"/>
+          <a:lstStyle/>
+          <a:p>
+            <a:pPr algn="ctr"/>
+            <a:r>
+              <a:rPr lang="ja-JP" altLang="en-US" dirty="0"/>
+              <a:t>仕入</a:t>
+            </a:r>
+            <a:endParaRPr lang="en-US" altLang="ja-JP" dirty="0"/>
+          </a:p>
+          <a:p>
+            <a:pPr algn="ctr"/>
+            <a:r>
+              <a:rPr lang="ja-JP" altLang="en-US" dirty="0"/>
+              <a:t>予定数削除</a:t>
+            </a:r>
+            <a:endParaRPr lang="en-US" altLang="ja-JP" dirty="0"/>
+          </a:p>
+        </p:txBody>
+      </p:sp>
+      <p:cxnSp>
+        <p:nvCxnSpPr>
+          <p:cNvPr id="139" name="直線矢印コネクタ 138">
+            <a:extLst>
+              <a:ext uri="{FF2B5EF4-FFF2-40B4-BE49-F238E27FC236}">
+                <a16:creationId xmlns:a16="http://schemas.microsoft.com/office/drawing/2014/main" id="{93E376D8-7D98-6FA1-6DE3-F31E90FD39D7}"/>
+              </a:ext>
+            </a:extLst>
+          </p:cNvPr>
+          <p:cNvCxnSpPr>
+            <a:cxnSpLocks/>
+            <a:stCxn id="130" idx="1"/>
+            <a:endCxn id="138" idx="3"/>
+          </p:cNvCxnSpPr>
+          <p:nvPr/>
+        </p:nvCxnSpPr>
+        <p:spPr>
+          <a:xfrm flipH="1">
+            <a:off x="6113378" y="4347672"/>
+            <a:ext cx="3169304" cy="43060"/>
           </a:xfrm>
           <a:prstGeom prst="straightConnector1">
             <a:avLst/>
@@ -4379,1791 +5334,29 @@
       </p:cxnSp>
       <p:cxnSp>
         <p:nvCxnSpPr>
-          <p:cNvPr id="25" name="直線矢印コネクタ 24">
-            <a:extLst>
-              <a:ext uri="{FF2B5EF4-FFF2-40B4-BE49-F238E27FC236}">
-                <a16:creationId xmlns:a16="http://schemas.microsoft.com/office/drawing/2014/main" id="{C4677DBC-1412-5BF4-9240-A570522A5D6E}"/>
+          <p:cNvPr id="145" name="コネクタ: 曲線 144">
+            <a:extLst>
+              <a:ext uri="{FF2B5EF4-FFF2-40B4-BE49-F238E27FC236}">
+                <a16:creationId xmlns:a16="http://schemas.microsoft.com/office/drawing/2014/main" id="{5A3A3294-0DFC-84F0-E792-0DE6D4EB794B}"/>
               </a:ext>
             </a:extLst>
           </p:cNvPr>
           <p:cNvCxnSpPr>
             <a:cxnSpLocks/>
-            <a:stCxn id="8" idx="0"/>
-            <a:endCxn id="9" idx="1"/>
+            <a:stCxn id="138" idx="1"/>
+            <a:endCxn id="35" idx="1"/>
           </p:cNvCxnSpPr>
           <p:nvPr/>
         </p:nvCxnSpPr>
         <p:spPr>
-          <a:xfrm flipV="1">
-            <a:off x="4863332" y="1628274"/>
-            <a:ext cx="1393089" cy="958515"/>
-          </a:xfrm>
-          <a:prstGeom prst="straightConnector1">
-            <a:avLst/>
-          </a:prstGeom>
-          <a:ln>
-            <a:tailEnd type="triangle"/>
-          </a:ln>
-        </p:spPr>
-        <p:style>
-          <a:lnRef idx="2">
-            <a:schemeClr val="accent1"/>
-          </a:lnRef>
-          <a:fillRef idx="0">
-            <a:schemeClr val="accent1"/>
-          </a:fillRef>
-          <a:effectRef idx="1">
-            <a:schemeClr val="accent1"/>
-          </a:effectRef>
-          <a:fontRef idx="minor">
-            <a:schemeClr val="tx1"/>
-          </a:fontRef>
-        </p:style>
-      </p:cxnSp>
-      <p:sp>
-        <p:nvSpPr>
-          <p:cNvPr id="28" name="テキスト ボックス 27">
-            <a:extLst>
-              <a:ext uri="{FF2B5EF4-FFF2-40B4-BE49-F238E27FC236}">
-                <a16:creationId xmlns:a16="http://schemas.microsoft.com/office/drawing/2014/main" id="{3EFA3A8B-415E-814E-46A9-EEDE83346598}"/>
-              </a:ext>
-            </a:extLst>
-          </p:cNvPr>
-          <p:cNvSpPr txBox="1"/>
-          <p:nvPr/>
-        </p:nvSpPr>
-        <p:spPr>
-          <a:xfrm>
-            <a:off x="5677416" y="1171074"/>
-            <a:ext cx="579005" cy="369332"/>
-          </a:xfrm>
-          <a:prstGeom prst="rect">
-            <a:avLst/>
-          </a:prstGeom>
-          <a:noFill/>
-        </p:spPr>
-        <p:txBody>
-          <a:bodyPr wrap="none" rtlCol="0">
-            <a:spAutoFit/>
-          </a:bodyPr>
-          <a:lstStyle/>
-          <a:p>
-            <a:r>
-              <a:rPr kumimoji="1" lang="en-US" altLang="ja-JP" dirty="0"/>
-              <a:t>Yes</a:t>
-            </a:r>
-          </a:p>
-        </p:txBody>
-      </p:sp>
-      <p:sp>
-        <p:nvSpPr>
-          <p:cNvPr id="29" name="テキスト ボックス 28">
-            <a:extLst>
-              <a:ext uri="{FF2B5EF4-FFF2-40B4-BE49-F238E27FC236}">
-                <a16:creationId xmlns:a16="http://schemas.microsoft.com/office/drawing/2014/main" id="{F2BA0F3E-10D6-46C1-D679-4F94DA8C1287}"/>
-              </a:ext>
-            </a:extLst>
-          </p:cNvPr>
-          <p:cNvSpPr txBox="1"/>
-          <p:nvPr/>
-        </p:nvSpPr>
-        <p:spPr>
-          <a:xfrm>
-            <a:off x="4295789" y="2247900"/>
-            <a:ext cx="487634" cy="369332"/>
-          </a:xfrm>
-          <a:prstGeom prst="rect">
-            <a:avLst/>
-          </a:prstGeom>
-          <a:noFill/>
-        </p:spPr>
-        <p:txBody>
-          <a:bodyPr wrap="none" rtlCol="0">
-            <a:spAutoFit/>
-          </a:bodyPr>
-          <a:lstStyle/>
-          <a:p>
-            <a:r>
-              <a:rPr lang="en-US" altLang="ja-JP" dirty="0"/>
-              <a:t>No</a:t>
-            </a:r>
-            <a:endParaRPr kumimoji="1" lang="en-US" altLang="ja-JP" dirty="0"/>
-          </a:p>
-        </p:txBody>
-      </p:sp>
-      <p:sp>
-        <p:nvSpPr>
-          <p:cNvPr id="44" name="四角形: 角を丸くする 43">
-            <a:extLst>
-              <a:ext uri="{FF2B5EF4-FFF2-40B4-BE49-F238E27FC236}">
-                <a16:creationId xmlns:a16="http://schemas.microsoft.com/office/drawing/2014/main" id="{36886F94-9295-48E8-DD26-34300DD06371}"/>
-              </a:ext>
-            </a:extLst>
-          </p:cNvPr>
-          <p:cNvSpPr/>
-          <p:nvPr/>
-        </p:nvSpPr>
-        <p:spPr>
-          <a:xfrm>
-            <a:off x="4026122" y="3798786"/>
-            <a:ext cx="1086853" cy="561474"/>
-          </a:xfrm>
-          <a:prstGeom prst="roundRect">
-            <a:avLst/>
-          </a:prstGeom>
-        </p:spPr>
-        <p:style>
-          <a:lnRef idx="2">
-            <a:schemeClr val="accent4"/>
-          </a:lnRef>
-          <a:fillRef idx="1">
-            <a:schemeClr val="lt1"/>
-          </a:fillRef>
-          <a:effectRef idx="0">
-            <a:schemeClr val="accent4"/>
-          </a:effectRef>
-          <a:fontRef idx="minor">
-            <a:schemeClr val="dk1"/>
-          </a:fontRef>
-        </p:style>
-        <p:txBody>
-          <a:bodyPr rtlCol="0" anchor="ctr"/>
-          <a:lstStyle/>
-          <a:p>
-            <a:pPr algn="ctr"/>
-            <a:r>
-              <a:rPr lang="ja-JP" altLang="en-US" dirty="0"/>
-              <a:t>集計</a:t>
-            </a:r>
-            <a:endParaRPr lang="en-US" altLang="ja-JP" dirty="0"/>
-          </a:p>
-        </p:txBody>
-      </p:sp>
-      <p:sp>
-        <p:nvSpPr>
-          <p:cNvPr id="50" name="テキスト ボックス 49">
-            <a:extLst>
-              <a:ext uri="{FF2B5EF4-FFF2-40B4-BE49-F238E27FC236}">
-                <a16:creationId xmlns:a16="http://schemas.microsoft.com/office/drawing/2014/main" id="{57184E3A-290A-E206-1502-A2D2F4EE4E62}"/>
-              </a:ext>
-            </a:extLst>
-          </p:cNvPr>
-          <p:cNvSpPr txBox="1"/>
-          <p:nvPr/>
-        </p:nvSpPr>
-        <p:spPr>
-          <a:xfrm>
-            <a:off x="8135283" y="4457913"/>
-            <a:ext cx="579005" cy="369332"/>
-          </a:xfrm>
-          <a:prstGeom prst="rect">
-            <a:avLst/>
-          </a:prstGeom>
-          <a:noFill/>
-        </p:spPr>
-        <p:txBody>
-          <a:bodyPr wrap="square" rtlCol="0">
-            <a:spAutoFit/>
-          </a:bodyPr>
-          <a:lstStyle/>
-          <a:p>
-            <a:r>
-              <a:rPr kumimoji="1" lang="en-US" altLang="ja-JP" dirty="0"/>
-              <a:t>Yes</a:t>
-            </a:r>
-          </a:p>
-        </p:txBody>
-      </p:sp>
-      <p:sp>
-        <p:nvSpPr>
-          <p:cNvPr id="52" name="四角形: 角を丸くする 51">
-            <a:extLst>
-              <a:ext uri="{FF2B5EF4-FFF2-40B4-BE49-F238E27FC236}">
-                <a16:creationId xmlns:a16="http://schemas.microsoft.com/office/drawing/2014/main" id="{222E10DD-C2E7-F93C-E79A-2DE4ED6D1C09}"/>
-              </a:ext>
-            </a:extLst>
-          </p:cNvPr>
-          <p:cNvSpPr/>
-          <p:nvPr/>
-        </p:nvSpPr>
-        <p:spPr>
-          <a:xfrm>
-            <a:off x="7048431" y="4585367"/>
-            <a:ext cx="1086853" cy="561474"/>
-          </a:xfrm>
-          <a:prstGeom prst="roundRect">
-            <a:avLst/>
-          </a:prstGeom>
-        </p:spPr>
-        <p:style>
-          <a:lnRef idx="2">
-            <a:schemeClr val="accent4"/>
-          </a:lnRef>
-          <a:fillRef idx="1">
-            <a:schemeClr val="lt1"/>
-          </a:fillRef>
-          <a:effectRef idx="0">
-            <a:schemeClr val="accent4"/>
-          </a:effectRef>
-          <a:fontRef idx="minor">
-            <a:schemeClr val="dk1"/>
-          </a:fontRef>
-        </p:style>
-        <p:txBody>
-          <a:bodyPr rtlCol="0" anchor="ctr"/>
-          <a:lstStyle/>
-          <a:p>
-            <a:pPr algn="ctr"/>
-            <a:r>
-              <a:rPr lang="ja-JP" altLang="en-US" dirty="0"/>
-              <a:t>申請先へ転送</a:t>
-            </a:r>
-            <a:endParaRPr lang="en-US" altLang="ja-JP" dirty="0"/>
-          </a:p>
-        </p:txBody>
-      </p:sp>
-      <p:sp>
-        <p:nvSpPr>
-          <p:cNvPr id="53" name="ひし形 52">
-            <a:extLst>
-              <a:ext uri="{FF2B5EF4-FFF2-40B4-BE49-F238E27FC236}">
-                <a16:creationId xmlns:a16="http://schemas.microsoft.com/office/drawing/2014/main" id="{63AFAF43-9376-5F02-C3E1-A81B60C2A25E}"/>
-              </a:ext>
-            </a:extLst>
-          </p:cNvPr>
-          <p:cNvSpPr/>
-          <p:nvPr/>
-        </p:nvSpPr>
-        <p:spPr>
-          <a:xfrm>
-            <a:off x="8643932" y="4417816"/>
-            <a:ext cx="1800726" cy="914400"/>
-          </a:xfrm>
-          <a:prstGeom prst="diamond">
-            <a:avLst/>
-          </a:prstGeom>
-        </p:spPr>
-        <p:style>
-          <a:lnRef idx="2">
-            <a:schemeClr val="accent2"/>
-          </a:lnRef>
-          <a:fillRef idx="1">
-            <a:schemeClr val="lt1"/>
-          </a:fillRef>
-          <a:effectRef idx="0">
-            <a:schemeClr val="accent2"/>
-          </a:effectRef>
-          <a:fontRef idx="minor">
-            <a:schemeClr val="dk1"/>
-          </a:fontRef>
-        </p:style>
-        <p:txBody>
-          <a:bodyPr rtlCol="0" anchor="ctr"/>
-          <a:lstStyle/>
-          <a:p>
-            <a:pPr algn="ctr"/>
-            <a:r>
-              <a:rPr lang="ja-JP" altLang="en-US" dirty="0"/>
-              <a:t>申請先は登録済み？</a:t>
-            </a:r>
-            <a:endParaRPr lang="en-US" altLang="ja-JP" dirty="0"/>
-          </a:p>
-        </p:txBody>
-      </p:sp>
-      <p:sp>
-        <p:nvSpPr>
-          <p:cNvPr id="58" name="四角形: 角を丸くする 57">
-            <a:extLst>
-              <a:ext uri="{FF2B5EF4-FFF2-40B4-BE49-F238E27FC236}">
-                <a16:creationId xmlns:a16="http://schemas.microsoft.com/office/drawing/2014/main" id="{48732ECA-F852-3067-E2B0-A4A43E63CE3B}"/>
-              </a:ext>
-            </a:extLst>
-          </p:cNvPr>
-          <p:cNvSpPr/>
-          <p:nvPr/>
-        </p:nvSpPr>
-        <p:spPr>
-          <a:xfrm>
-            <a:off x="837086" y="3800640"/>
-            <a:ext cx="1086853" cy="561474"/>
-          </a:xfrm>
-          <a:prstGeom prst="roundRect">
-            <a:avLst/>
-          </a:prstGeom>
-        </p:spPr>
-        <p:style>
-          <a:lnRef idx="2">
-            <a:schemeClr val="accent4"/>
-          </a:lnRef>
-          <a:fillRef idx="1">
-            <a:schemeClr val="lt1"/>
-          </a:fillRef>
-          <a:effectRef idx="0">
-            <a:schemeClr val="accent4"/>
-          </a:effectRef>
-          <a:fontRef idx="minor">
-            <a:schemeClr val="dk1"/>
-          </a:fontRef>
-        </p:style>
-        <p:txBody>
-          <a:bodyPr rtlCol="0" anchor="ctr"/>
-          <a:lstStyle/>
-          <a:p>
-            <a:pPr algn="ctr"/>
-            <a:r>
-              <a:rPr kumimoji="1" lang="ja-JP" altLang="en-US" dirty="0"/>
-              <a:t>打刻時間の受け取り</a:t>
-            </a:r>
-          </a:p>
-        </p:txBody>
-      </p:sp>
-      <p:sp>
-        <p:nvSpPr>
-          <p:cNvPr id="59" name="四角形: 角を丸くする 58">
-            <a:extLst>
-              <a:ext uri="{FF2B5EF4-FFF2-40B4-BE49-F238E27FC236}">
-                <a16:creationId xmlns:a16="http://schemas.microsoft.com/office/drawing/2014/main" id="{4DD0623F-A5B0-7ED8-FE81-CAC475823988}"/>
-              </a:ext>
-            </a:extLst>
-          </p:cNvPr>
-          <p:cNvSpPr/>
-          <p:nvPr/>
-        </p:nvSpPr>
-        <p:spPr>
-          <a:xfrm>
-            <a:off x="10953307" y="4589013"/>
-            <a:ext cx="1086853" cy="561474"/>
-          </a:xfrm>
-          <a:prstGeom prst="roundRect">
-            <a:avLst/>
-          </a:prstGeom>
-        </p:spPr>
-        <p:style>
-          <a:lnRef idx="2">
-            <a:schemeClr val="accent4"/>
-          </a:lnRef>
-          <a:fillRef idx="1">
-            <a:schemeClr val="lt1"/>
-          </a:fillRef>
-          <a:effectRef idx="0">
-            <a:schemeClr val="accent4"/>
-          </a:effectRef>
-          <a:fontRef idx="minor">
-            <a:schemeClr val="dk1"/>
-          </a:fontRef>
-        </p:style>
-        <p:txBody>
-          <a:bodyPr rtlCol="0" anchor="ctr"/>
-          <a:lstStyle/>
-          <a:p>
-            <a:pPr algn="ctr"/>
-            <a:r>
-              <a:rPr lang="ja-JP" altLang="en-US" dirty="0"/>
-              <a:t>申請の受け取り</a:t>
-            </a:r>
-            <a:endParaRPr lang="en-US" altLang="ja-JP" dirty="0"/>
-          </a:p>
-        </p:txBody>
-      </p:sp>
-      <p:sp>
-        <p:nvSpPr>
-          <p:cNvPr id="70" name="四角形: 角を丸くする 69">
-            <a:extLst>
-              <a:ext uri="{FF2B5EF4-FFF2-40B4-BE49-F238E27FC236}">
-                <a16:creationId xmlns:a16="http://schemas.microsoft.com/office/drawing/2014/main" id="{5F023F36-8AC0-4F2D-7258-0616E8808909}"/>
-              </a:ext>
-            </a:extLst>
-          </p:cNvPr>
-          <p:cNvSpPr/>
-          <p:nvPr/>
-        </p:nvSpPr>
-        <p:spPr>
-          <a:xfrm>
-            <a:off x="2406315" y="3800368"/>
-            <a:ext cx="1086853" cy="561474"/>
-          </a:xfrm>
-          <a:prstGeom prst="roundRect">
-            <a:avLst/>
-          </a:prstGeom>
-        </p:spPr>
-        <p:style>
-          <a:lnRef idx="2">
-            <a:schemeClr val="accent4"/>
-          </a:lnRef>
-          <a:fillRef idx="1">
-            <a:schemeClr val="lt1"/>
-          </a:fillRef>
-          <a:effectRef idx="0">
-            <a:schemeClr val="accent4"/>
-          </a:effectRef>
-          <a:fontRef idx="minor">
-            <a:schemeClr val="dk1"/>
-          </a:fontRef>
-        </p:style>
-        <p:txBody>
-          <a:bodyPr rtlCol="0" anchor="ctr"/>
-          <a:lstStyle/>
-          <a:p>
-            <a:pPr algn="ctr"/>
-            <a:r>
-              <a:rPr lang="ja-JP" altLang="en-US" dirty="0"/>
-              <a:t>打刻時間の記録</a:t>
-            </a:r>
-            <a:endParaRPr lang="en-US" altLang="ja-JP" dirty="0"/>
-          </a:p>
-        </p:txBody>
-      </p:sp>
-      <p:sp>
-        <p:nvSpPr>
-          <p:cNvPr id="75" name="楕円 74">
-            <a:extLst>
-              <a:ext uri="{FF2B5EF4-FFF2-40B4-BE49-F238E27FC236}">
-                <a16:creationId xmlns:a16="http://schemas.microsoft.com/office/drawing/2014/main" id="{86941029-AC94-D166-BE5C-2344255E9BF4}"/>
-              </a:ext>
-            </a:extLst>
-          </p:cNvPr>
-          <p:cNvSpPr/>
-          <p:nvPr/>
-        </p:nvSpPr>
-        <p:spPr>
-          <a:xfrm>
-            <a:off x="2406314" y="6007768"/>
-            <a:ext cx="1086853" cy="561474"/>
-          </a:xfrm>
-          <a:prstGeom prst="ellipse">
-            <a:avLst/>
-          </a:prstGeom>
-        </p:spPr>
-        <p:style>
-          <a:lnRef idx="2">
-            <a:schemeClr val="accent6"/>
-          </a:lnRef>
-          <a:fillRef idx="1">
-            <a:schemeClr val="lt1"/>
-          </a:fillRef>
-          <a:effectRef idx="0">
-            <a:schemeClr val="accent6"/>
-          </a:effectRef>
-          <a:fontRef idx="minor">
-            <a:schemeClr val="dk1"/>
-          </a:fontRef>
-        </p:style>
-        <p:txBody>
-          <a:bodyPr rtlCol="0" anchor="ctr"/>
-          <a:lstStyle/>
-          <a:p>
-            <a:pPr algn="ctr"/>
-            <a:r>
-              <a:rPr lang="ja-JP" altLang="en-US" dirty="0"/>
-              <a:t>終了</a:t>
-            </a:r>
-            <a:endParaRPr kumimoji="1" lang="ja-JP" altLang="en-US" dirty="0"/>
-          </a:p>
-        </p:txBody>
-      </p:sp>
-      <p:sp>
-        <p:nvSpPr>
-          <p:cNvPr id="76" name="テキスト ボックス 75">
-            <a:extLst>
-              <a:ext uri="{FF2B5EF4-FFF2-40B4-BE49-F238E27FC236}">
-                <a16:creationId xmlns:a16="http://schemas.microsoft.com/office/drawing/2014/main" id="{A5896330-FA43-57F6-ACAA-4F392D8137AB}"/>
-              </a:ext>
-            </a:extLst>
-          </p:cNvPr>
-          <p:cNvSpPr txBox="1"/>
-          <p:nvPr/>
-        </p:nvSpPr>
-        <p:spPr>
-          <a:xfrm>
-            <a:off x="11069471" y="905755"/>
-            <a:ext cx="487634" cy="369332"/>
-          </a:xfrm>
-          <a:prstGeom prst="rect">
-            <a:avLst/>
-          </a:prstGeom>
-          <a:noFill/>
-        </p:spPr>
-        <p:txBody>
-          <a:bodyPr wrap="none" rtlCol="0">
-            <a:spAutoFit/>
-          </a:bodyPr>
-          <a:lstStyle/>
-          <a:p>
-            <a:r>
-              <a:rPr lang="en-US" altLang="ja-JP" dirty="0"/>
-              <a:t>No</a:t>
-            </a:r>
-            <a:endParaRPr kumimoji="1" lang="en-US" altLang="ja-JP" dirty="0"/>
-          </a:p>
-        </p:txBody>
-      </p:sp>
-      <p:sp>
-        <p:nvSpPr>
-          <p:cNvPr id="93" name="四角形: 角を丸くする 92">
-            <a:extLst>
-              <a:ext uri="{FF2B5EF4-FFF2-40B4-BE49-F238E27FC236}">
-                <a16:creationId xmlns:a16="http://schemas.microsoft.com/office/drawing/2014/main" id="{379B327E-0279-172C-AE31-0FBE95F20B13}"/>
-              </a:ext>
-            </a:extLst>
-          </p:cNvPr>
-          <p:cNvSpPr/>
-          <p:nvPr/>
-        </p:nvSpPr>
-        <p:spPr>
-          <a:xfrm>
-            <a:off x="5202338" y="6020297"/>
-            <a:ext cx="1086853" cy="561474"/>
-          </a:xfrm>
-          <a:prstGeom prst="roundRect">
-            <a:avLst/>
-          </a:prstGeom>
-        </p:spPr>
-        <p:style>
-          <a:lnRef idx="2">
-            <a:schemeClr val="accent4"/>
-          </a:lnRef>
-          <a:fillRef idx="1">
-            <a:schemeClr val="lt1"/>
-          </a:fillRef>
-          <a:effectRef idx="0">
-            <a:schemeClr val="accent4"/>
-          </a:effectRef>
-          <a:fontRef idx="minor">
-            <a:schemeClr val="dk1"/>
-          </a:fontRef>
-        </p:style>
-        <p:txBody>
-          <a:bodyPr rtlCol="0" anchor="ctr"/>
-          <a:lstStyle/>
-          <a:p>
-            <a:pPr algn="ctr"/>
-            <a:r>
-              <a:rPr lang="ja-JP" altLang="en-US" dirty="0"/>
-              <a:t>申請完了通知</a:t>
-            </a:r>
-            <a:endParaRPr lang="en-US" altLang="ja-JP" dirty="0"/>
-          </a:p>
-        </p:txBody>
-      </p:sp>
-      <p:cxnSp>
-        <p:nvCxnSpPr>
-          <p:cNvPr id="111" name="直線矢印コネクタ 110">
-            <a:extLst>
-              <a:ext uri="{FF2B5EF4-FFF2-40B4-BE49-F238E27FC236}">
-                <a16:creationId xmlns:a16="http://schemas.microsoft.com/office/drawing/2014/main" id="{2CEC1CD2-F12A-F5EE-B0AA-1025027EB572}"/>
-              </a:ext>
-            </a:extLst>
-          </p:cNvPr>
-          <p:cNvCxnSpPr>
-            <a:cxnSpLocks/>
-            <a:stCxn id="93" idx="1"/>
-            <a:endCxn id="75" idx="6"/>
-          </p:cNvCxnSpPr>
-          <p:nvPr/>
-        </p:nvCxnSpPr>
-        <p:spPr>
-          <a:xfrm flipH="1" flipV="1">
-            <a:off x="3493167" y="6288505"/>
-            <a:ext cx="1709171" cy="12529"/>
-          </a:xfrm>
-          <a:prstGeom prst="straightConnector1">
-            <a:avLst/>
-          </a:prstGeom>
-          <a:ln>
-            <a:tailEnd type="triangle"/>
-          </a:ln>
-        </p:spPr>
-        <p:style>
-          <a:lnRef idx="2">
-            <a:schemeClr val="accent1"/>
-          </a:lnRef>
-          <a:fillRef idx="0">
-            <a:schemeClr val="accent1"/>
-          </a:fillRef>
-          <a:effectRef idx="1">
-            <a:schemeClr val="accent1"/>
-          </a:effectRef>
-          <a:fontRef idx="minor">
-            <a:schemeClr val="tx1"/>
-          </a:fontRef>
-        </p:style>
-      </p:cxnSp>
-      <p:sp>
-        <p:nvSpPr>
-          <p:cNvPr id="124" name="テキスト ボックス 123">
-            <a:extLst>
-              <a:ext uri="{FF2B5EF4-FFF2-40B4-BE49-F238E27FC236}">
-                <a16:creationId xmlns:a16="http://schemas.microsoft.com/office/drawing/2014/main" id="{E1714324-4FD8-59F8-DA14-CAF918DAAE7C}"/>
-              </a:ext>
-            </a:extLst>
-          </p:cNvPr>
-          <p:cNvSpPr txBox="1"/>
-          <p:nvPr/>
-        </p:nvSpPr>
-        <p:spPr>
-          <a:xfrm>
-            <a:off x="9484267" y="5466165"/>
-            <a:ext cx="487634" cy="369332"/>
-          </a:xfrm>
-          <a:prstGeom prst="rect">
-            <a:avLst/>
-          </a:prstGeom>
-          <a:noFill/>
-        </p:spPr>
-        <p:txBody>
-          <a:bodyPr wrap="none" rtlCol="0">
-            <a:spAutoFit/>
-          </a:bodyPr>
-          <a:lstStyle/>
-          <a:p>
-            <a:r>
-              <a:rPr lang="en-US" altLang="ja-JP" dirty="0"/>
-              <a:t>No</a:t>
-            </a:r>
-            <a:endParaRPr kumimoji="1" lang="en-US" altLang="ja-JP" dirty="0"/>
-          </a:p>
-        </p:txBody>
-      </p:sp>
-      <p:sp>
-        <p:nvSpPr>
-          <p:cNvPr id="3" name="テキスト ボックス 2">
-            <a:extLst>
-              <a:ext uri="{FF2B5EF4-FFF2-40B4-BE49-F238E27FC236}">
-                <a16:creationId xmlns:a16="http://schemas.microsoft.com/office/drawing/2014/main" id="{4A01A846-0D47-F43E-6B3E-2503B58DF01B}"/>
-              </a:ext>
-            </a:extLst>
-          </p:cNvPr>
-          <p:cNvSpPr txBox="1"/>
-          <p:nvPr/>
-        </p:nvSpPr>
-        <p:spPr>
-          <a:xfrm>
-            <a:off x="40117" y="1463255"/>
-            <a:ext cx="461665" cy="1252621"/>
-          </a:xfrm>
-          <a:prstGeom prst="rect">
-            <a:avLst/>
-          </a:prstGeom>
-          <a:noFill/>
-        </p:spPr>
-        <p:txBody>
-          <a:bodyPr vert="eaVert" wrap="square" rtlCol="0">
-            <a:spAutoFit/>
-          </a:bodyPr>
-          <a:lstStyle/>
-          <a:p>
-            <a:r>
-              <a:rPr kumimoji="1" lang="ja-JP" altLang="en-US" dirty="0"/>
-              <a:t>ユーザー</a:t>
-            </a:r>
-          </a:p>
-        </p:txBody>
-      </p:sp>
-      <p:sp>
-        <p:nvSpPr>
-          <p:cNvPr id="6" name="テキスト ボックス 5">
-            <a:extLst>
-              <a:ext uri="{FF2B5EF4-FFF2-40B4-BE49-F238E27FC236}">
-                <a16:creationId xmlns:a16="http://schemas.microsoft.com/office/drawing/2014/main" id="{F3C31FC3-C96D-B31B-04AA-44B658F960D3}"/>
-              </a:ext>
-            </a:extLst>
-          </p:cNvPr>
-          <p:cNvSpPr txBox="1"/>
-          <p:nvPr/>
-        </p:nvSpPr>
-        <p:spPr>
-          <a:xfrm>
-            <a:off x="64832" y="3500784"/>
-            <a:ext cx="461665" cy="1252621"/>
-          </a:xfrm>
-          <a:prstGeom prst="rect">
-            <a:avLst/>
-          </a:prstGeom>
-          <a:noFill/>
-        </p:spPr>
-        <p:txBody>
-          <a:bodyPr vert="eaVert" wrap="square" rtlCol="0">
-            <a:spAutoFit/>
-          </a:bodyPr>
-          <a:lstStyle/>
-          <a:p>
-            <a:r>
-              <a:rPr lang="ja-JP" altLang="en-US" dirty="0"/>
-              <a:t>システム</a:t>
-            </a:r>
-            <a:endParaRPr kumimoji="1" lang="ja-JP" altLang="en-US" dirty="0"/>
-          </a:p>
-        </p:txBody>
-      </p:sp>
-      <p:cxnSp>
-        <p:nvCxnSpPr>
-          <p:cNvPr id="47" name="直線矢印コネクタ 46">
-            <a:extLst>
-              <a:ext uri="{FF2B5EF4-FFF2-40B4-BE49-F238E27FC236}">
-                <a16:creationId xmlns:a16="http://schemas.microsoft.com/office/drawing/2014/main" id="{367F6EC7-452F-94EF-781C-C7ED7CB542B0}"/>
-              </a:ext>
-            </a:extLst>
-          </p:cNvPr>
-          <p:cNvCxnSpPr>
-            <a:cxnSpLocks/>
-            <a:stCxn id="12" idx="3"/>
-            <a:endCxn id="10" idx="1"/>
-          </p:cNvCxnSpPr>
-          <p:nvPr/>
-        </p:nvCxnSpPr>
-        <p:spPr>
-          <a:xfrm flipV="1">
-            <a:off x="8929301" y="1638970"/>
-            <a:ext cx="499174" cy="272"/>
-          </a:xfrm>
-          <a:prstGeom prst="straightConnector1">
-            <a:avLst/>
-          </a:prstGeom>
-          <a:ln>
-            <a:tailEnd type="triangle"/>
-          </a:ln>
-        </p:spPr>
-        <p:style>
-          <a:lnRef idx="2">
-            <a:schemeClr val="accent1"/>
-          </a:lnRef>
-          <a:fillRef idx="0">
-            <a:schemeClr val="accent1"/>
-          </a:fillRef>
-          <a:effectRef idx="1">
-            <a:schemeClr val="accent1"/>
-          </a:effectRef>
-          <a:fontRef idx="minor">
-            <a:schemeClr val="tx1"/>
-          </a:fontRef>
-        </p:style>
-      </p:cxnSp>
-      <p:sp>
-        <p:nvSpPr>
-          <p:cNvPr id="60" name="テキスト ボックス 59">
-            <a:extLst>
-              <a:ext uri="{FF2B5EF4-FFF2-40B4-BE49-F238E27FC236}">
-                <a16:creationId xmlns:a16="http://schemas.microsoft.com/office/drawing/2014/main" id="{1ADB6BF0-275F-915D-CEC5-841B31DB8AD0}"/>
-              </a:ext>
-            </a:extLst>
-          </p:cNvPr>
-          <p:cNvSpPr txBox="1"/>
-          <p:nvPr/>
-        </p:nvSpPr>
-        <p:spPr>
-          <a:xfrm>
-            <a:off x="10176276" y="2902023"/>
-            <a:ext cx="579005" cy="369332"/>
-          </a:xfrm>
-          <a:prstGeom prst="rect">
-            <a:avLst/>
-          </a:prstGeom>
-          <a:noFill/>
-        </p:spPr>
-        <p:txBody>
-          <a:bodyPr wrap="square" rtlCol="0">
-            <a:spAutoFit/>
-          </a:bodyPr>
-          <a:lstStyle/>
-          <a:p>
-            <a:r>
-              <a:rPr kumimoji="1" lang="en-US" altLang="ja-JP" dirty="0"/>
-              <a:t>Yes</a:t>
-            </a:r>
-          </a:p>
-        </p:txBody>
-      </p:sp>
-      <p:sp>
-        <p:nvSpPr>
-          <p:cNvPr id="81" name="四角形: 角を丸くする 80">
-            <a:extLst>
-              <a:ext uri="{FF2B5EF4-FFF2-40B4-BE49-F238E27FC236}">
-                <a16:creationId xmlns:a16="http://schemas.microsoft.com/office/drawing/2014/main" id="{B6E6183D-3006-429B-A9E6-51438D680A25}"/>
-              </a:ext>
-            </a:extLst>
-          </p:cNvPr>
-          <p:cNvSpPr/>
-          <p:nvPr/>
-        </p:nvSpPr>
-        <p:spPr>
-          <a:xfrm>
-            <a:off x="10953307" y="2586789"/>
-            <a:ext cx="1086853" cy="561474"/>
-          </a:xfrm>
-          <a:prstGeom prst="roundRect">
-            <a:avLst/>
-          </a:prstGeom>
-        </p:spPr>
-        <p:style>
-          <a:lnRef idx="2">
-            <a:schemeClr val="accent4"/>
-          </a:lnRef>
-          <a:fillRef idx="1">
-            <a:schemeClr val="lt1"/>
-          </a:fillRef>
-          <a:effectRef idx="0">
-            <a:schemeClr val="accent4"/>
-          </a:effectRef>
-          <a:fontRef idx="minor">
-            <a:schemeClr val="dk1"/>
-          </a:fontRef>
-        </p:style>
-        <p:txBody>
-          <a:bodyPr rtlCol="0" anchor="ctr"/>
-          <a:lstStyle/>
-          <a:p>
-            <a:pPr algn="ctr"/>
-            <a:r>
-              <a:rPr lang="ja-JP" altLang="en-US" dirty="0"/>
-              <a:t>打刻完了画面の</a:t>
-            </a:r>
-            <a:endParaRPr lang="en-US" altLang="ja-JP" dirty="0"/>
-          </a:p>
-          <a:p>
-            <a:pPr algn="ctr"/>
-            <a:r>
-              <a:rPr lang="ja-JP" altLang="en-US" dirty="0"/>
-              <a:t>表示</a:t>
-            </a:r>
-            <a:endParaRPr lang="en-US" altLang="ja-JP" dirty="0"/>
-          </a:p>
-        </p:txBody>
-      </p:sp>
-      <p:sp>
-        <p:nvSpPr>
-          <p:cNvPr id="82" name="四角形: 角を丸くする 81">
-            <a:extLst>
-              <a:ext uri="{FF2B5EF4-FFF2-40B4-BE49-F238E27FC236}">
-                <a16:creationId xmlns:a16="http://schemas.microsoft.com/office/drawing/2014/main" id="{04E9050D-EE53-19B9-F42F-5C3BED13F720}"/>
-              </a:ext>
-            </a:extLst>
-          </p:cNvPr>
-          <p:cNvSpPr/>
-          <p:nvPr/>
-        </p:nvSpPr>
-        <p:spPr>
-          <a:xfrm>
-            <a:off x="10091146" y="300347"/>
-            <a:ext cx="1086853" cy="561474"/>
-          </a:xfrm>
-          <a:prstGeom prst="roundRect">
-            <a:avLst/>
-          </a:prstGeom>
-          <a:ln>
-            <a:solidFill>
-              <a:srgbClr val="FF0000"/>
-            </a:solidFill>
-          </a:ln>
-        </p:spPr>
-        <p:style>
-          <a:lnRef idx="2">
-            <a:schemeClr val="accent4"/>
-          </a:lnRef>
-          <a:fillRef idx="1">
-            <a:schemeClr val="lt1"/>
-          </a:fillRef>
-          <a:effectRef idx="0">
-            <a:schemeClr val="accent4"/>
-          </a:effectRef>
-          <a:fontRef idx="minor">
-            <a:schemeClr val="dk1"/>
-          </a:fontRef>
-        </p:style>
-        <p:txBody>
-          <a:bodyPr rtlCol="0" anchor="ctr"/>
-          <a:lstStyle/>
-          <a:p>
-            <a:pPr algn="ctr"/>
-            <a:r>
-              <a:rPr lang="ja-JP" altLang="en-US" dirty="0"/>
-              <a:t>打刻未完了の報告</a:t>
-            </a:r>
-            <a:endParaRPr lang="en-US" altLang="ja-JP" dirty="0"/>
-          </a:p>
-        </p:txBody>
-      </p:sp>
-      <p:cxnSp>
-        <p:nvCxnSpPr>
-          <p:cNvPr id="83" name="コネクタ: 曲線 82">
-            <a:extLst>
-              <a:ext uri="{FF2B5EF4-FFF2-40B4-BE49-F238E27FC236}">
-                <a16:creationId xmlns:a16="http://schemas.microsoft.com/office/drawing/2014/main" id="{485B4341-09AC-E917-6E88-D00E56F6DA89}"/>
-              </a:ext>
-            </a:extLst>
-          </p:cNvPr>
-          <p:cNvCxnSpPr>
-            <a:cxnSpLocks/>
-            <a:stCxn id="13" idx="3"/>
-            <a:endCxn id="82" idx="3"/>
-          </p:cNvCxnSpPr>
-          <p:nvPr/>
-        </p:nvCxnSpPr>
-        <p:spPr>
-          <a:xfrm flipV="1">
-            <a:off x="9352109" y="581084"/>
-            <a:ext cx="1825890" cy="2255655"/>
+          <a:xfrm rot="10800000" flipH="1">
+            <a:off x="5038677" y="1636478"/>
+            <a:ext cx="558233" cy="2754255"/>
           </a:xfrm>
           <a:prstGeom prst="curvedConnector3">
             <a:avLst>
-              <a:gd name="adj1" fmla="val 124113"/>
+              <a:gd name="adj1" fmla="val -40951"/>
             </a:avLst>
-          </a:prstGeom>
-          <a:ln>
-            <a:tailEnd type="triangle"/>
-          </a:ln>
-        </p:spPr>
-        <p:style>
-          <a:lnRef idx="2">
-            <a:schemeClr val="accent1"/>
-          </a:lnRef>
-          <a:fillRef idx="0">
-            <a:schemeClr val="accent1"/>
-          </a:fillRef>
-          <a:effectRef idx="1">
-            <a:schemeClr val="accent1"/>
-          </a:effectRef>
-          <a:fontRef idx="minor">
-            <a:schemeClr val="tx1"/>
-          </a:fontRef>
-        </p:style>
-      </p:cxnSp>
-      <p:cxnSp>
-        <p:nvCxnSpPr>
-          <p:cNvPr id="87" name="コネクタ: 曲線 86">
-            <a:extLst>
-              <a:ext uri="{FF2B5EF4-FFF2-40B4-BE49-F238E27FC236}">
-                <a16:creationId xmlns:a16="http://schemas.microsoft.com/office/drawing/2014/main" id="{E4A19D7F-547A-579A-49F0-C035606FFC91}"/>
-              </a:ext>
-            </a:extLst>
-          </p:cNvPr>
-          <p:cNvCxnSpPr>
-            <a:cxnSpLocks/>
-            <a:stCxn id="82" idx="1"/>
-            <a:endCxn id="12" idx="0"/>
-          </p:cNvCxnSpPr>
-          <p:nvPr/>
-        </p:nvCxnSpPr>
-        <p:spPr>
-          <a:xfrm rot="10800000" flipV="1">
-            <a:off x="8385876" y="581083"/>
-            <a:ext cx="1705271" cy="777421"/>
-          </a:xfrm>
-          <a:prstGeom prst="curvedConnector2">
-            <a:avLst/>
-          </a:prstGeom>
-          <a:ln>
-            <a:tailEnd type="triangle"/>
-          </a:ln>
-        </p:spPr>
-        <p:style>
-          <a:lnRef idx="2">
-            <a:schemeClr val="accent1"/>
-          </a:lnRef>
-          <a:fillRef idx="0">
-            <a:schemeClr val="accent1"/>
-          </a:fillRef>
-          <a:effectRef idx="1">
-            <a:schemeClr val="accent1"/>
-          </a:effectRef>
-          <a:fontRef idx="minor">
-            <a:schemeClr val="tx1"/>
-          </a:fontRef>
-        </p:style>
-      </p:cxnSp>
-      <p:cxnSp>
-        <p:nvCxnSpPr>
-          <p:cNvPr id="92" name="コネクタ: 曲線 91">
-            <a:extLst>
-              <a:ext uri="{FF2B5EF4-FFF2-40B4-BE49-F238E27FC236}">
-                <a16:creationId xmlns:a16="http://schemas.microsoft.com/office/drawing/2014/main" id="{252B698F-B482-E0E2-9329-E5A678228F25}"/>
-              </a:ext>
-            </a:extLst>
-          </p:cNvPr>
-          <p:cNvCxnSpPr>
-            <a:cxnSpLocks/>
-            <a:stCxn id="13" idx="3"/>
-            <a:endCxn id="81" idx="1"/>
-          </p:cNvCxnSpPr>
-          <p:nvPr/>
-        </p:nvCxnSpPr>
-        <p:spPr>
-          <a:xfrm>
-            <a:off x="9352109" y="2836739"/>
-            <a:ext cx="1601198" cy="30787"/>
-          </a:xfrm>
-          <a:prstGeom prst="curvedConnector3">
-            <a:avLst>
-              <a:gd name="adj1" fmla="val 50000"/>
-            </a:avLst>
-          </a:prstGeom>
-          <a:ln>
-            <a:tailEnd type="triangle"/>
-          </a:ln>
-        </p:spPr>
-        <p:style>
-          <a:lnRef idx="2">
-            <a:schemeClr val="accent1"/>
-          </a:lnRef>
-          <a:fillRef idx="0">
-            <a:schemeClr val="accent1"/>
-          </a:fillRef>
-          <a:effectRef idx="1">
-            <a:schemeClr val="accent1"/>
-          </a:effectRef>
-          <a:fontRef idx="minor">
-            <a:schemeClr val="tx1"/>
-          </a:fontRef>
-        </p:style>
-      </p:cxnSp>
-      <p:cxnSp>
-        <p:nvCxnSpPr>
-          <p:cNvPr id="98" name="直線コネクタ 97">
-            <a:extLst>
-              <a:ext uri="{FF2B5EF4-FFF2-40B4-BE49-F238E27FC236}">
-                <a16:creationId xmlns:a16="http://schemas.microsoft.com/office/drawing/2014/main" id="{FD0ABFC3-9B6B-9819-F0AC-182B65FEA837}"/>
-              </a:ext>
-            </a:extLst>
-          </p:cNvPr>
-          <p:cNvCxnSpPr/>
-          <p:nvPr/>
-        </p:nvCxnSpPr>
-        <p:spPr>
-          <a:xfrm>
-            <a:off x="0" y="3500784"/>
-            <a:ext cx="12192000" cy="0"/>
-          </a:xfrm>
-          <a:prstGeom prst="line">
-            <a:avLst/>
-          </a:prstGeom>
-          <a:ln>
-            <a:solidFill>
-              <a:schemeClr val="tx1"/>
-            </a:solidFill>
-          </a:ln>
-        </p:spPr>
-        <p:style>
-          <a:lnRef idx="2">
-            <a:schemeClr val="accent1"/>
-          </a:lnRef>
-          <a:fillRef idx="0">
-            <a:schemeClr val="accent1"/>
-          </a:fillRef>
-          <a:effectRef idx="1">
-            <a:schemeClr val="accent1"/>
-          </a:effectRef>
-          <a:fontRef idx="minor">
-            <a:schemeClr val="tx1"/>
-          </a:fontRef>
-        </p:style>
-      </p:cxnSp>
-      <p:cxnSp>
-        <p:nvCxnSpPr>
-          <p:cNvPr id="99" name="コネクタ: 曲線 98">
-            <a:extLst>
-              <a:ext uri="{FF2B5EF4-FFF2-40B4-BE49-F238E27FC236}">
-                <a16:creationId xmlns:a16="http://schemas.microsoft.com/office/drawing/2014/main" id="{DD3D556D-F10F-C3EF-95EB-189D70911734}"/>
-              </a:ext>
-            </a:extLst>
-          </p:cNvPr>
-          <p:cNvCxnSpPr>
-            <a:cxnSpLocks/>
-            <a:stCxn id="10" idx="2"/>
-            <a:endCxn id="13" idx="0"/>
-          </p:cNvCxnSpPr>
-          <p:nvPr/>
-        </p:nvCxnSpPr>
-        <p:spPr>
-          <a:xfrm rot="5400000">
-            <a:off x="8981908" y="1389545"/>
-            <a:ext cx="459832" cy="1520156"/>
-          </a:xfrm>
-          <a:prstGeom prst="curvedConnector3">
-            <a:avLst>
-              <a:gd name="adj1" fmla="val 50000"/>
-            </a:avLst>
-          </a:prstGeom>
-          <a:ln>
-            <a:tailEnd type="triangle"/>
-          </a:ln>
-        </p:spPr>
-        <p:style>
-          <a:lnRef idx="2">
-            <a:schemeClr val="accent1"/>
-          </a:lnRef>
-          <a:fillRef idx="0">
-            <a:schemeClr val="accent1"/>
-          </a:fillRef>
-          <a:effectRef idx="1">
-            <a:schemeClr val="accent1"/>
-          </a:effectRef>
-          <a:fontRef idx="minor">
-            <a:schemeClr val="tx1"/>
-          </a:fontRef>
-        </p:style>
-      </p:cxnSp>
-      <p:cxnSp>
-        <p:nvCxnSpPr>
-          <p:cNvPr id="137" name="コネクタ: 曲線 136">
-            <a:extLst>
-              <a:ext uri="{FF2B5EF4-FFF2-40B4-BE49-F238E27FC236}">
-                <a16:creationId xmlns:a16="http://schemas.microsoft.com/office/drawing/2014/main" id="{F9ECD063-458B-1D4B-BFB5-EC0C733D7EE3}"/>
-              </a:ext>
-            </a:extLst>
-          </p:cNvPr>
-          <p:cNvCxnSpPr>
-            <a:cxnSpLocks/>
-            <a:stCxn id="10" idx="2"/>
-            <a:endCxn id="58" idx="1"/>
-          </p:cNvCxnSpPr>
-          <p:nvPr/>
-        </p:nvCxnSpPr>
-        <p:spPr>
-          <a:xfrm rot="5400000">
-            <a:off x="4323659" y="-1566866"/>
-            <a:ext cx="2161670" cy="9134816"/>
-          </a:xfrm>
-          <a:prstGeom prst="curvedConnector4">
-            <a:avLst>
-              <a:gd name="adj1" fmla="val 15697"/>
-              <a:gd name="adj2" fmla="val 102503"/>
-            </a:avLst>
-          </a:prstGeom>
-          <a:ln>
-            <a:solidFill>
-              <a:schemeClr val="accent4"/>
-            </a:solidFill>
-            <a:tailEnd type="triangle"/>
-          </a:ln>
-        </p:spPr>
-        <p:style>
-          <a:lnRef idx="2">
-            <a:schemeClr val="accent1"/>
-          </a:lnRef>
-          <a:fillRef idx="0">
-            <a:schemeClr val="accent1"/>
-          </a:fillRef>
-          <a:effectRef idx="1">
-            <a:schemeClr val="accent1"/>
-          </a:effectRef>
-          <a:fontRef idx="minor">
-            <a:schemeClr val="tx1"/>
-          </a:fontRef>
-        </p:style>
-      </p:cxnSp>
-      <p:cxnSp>
-        <p:nvCxnSpPr>
-          <p:cNvPr id="147" name="直線矢印コネクタ 146">
-            <a:extLst>
-              <a:ext uri="{FF2B5EF4-FFF2-40B4-BE49-F238E27FC236}">
-                <a16:creationId xmlns:a16="http://schemas.microsoft.com/office/drawing/2014/main" id="{52215356-3A91-7BC1-40EA-E0264B230DF3}"/>
-              </a:ext>
-            </a:extLst>
-          </p:cNvPr>
-          <p:cNvCxnSpPr>
-            <a:cxnSpLocks/>
-            <a:stCxn id="58" idx="3"/>
-            <a:endCxn id="70" idx="1"/>
-          </p:cNvCxnSpPr>
-          <p:nvPr/>
-        </p:nvCxnSpPr>
-        <p:spPr>
-          <a:xfrm flipV="1">
-            <a:off x="1923939" y="4081105"/>
-            <a:ext cx="482376" cy="272"/>
-          </a:xfrm>
-          <a:prstGeom prst="straightConnector1">
-            <a:avLst/>
-          </a:prstGeom>
-          <a:ln>
-            <a:tailEnd type="triangle"/>
-          </a:ln>
-        </p:spPr>
-        <p:style>
-          <a:lnRef idx="2">
-            <a:schemeClr val="accent1"/>
-          </a:lnRef>
-          <a:fillRef idx="0">
-            <a:schemeClr val="accent1"/>
-          </a:fillRef>
-          <a:effectRef idx="1">
-            <a:schemeClr val="accent1"/>
-          </a:effectRef>
-          <a:fontRef idx="minor">
-            <a:schemeClr val="tx1"/>
-          </a:fontRef>
-        </p:style>
-      </p:cxnSp>
-      <p:sp>
-        <p:nvSpPr>
-          <p:cNvPr id="150" name="楕円 149">
-            <a:extLst>
-              <a:ext uri="{FF2B5EF4-FFF2-40B4-BE49-F238E27FC236}">
-                <a16:creationId xmlns:a16="http://schemas.microsoft.com/office/drawing/2014/main" id="{63C17514-21C6-4270-34A8-B30FD3F3E6CD}"/>
-              </a:ext>
-            </a:extLst>
-          </p:cNvPr>
-          <p:cNvSpPr/>
-          <p:nvPr/>
-        </p:nvSpPr>
-        <p:spPr>
-          <a:xfrm>
-            <a:off x="5645929" y="3789542"/>
-            <a:ext cx="1086853" cy="561474"/>
-          </a:xfrm>
-          <a:prstGeom prst="ellipse">
-            <a:avLst/>
-          </a:prstGeom>
-        </p:spPr>
-        <p:style>
-          <a:lnRef idx="2">
-            <a:schemeClr val="accent6"/>
-          </a:lnRef>
-          <a:fillRef idx="1">
-            <a:schemeClr val="lt1"/>
-          </a:fillRef>
-          <a:effectRef idx="0">
-            <a:schemeClr val="accent6"/>
-          </a:effectRef>
-          <a:fontRef idx="minor">
-            <a:schemeClr val="dk1"/>
-          </a:fontRef>
-        </p:style>
-        <p:txBody>
-          <a:bodyPr rtlCol="0" anchor="ctr"/>
-          <a:lstStyle/>
-          <a:p>
-            <a:pPr algn="ctr"/>
-            <a:r>
-              <a:rPr lang="ja-JP" altLang="en-US" dirty="0"/>
-              <a:t>終了</a:t>
-            </a:r>
-            <a:endParaRPr kumimoji="1" lang="ja-JP" altLang="en-US" dirty="0"/>
-          </a:p>
-        </p:txBody>
-      </p:sp>
-      <p:cxnSp>
-        <p:nvCxnSpPr>
-          <p:cNvPr id="151" name="直線矢印コネクタ 150">
-            <a:extLst>
-              <a:ext uri="{FF2B5EF4-FFF2-40B4-BE49-F238E27FC236}">
-                <a16:creationId xmlns:a16="http://schemas.microsoft.com/office/drawing/2014/main" id="{B541576F-0A8B-285C-C9BB-08365D919E63}"/>
-              </a:ext>
-            </a:extLst>
-          </p:cNvPr>
-          <p:cNvCxnSpPr>
-            <a:cxnSpLocks/>
-            <a:stCxn id="70" idx="3"/>
-            <a:endCxn id="44" idx="1"/>
-          </p:cNvCxnSpPr>
-          <p:nvPr/>
-        </p:nvCxnSpPr>
-        <p:spPr>
-          <a:xfrm flipV="1">
-            <a:off x="3493168" y="4079523"/>
-            <a:ext cx="532954" cy="1582"/>
-          </a:xfrm>
-          <a:prstGeom prst="straightConnector1">
-            <a:avLst/>
-          </a:prstGeom>
-          <a:ln>
-            <a:tailEnd type="triangle"/>
-          </a:ln>
-        </p:spPr>
-        <p:style>
-          <a:lnRef idx="2">
-            <a:schemeClr val="accent1"/>
-          </a:lnRef>
-          <a:fillRef idx="0">
-            <a:schemeClr val="accent1"/>
-          </a:fillRef>
-          <a:effectRef idx="1">
-            <a:schemeClr val="accent1"/>
-          </a:effectRef>
-          <a:fontRef idx="minor">
-            <a:schemeClr val="tx1"/>
-          </a:fontRef>
-        </p:style>
-      </p:cxnSp>
-      <p:cxnSp>
-        <p:nvCxnSpPr>
-          <p:cNvPr id="156" name="直線矢印コネクタ 155">
-            <a:extLst>
-              <a:ext uri="{FF2B5EF4-FFF2-40B4-BE49-F238E27FC236}">
-                <a16:creationId xmlns:a16="http://schemas.microsoft.com/office/drawing/2014/main" id="{7C53EA49-D6F2-4D99-E86C-4DF47C94A48C}"/>
-              </a:ext>
-            </a:extLst>
-          </p:cNvPr>
-          <p:cNvCxnSpPr>
-            <a:cxnSpLocks/>
-            <a:stCxn id="44" idx="3"/>
-            <a:endCxn id="150" idx="2"/>
-          </p:cNvCxnSpPr>
-          <p:nvPr/>
-        </p:nvCxnSpPr>
-        <p:spPr>
-          <a:xfrm flipV="1">
-            <a:off x="5112975" y="4070279"/>
-            <a:ext cx="532954" cy="9244"/>
-          </a:xfrm>
-          <a:prstGeom prst="straightConnector1">
-            <a:avLst/>
-          </a:prstGeom>
-          <a:ln>
-            <a:tailEnd type="triangle"/>
-          </a:ln>
-        </p:spPr>
-        <p:style>
-          <a:lnRef idx="2">
-            <a:schemeClr val="accent1"/>
-          </a:lnRef>
-          <a:fillRef idx="0">
-            <a:schemeClr val="accent1"/>
-          </a:fillRef>
-          <a:effectRef idx="1">
-            <a:schemeClr val="accent1"/>
-          </a:effectRef>
-          <a:fontRef idx="minor">
-            <a:schemeClr val="tx1"/>
-          </a:fontRef>
-        </p:style>
-      </p:cxnSp>
-      <p:sp>
-        <p:nvSpPr>
-          <p:cNvPr id="160" name="四角形: 角を丸くする 159">
-            <a:extLst>
-              <a:ext uri="{FF2B5EF4-FFF2-40B4-BE49-F238E27FC236}">
-                <a16:creationId xmlns:a16="http://schemas.microsoft.com/office/drawing/2014/main" id="{EBA28716-4A75-42B5-76A1-A71D9FC83433}"/>
-              </a:ext>
-            </a:extLst>
-          </p:cNvPr>
-          <p:cNvSpPr/>
-          <p:nvPr/>
-        </p:nvSpPr>
-        <p:spPr>
-          <a:xfrm>
-            <a:off x="6254413" y="2567496"/>
-            <a:ext cx="1086853" cy="561474"/>
-          </a:xfrm>
-          <a:prstGeom prst="roundRect">
-            <a:avLst/>
-          </a:prstGeom>
-        </p:spPr>
-        <p:style>
-          <a:lnRef idx="2">
-            <a:schemeClr val="accent4"/>
-          </a:lnRef>
-          <a:fillRef idx="1">
-            <a:schemeClr val="lt1"/>
-          </a:fillRef>
-          <a:effectRef idx="0">
-            <a:schemeClr val="accent4"/>
-          </a:effectRef>
-          <a:fontRef idx="minor">
-            <a:schemeClr val="dk1"/>
-          </a:fontRef>
-        </p:style>
-        <p:txBody>
-          <a:bodyPr rtlCol="0" anchor="ctr"/>
-          <a:lstStyle/>
-          <a:p>
-            <a:pPr algn="ctr"/>
-            <a:r>
-              <a:rPr lang="ja-JP" altLang="en-US" dirty="0"/>
-              <a:t>申請</a:t>
-            </a:r>
-            <a:endParaRPr lang="en-US" altLang="ja-JP" dirty="0"/>
-          </a:p>
-        </p:txBody>
-      </p:sp>
-      <p:cxnSp>
-        <p:nvCxnSpPr>
-          <p:cNvPr id="161" name="コネクタ: 曲線 160">
-            <a:extLst>
-              <a:ext uri="{FF2B5EF4-FFF2-40B4-BE49-F238E27FC236}">
-                <a16:creationId xmlns:a16="http://schemas.microsoft.com/office/drawing/2014/main" id="{389ADDED-5692-15BD-AA42-047001640A59}"/>
-              </a:ext>
-            </a:extLst>
-          </p:cNvPr>
-          <p:cNvCxnSpPr>
-            <a:cxnSpLocks/>
-            <a:stCxn id="12" idx="2"/>
-            <a:endCxn id="160" idx="0"/>
-          </p:cNvCxnSpPr>
-          <p:nvPr/>
-        </p:nvCxnSpPr>
-        <p:spPr>
-          <a:xfrm rot="5400000">
-            <a:off x="7268100" y="1449720"/>
-            <a:ext cx="647517" cy="1588035"/>
-          </a:xfrm>
-          <a:prstGeom prst="curvedConnector3">
-            <a:avLst>
-              <a:gd name="adj1" fmla="val 50000"/>
-            </a:avLst>
-          </a:prstGeom>
-          <a:ln>
-            <a:tailEnd type="triangle"/>
-          </a:ln>
-        </p:spPr>
-        <p:style>
-          <a:lnRef idx="2">
-            <a:schemeClr val="accent1"/>
-          </a:lnRef>
-          <a:fillRef idx="0">
-            <a:schemeClr val="accent1"/>
-          </a:fillRef>
-          <a:effectRef idx="1">
-            <a:schemeClr val="accent1"/>
-          </a:effectRef>
-          <a:fontRef idx="minor">
-            <a:schemeClr val="tx1"/>
-          </a:fontRef>
-        </p:style>
-      </p:cxnSp>
-      <p:cxnSp>
-        <p:nvCxnSpPr>
-          <p:cNvPr id="164" name="直線矢印コネクタ 163">
-            <a:extLst>
-              <a:ext uri="{FF2B5EF4-FFF2-40B4-BE49-F238E27FC236}">
-                <a16:creationId xmlns:a16="http://schemas.microsoft.com/office/drawing/2014/main" id="{07D1B8F9-0485-5966-1B5E-F042758C231C}"/>
-              </a:ext>
-            </a:extLst>
-          </p:cNvPr>
-          <p:cNvCxnSpPr>
-            <a:cxnSpLocks/>
-            <a:stCxn id="59" idx="1"/>
-            <a:endCxn id="53" idx="3"/>
-          </p:cNvCxnSpPr>
-          <p:nvPr/>
-        </p:nvCxnSpPr>
-        <p:spPr>
-          <a:xfrm flipH="1">
-            <a:off x="10444658" y="4869750"/>
-            <a:ext cx="508649" cy="5266"/>
-          </a:xfrm>
-          <a:prstGeom prst="straightConnector1">
-            <a:avLst/>
-          </a:prstGeom>
-          <a:ln>
-            <a:tailEnd type="triangle"/>
-          </a:ln>
-        </p:spPr>
-        <p:style>
-          <a:lnRef idx="2">
-            <a:schemeClr val="accent1"/>
-          </a:lnRef>
-          <a:fillRef idx="0">
-            <a:schemeClr val="accent1"/>
-          </a:fillRef>
-          <a:effectRef idx="1">
-            <a:schemeClr val="accent1"/>
-          </a:effectRef>
-          <a:fontRef idx="minor">
-            <a:schemeClr val="tx1"/>
-          </a:fontRef>
-        </p:style>
-      </p:cxnSp>
-      <p:cxnSp>
-        <p:nvCxnSpPr>
-          <p:cNvPr id="168" name="直線矢印コネクタ 167">
-            <a:extLst>
-              <a:ext uri="{FF2B5EF4-FFF2-40B4-BE49-F238E27FC236}">
-                <a16:creationId xmlns:a16="http://schemas.microsoft.com/office/drawing/2014/main" id="{E18463CC-2E23-9274-F23A-5FD06CFFB781}"/>
-              </a:ext>
-            </a:extLst>
-          </p:cNvPr>
-          <p:cNvCxnSpPr>
-            <a:cxnSpLocks/>
-            <a:stCxn id="53" idx="1"/>
-            <a:endCxn id="52" idx="3"/>
-          </p:cNvCxnSpPr>
-          <p:nvPr/>
-        </p:nvCxnSpPr>
-        <p:spPr>
-          <a:xfrm flipH="1" flipV="1">
-            <a:off x="8135284" y="4866104"/>
-            <a:ext cx="508648" cy="8912"/>
-          </a:xfrm>
-          <a:prstGeom prst="straightConnector1">
-            <a:avLst/>
-          </a:prstGeom>
-          <a:ln>
-            <a:tailEnd type="triangle"/>
-          </a:ln>
-        </p:spPr>
-        <p:style>
-          <a:lnRef idx="2">
-            <a:schemeClr val="accent1"/>
-          </a:lnRef>
-          <a:fillRef idx="0">
-            <a:schemeClr val="accent1"/>
-          </a:fillRef>
-          <a:effectRef idx="1">
-            <a:schemeClr val="accent1"/>
-          </a:effectRef>
-          <a:fontRef idx="minor">
-            <a:schemeClr val="tx1"/>
-          </a:fontRef>
-        </p:style>
-      </p:cxnSp>
-      <p:cxnSp>
-        <p:nvCxnSpPr>
-          <p:cNvPr id="171" name="コネクタ: 曲線 170">
-            <a:extLst>
-              <a:ext uri="{FF2B5EF4-FFF2-40B4-BE49-F238E27FC236}">
-                <a16:creationId xmlns:a16="http://schemas.microsoft.com/office/drawing/2014/main" id="{912FCB3D-7D90-47A4-3090-5E7EAFC7BD60}"/>
-              </a:ext>
-            </a:extLst>
-          </p:cNvPr>
-          <p:cNvCxnSpPr>
-            <a:cxnSpLocks/>
-            <a:stCxn id="160" idx="2"/>
-            <a:endCxn id="59" idx="0"/>
-          </p:cNvCxnSpPr>
-          <p:nvPr/>
-        </p:nvCxnSpPr>
-        <p:spPr>
-          <a:xfrm rot="16200000" flipH="1">
-            <a:off x="8417266" y="1509544"/>
-            <a:ext cx="1460043" cy="4698894"/>
-          </a:xfrm>
-          <a:prstGeom prst="curvedConnector3">
-            <a:avLst>
-              <a:gd name="adj1" fmla="val 50000"/>
-            </a:avLst>
-          </a:prstGeom>
-          <a:ln>
-            <a:solidFill>
-              <a:schemeClr val="accent4"/>
-            </a:solidFill>
-            <a:tailEnd type="triangle"/>
-          </a:ln>
-        </p:spPr>
-        <p:style>
-          <a:lnRef idx="2">
-            <a:schemeClr val="accent1"/>
-          </a:lnRef>
-          <a:fillRef idx="0">
-            <a:schemeClr val="accent1"/>
-          </a:fillRef>
-          <a:effectRef idx="1">
-            <a:schemeClr val="accent1"/>
-          </a:effectRef>
-          <a:fontRef idx="minor">
-            <a:schemeClr val="tx1"/>
-          </a:fontRef>
-        </p:style>
-      </p:cxnSp>
-      <p:sp>
-        <p:nvSpPr>
-          <p:cNvPr id="174" name="四角形: 角を丸くする 173">
-            <a:extLst>
-              <a:ext uri="{FF2B5EF4-FFF2-40B4-BE49-F238E27FC236}">
-                <a16:creationId xmlns:a16="http://schemas.microsoft.com/office/drawing/2014/main" id="{195EDB28-C540-0EB2-64C2-985AC72E30A2}"/>
-              </a:ext>
-            </a:extLst>
-          </p:cNvPr>
-          <p:cNvSpPr/>
-          <p:nvPr/>
-        </p:nvSpPr>
-        <p:spPr>
-          <a:xfrm>
-            <a:off x="9004293" y="6014006"/>
-            <a:ext cx="1086853" cy="561474"/>
-          </a:xfrm>
-          <a:prstGeom prst="roundRect">
-            <a:avLst/>
-          </a:prstGeom>
-          <a:ln>
-            <a:solidFill>
-              <a:srgbClr val="FF0000"/>
-            </a:solidFill>
-          </a:ln>
-        </p:spPr>
-        <p:style>
-          <a:lnRef idx="2">
-            <a:schemeClr val="accent4"/>
-          </a:lnRef>
-          <a:fillRef idx="1">
-            <a:schemeClr val="lt1"/>
-          </a:fillRef>
-          <a:effectRef idx="0">
-            <a:schemeClr val="accent4"/>
-          </a:effectRef>
-          <a:fontRef idx="minor">
-            <a:schemeClr val="dk1"/>
-          </a:fontRef>
-        </p:style>
-        <p:txBody>
-          <a:bodyPr rtlCol="0" anchor="ctr"/>
-          <a:lstStyle/>
-          <a:p>
-            <a:pPr algn="ctr"/>
-            <a:r>
-              <a:rPr lang="ja-JP" altLang="en-US" dirty="0"/>
-              <a:t>申請エラー通知</a:t>
-            </a:r>
-            <a:endParaRPr lang="en-US" altLang="ja-JP" dirty="0"/>
-          </a:p>
-        </p:txBody>
-      </p:sp>
-      <p:cxnSp>
-        <p:nvCxnSpPr>
-          <p:cNvPr id="175" name="直線矢印コネクタ 174">
-            <a:extLst>
-              <a:ext uri="{FF2B5EF4-FFF2-40B4-BE49-F238E27FC236}">
-                <a16:creationId xmlns:a16="http://schemas.microsoft.com/office/drawing/2014/main" id="{0B2A3DDD-1521-5988-1FB3-82D4C11C4FB6}"/>
-              </a:ext>
-            </a:extLst>
-          </p:cNvPr>
-          <p:cNvCxnSpPr>
-            <a:cxnSpLocks/>
-            <a:stCxn id="53" idx="2"/>
-            <a:endCxn id="174" idx="0"/>
-          </p:cNvCxnSpPr>
-          <p:nvPr/>
-        </p:nvCxnSpPr>
-        <p:spPr>
-          <a:xfrm>
-            <a:off x="9544295" y="5332216"/>
-            <a:ext cx="3425" cy="681790"/>
-          </a:xfrm>
-          <a:prstGeom prst="straightConnector1">
-            <a:avLst/>
-          </a:prstGeom>
-          <a:ln>
-            <a:tailEnd type="triangle"/>
-          </a:ln>
-        </p:spPr>
-        <p:style>
-          <a:lnRef idx="2">
-            <a:schemeClr val="accent1"/>
-          </a:lnRef>
-          <a:fillRef idx="0">
-            <a:schemeClr val="accent1"/>
-          </a:fillRef>
-          <a:effectRef idx="1">
-            <a:schemeClr val="accent1"/>
-          </a:effectRef>
-          <a:fontRef idx="minor">
-            <a:schemeClr val="tx1"/>
-          </a:fontRef>
-        </p:style>
-      </p:cxnSp>
-      <p:sp>
-        <p:nvSpPr>
-          <p:cNvPr id="178" name="四角形: 角を丸くする 177">
-            <a:extLst>
-              <a:ext uri="{FF2B5EF4-FFF2-40B4-BE49-F238E27FC236}">
-                <a16:creationId xmlns:a16="http://schemas.microsoft.com/office/drawing/2014/main" id="{EADB85DA-95CB-A5F2-129E-3D32781D1E09}"/>
-              </a:ext>
-            </a:extLst>
-          </p:cNvPr>
-          <p:cNvSpPr/>
-          <p:nvPr/>
-        </p:nvSpPr>
-        <p:spPr>
-          <a:xfrm>
-            <a:off x="5202338" y="4585367"/>
-            <a:ext cx="1086853" cy="561474"/>
-          </a:xfrm>
-          <a:prstGeom prst="roundRect">
-            <a:avLst/>
-          </a:prstGeom>
-        </p:spPr>
-        <p:style>
-          <a:lnRef idx="2">
-            <a:schemeClr val="accent4"/>
-          </a:lnRef>
-          <a:fillRef idx="1">
-            <a:schemeClr val="lt1"/>
-          </a:fillRef>
-          <a:effectRef idx="0">
-            <a:schemeClr val="accent4"/>
-          </a:effectRef>
-          <a:fontRef idx="minor">
-            <a:schemeClr val="dk1"/>
-          </a:fontRef>
-        </p:style>
-        <p:txBody>
-          <a:bodyPr rtlCol="0" anchor="ctr"/>
-          <a:lstStyle/>
-          <a:p>
-            <a:pPr algn="ctr"/>
-            <a:r>
-              <a:rPr lang="ja-JP" altLang="en-US" dirty="0"/>
-              <a:t>申請受理の受け取り</a:t>
-            </a:r>
-            <a:endParaRPr lang="en-US" altLang="ja-JP" dirty="0"/>
-          </a:p>
-        </p:txBody>
-      </p:sp>
-      <p:cxnSp>
-        <p:nvCxnSpPr>
-          <p:cNvPr id="183" name="直線矢印コネクタ 182">
-            <a:extLst>
-              <a:ext uri="{FF2B5EF4-FFF2-40B4-BE49-F238E27FC236}">
-                <a16:creationId xmlns:a16="http://schemas.microsoft.com/office/drawing/2014/main" id="{FE91EB9D-EEF1-A530-3FC2-BCFEE4190016}"/>
-              </a:ext>
-            </a:extLst>
-          </p:cNvPr>
-          <p:cNvCxnSpPr>
-            <a:cxnSpLocks/>
-            <a:stCxn id="52" idx="1"/>
-            <a:endCxn id="178" idx="3"/>
-          </p:cNvCxnSpPr>
-          <p:nvPr/>
-        </p:nvCxnSpPr>
-        <p:spPr>
-          <a:xfrm flipH="1">
-            <a:off x="6289191" y="4866104"/>
-            <a:ext cx="759240" cy="0"/>
-          </a:xfrm>
-          <a:prstGeom prst="straightConnector1">
-            <a:avLst/>
-          </a:prstGeom>
-          <a:ln>
-            <a:tailEnd type="triangle"/>
-          </a:ln>
-        </p:spPr>
-        <p:style>
-          <a:lnRef idx="2">
-            <a:schemeClr val="accent1"/>
-          </a:lnRef>
-          <a:fillRef idx="0">
-            <a:schemeClr val="accent1"/>
-          </a:fillRef>
-          <a:effectRef idx="1">
-            <a:schemeClr val="accent1"/>
-          </a:effectRef>
-          <a:fontRef idx="minor">
-            <a:schemeClr val="tx1"/>
-          </a:fontRef>
-        </p:style>
-      </p:cxnSp>
-      <p:cxnSp>
-        <p:nvCxnSpPr>
-          <p:cNvPr id="187" name="直線矢印コネクタ 186">
-            <a:extLst>
-              <a:ext uri="{FF2B5EF4-FFF2-40B4-BE49-F238E27FC236}">
-                <a16:creationId xmlns:a16="http://schemas.microsoft.com/office/drawing/2014/main" id="{9B4F4C95-40BE-DCD2-8EFF-8D1D0770509C}"/>
-              </a:ext>
-            </a:extLst>
-          </p:cNvPr>
-          <p:cNvCxnSpPr>
-            <a:cxnSpLocks/>
-            <a:stCxn id="178" idx="2"/>
-            <a:endCxn id="93" idx="0"/>
-          </p:cNvCxnSpPr>
-          <p:nvPr/>
-        </p:nvCxnSpPr>
-        <p:spPr>
-          <a:xfrm>
-            <a:off x="5745765" y="5146841"/>
-            <a:ext cx="0" cy="873456"/>
-          </a:xfrm>
-          <a:prstGeom prst="straightConnector1">
-            <a:avLst/>
           </a:prstGeom>
           <a:ln>
             <a:tailEnd type="triangle"/>
@@ -6244,17 +5437,17 @@
           <a:p>
             <a:r>
               <a:rPr kumimoji="1" lang="ja-JP" altLang="en-US" dirty="0"/>
-              <a:t>画面遷移図</a:t>
-            </a:r>
-          </a:p>
-        </p:txBody>
-      </p:sp>
-      <p:sp>
-        <p:nvSpPr>
-          <p:cNvPr id="5" name="四角形: 角を丸くする 4">
-            <a:extLst>
-              <a:ext uri="{FF2B5EF4-FFF2-40B4-BE49-F238E27FC236}">
-                <a16:creationId xmlns:a16="http://schemas.microsoft.com/office/drawing/2014/main" id="{5E6AB4E6-7F9C-9ACA-E02C-02697657D7DB}"/>
+              <a:t>画面モックアップ</a:t>
+            </a:r>
+          </a:p>
+        </p:txBody>
+      </p:sp>
+      <p:sp>
+        <p:nvSpPr>
+          <p:cNvPr id="4" name="正方形/長方形 3">
+            <a:extLst>
+              <a:ext uri="{FF2B5EF4-FFF2-40B4-BE49-F238E27FC236}">
+                <a16:creationId xmlns:a16="http://schemas.microsoft.com/office/drawing/2014/main" id="{B8C44647-1E24-C4FB-6A34-914805FDEF5B}"/>
               </a:ext>
             </a:extLst>
           </p:cNvPr>
@@ -6263,22 +5456,27 @@
         </p:nvSpPr>
         <p:spPr>
           <a:xfrm>
-            <a:off x="465223" y="1130974"/>
-            <a:ext cx="2045364" cy="585527"/>
-          </a:xfrm>
-          <a:prstGeom prst="roundRect">
+            <a:off x="584200" y="713865"/>
+            <a:ext cx="11023600" cy="5799230"/>
+          </a:xfrm>
+          <a:prstGeom prst="rect">
             <a:avLst/>
           </a:prstGeom>
+          <a:ln>
+            <a:solidFill>
+              <a:schemeClr val="accent1"/>
+            </a:solidFill>
+          </a:ln>
         </p:spPr>
         <p:style>
           <a:lnRef idx="2">
-            <a:schemeClr val="accent4"/>
+            <a:schemeClr val="accent6"/>
           </a:lnRef>
           <a:fillRef idx="1">
             <a:schemeClr val="lt1"/>
           </a:fillRef>
           <a:effectRef idx="0">
-            <a:schemeClr val="accent4"/>
+            <a:schemeClr val="accent6"/>
           </a:effectRef>
           <a:fontRef idx="minor">
             <a:schemeClr val="dk1"/>
@@ -6289,20 +5487,738 @@
           <a:lstStyle/>
           <a:p>
             <a:pPr algn="ctr"/>
-            <a:r>
-              <a:rPr lang="ja-JP" altLang="en-US" dirty="0"/>
-              <a:t>トップページ</a:t>
-            </a:r>
-            <a:endParaRPr kumimoji="1" lang="ja-JP" altLang="en-US" dirty="0"/>
-          </a:p>
-        </p:txBody>
-      </p:sp>
-      <p:sp>
-        <p:nvSpPr>
-          <p:cNvPr id="6" name="四角形: 角を丸くする 5">
-            <a:extLst>
-              <a:ext uri="{FF2B5EF4-FFF2-40B4-BE49-F238E27FC236}">
-                <a16:creationId xmlns:a16="http://schemas.microsoft.com/office/drawing/2014/main" id="{49F4D3C1-B722-586E-E4AC-E5318248BE54}"/>
+            <a:endParaRPr kumimoji="1" lang="ja-JP" altLang="en-US"/>
+          </a:p>
+        </p:txBody>
+      </p:sp>
+      <p:sp>
+        <p:nvSpPr>
+          <p:cNvPr id="11" name="テキスト ボックス 10">
+            <a:extLst>
+              <a:ext uri="{FF2B5EF4-FFF2-40B4-BE49-F238E27FC236}">
+                <a16:creationId xmlns:a16="http://schemas.microsoft.com/office/drawing/2014/main" id="{9AB15E69-2BE0-475E-5317-17D73AEEBD2E}"/>
+              </a:ext>
+            </a:extLst>
+          </p:cNvPr>
+          <p:cNvSpPr txBox="1"/>
+          <p:nvPr/>
+        </p:nvSpPr>
+        <p:spPr>
+          <a:xfrm>
+            <a:off x="584199" y="713865"/>
+            <a:ext cx="11023599" cy="369332"/>
+          </a:xfrm>
+          <a:prstGeom prst="rect">
+            <a:avLst/>
+          </a:prstGeom>
+          <a:solidFill>
+            <a:schemeClr val="tx2">
+              <a:lumMod val="10000"/>
+              <a:lumOff val="90000"/>
+            </a:schemeClr>
+          </a:solidFill>
+          <a:ln>
+            <a:solidFill>
+              <a:schemeClr val="accent1"/>
+            </a:solidFill>
+          </a:ln>
+        </p:spPr>
+        <p:txBody>
+          <a:bodyPr wrap="square" rtlCol="0">
+            <a:spAutoFit/>
+          </a:bodyPr>
+          <a:lstStyle/>
+          <a:p>
+            <a:pPr algn="ctr"/>
+            <a:r>
+              <a:rPr kumimoji="1" lang="ja-JP" altLang="en-US" b="1" dirty="0"/>
+              <a:t>在庫一覧画面</a:t>
+            </a:r>
+          </a:p>
+        </p:txBody>
+      </p:sp>
+      <p:sp>
+        <p:nvSpPr>
+          <p:cNvPr id="12" name="テキスト ボックス 11">
+            <a:extLst>
+              <a:ext uri="{FF2B5EF4-FFF2-40B4-BE49-F238E27FC236}">
+                <a16:creationId xmlns:a16="http://schemas.microsoft.com/office/drawing/2014/main" id="{396500F8-3495-3A4E-725B-359A21C94D48}"/>
+              </a:ext>
+            </a:extLst>
+          </p:cNvPr>
+          <p:cNvSpPr txBox="1"/>
+          <p:nvPr/>
+        </p:nvSpPr>
+        <p:spPr>
+          <a:xfrm>
+            <a:off x="4756484" y="1299393"/>
+            <a:ext cx="2679032" cy="461665"/>
+          </a:xfrm>
+          <a:prstGeom prst="rect">
+            <a:avLst/>
+          </a:prstGeom>
+          <a:noFill/>
+        </p:spPr>
+        <p:txBody>
+          <a:bodyPr wrap="square" rtlCol="0">
+            <a:spAutoFit/>
+          </a:bodyPr>
+          <a:lstStyle/>
+          <a:p>
+            <a:r>
+              <a:rPr kumimoji="1" lang="ja-JP" altLang="en-US" sz="2400" b="1" dirty="0"/>
+              <a:t>在庫管理システム</a:t>
+            </a:r>
+          </a:p>
+        </p:txBody>
+      </p:sp>
+      <p:sp>
+        <p:nvSpPr>
+          <p:cNvPr id="16" name="テキスト ボックス 15">
+            <a:extLst>
+              <a:ext uri="{FF2B5EF4-FFF2-40B4-BE49-F238E27FC236}">
+                <a16:creationId xmlns:a16="http://schemas.microsoft.com/office/drawing/2014/main" id="{1FEA589A-A10F-EF87-3FD2-667F24696B67}"/>
+              </a:ext>
+            </a:extLst>
+          </p:cNvPr>
+          <p:cNvSpPr txBox="1"/>
+          <p:nvPr/>
+        </p:nvSpPr>
+        <p:spPr>
+          <a:xfrm>
+            <a:off x="1138990" y="2406316"/>
+            <a:ext cx="1138990" cy="369332"/>
+          </a:xfrm>
+          <a:prstGeom prst="rect">
+            <a:avLst/>
+          </a:prstGeom>
+          <a:noFill/>
+        </p:spPr>
+        <p:txBody>
+          <a:bodyPr wrap="square" rtlCol="0">
+            <a:spAutoFit/>
+          </a:bodyPr>
+          <a:lstStyle/>
+          <a:p>
+            <a:r>
+              <a:rPr kumimoji="1" lang="ja-JP" altLang="en-US" b="1" dirty="0"/>
+              <a:t>在庫一覧</a:t>
+            </a:r>
+          </a:p>
+        </p:txBody>
+      </p:sp>
+      <p:graphicFrame>
+        <p:nvGraphicFramePr>
+          <p:cNvPr id="17" name="表 16">
+            <a:extLst>
+              <a:ext uri="{FF2B5EF4-FFF2-40B4-BE49-F238E27FC236}">
+                <a16:creationId xmlns:a16="http://schemas.microsoft.com/office/drawing/2014/main" id="{DD2B0C91-CD0E-D0F6-2626-0E51EC345E52}"/>
+              </a:ext>
+            </a:extLst>
+          </p:cNvPr>
+          <p:cNvGraphicFramePr>
+            <a:graphicFrameLocks noGrp="1"/>
+          </p:cNvGraphicFramePr>
+          <p:nvPr>
+            <p:extLst>
+              <p:ext uri="{D42A27DB-BD31-4B8C-83A1-F6EECF244321}">
+                <p14:modId xmlns:p14="http://schemas.microsoft.com/office/powerpoint/2010/main" val="2633550083"/>
+              </p:ext>
+            </p:extLst>
+          </p:nvPr>
+        </p:nvGraphicFramePr>
+        <p:xfrm>
+          <a:off x="957178" y="2957530"/>
+          <a:ext cx="10288337" cy="2500638"/>
+        </p:xfrm>
+        <a:graphic>
+          <a:graphicData uri="http://schemas.openxmlformats.org/drawingml/2006/table">
+            <a:tbl>
+              <a:tblPr firstRow="1" bandRow="1">
+                <a:tableStyleId>{5940675A-B579-460E-94D1-54222C63F5DA}</a:tableStyleId>
+              </a:tblPr>
+              <a:tblGrid>
+                <a:gridCol w="1580829">
+                  <a:extLst>
+                    <a:ext uri="{9D8B030D-6E8A-4147-A177-3AD203B41FA5}">
+                      <a16:colId xmlns:a16="http://schemas.microsoft.com/office/drawing/2014/main" val="3056215732"/>
+                    </a:ext>
+                  </a:extLst>
+                </a:gridCol>
+                <a:gridCol w="2624302">
+                  <a:extLst>
+                    <a:ext uri="{9D8B030D-6E8A-4147-A177-3AD203B41FA5}">
+                      <a16:colId xmlns:a16="http://schemas.microsoft.com/office/drawing/2014/main" val="376254635"/>
+                    </a:ext>
+                  </a:extLst>
+                </a:gridCol>
+                <a:gridCol w="939037">
+                  <a:extLst>
+                    <a:ext uri="{9D8B030D-6E8A-4147-A177-3AD203B41FA5}">
+                      <a16:colId xmlns:a16="http://schemas.microsoft.com/office/drawing/2014/main" val="3665085651"/>
+                    </a:ext>
+                  </a:extLst>
+                </a:gridCol>
+                <a:gridCol w="1714723">
+                  <a:extLst>
+                    <a:ext uri="{9D8B030D-6E8A-4147-A177-3AD203B41FA5}">
+                      <a16:colId xmlns:a16="http://schemas.microsoft.com/office/drawing/2014/main" val="3430190410"/>
+                    </a:ext>
+                  </a:extLst>
+                </a:gridCol>
+                <a:gridCol w="1714723">
+                  <a:extLst>
+                    <a:ext uri="{9D8B030D-6E8A-4147-A177-3AD203B41FA5}">
+                      <a16:colId xmlns:a16="http://schemas.microsoft.com/office/drawing/2014/main" val="1143485321"/>
+                    </a:ext>
+                  </a:extLst>
+                </a:gridCol>
+                <a:gridCol w="1714723">
+                  <a:extLst>
+                    <a:ext uri="{9D8B030D-6E8A-4147-A177-3AD203B41FA5}">
+                      <a16:colId xmlns:a16="http://schemas.microsoft.com/office/drawing/2014/main" val="901810434"/>
+                    </a:ext>
+                  </a:extLst>
+                </a:gridCol>
+              </a:tblGrid>
+              <a:tr h="620186">
+                <a:tc>
+                  <a:txBody>
+                    <a:bodyPr/>
+                    <a:lstStyle/>
+                    <a:p>
+                      <a:pPr algn="ctr"/>
+                      <a:r>
+                        <a:rPr kumimoji="1" lang="ja-JP" altLang="en-US" dirty="0"/>
+                        <a:t>商品コード</a:t>
+                      </a:r>
+                      <a:endParaRPr kumimoji="1" lang="en-US" altLang="ja-JP" dirty="0"/>
+                    </a:p>
+                  </a:txBody>
+                  <a:tcPr anchor="ctr">
+                    <a:solidFill>
+                      <a:schemeClr val="bg1">
+                        <a:lumMod val="95000"/>
+                      </a:schemeClr>
+                    </a:solidFill>
+                  </a:tcPr>
+                </a:tc>
+                <a:tc>
+                  <a:txBody>
+                    <a:bodyPr/>
+                    <a:lstStyle/>
+                    <a:p>
+                      <a:pPr algn="ctr"/>
+                      <a:r>
+                        <a:rPr kumimoji="1" lang="ja-JP" altLang="en-US" dirty="0"/>
+                        <a:t>商品名</a:t>
+                      </a:r>
+                    </a:p>
+                  </a:txBody>
+                  <a:tcPr anchor="ctr">
+                    <a:solidFill>
+                      <a:schemeClr val="bg1">
+                        <a:lumMod val="95000"/>
+                      </a:schemeClr>
+                    </a:solidFill>
+                  </a:tcPr>
+                </a:tc>
+                <a:tc>
+                  <a:txBody>
+                    <a:bodyPr/>
+                    <a:lstStyle/>
+                    <a:p>
+                      <a:pPr algn="ctr"/>
+                      <a:r>
+                        <a:rPr kumimoji="1" lang="ja-JP" altLang="en-US" dirty="0"/>
+                        <a:t>カテゴリ</a:t>
+                      </a:r>
+                    </a:p>
+                  </a:txBody>
+                  <a:tcPr anchor="ctr">
+                    <a:solidFill>
+                      <a:schemeClr val="bg1">
+                        <a:lumMod val="95000"/>
+                      </a:schemeClr>
+                    </a:solidFill>
+                  </a:tcPr>
+                </a:tc>
+                <a:tc>
+                  <a:txBody>
+                    <a:bodyPr/>
+                    <a:lstStyle/>
+                    <a:p>
+                      <a:pPr algn="ctr"/>
+                      <a:r>
+                        <a:rPr kumimoji="1" lang="ja-JP" altLang="en-US" dirty="0"/>
+                        <a:t>在庫数</a:t>
+                      </a:r>
+                    </a:p>
+                  </a:txBody>
+                  <a:tcPr anchor="ctr">
+                    <a:solidFill>
+                      <a:schemeClr val="bg1">
+                        <a:lumMod val="95000"/>
+                      </a:schemeClr>
+                    </a:solidFill>
+                  </a:tcPr>
+                </a:tc>
+                <a:tc>
+                  <a:txBody>
+                    <a:bodyPr/>
+                    <a:lstStyle/>
+                    <a:p>
+                      <a:pPr algn="ctr"/>
+                      <a:r>
+                        <a:rPr kumimoji="1" lang="ja-JP" altLang="en-US" dirty="0"/>
+                        <a:t>闘値</a:t>
+                      </a:r>
+                    </a:p>
+                  </a:txBody>
+                  <a:tcPr anchor="ctr">
+                    <a:solidFill>
+                      <a:schemeClr val="bg1">
+                        <a:lumMod val="95000"/>
+                      </a:schemeClr>
+                    </a:solidFill>
+                  </a:tcPr>
+                </a:tc>
+                <a:tc>
+                  <a:txBody>
+                    <a:bodyPr/>
+                    <a:lstStyle/>
+                    <a:p>
+                      <a:pPr algn="ctr"/>
+                      <a:r>
+                        <a:rPr kumimoji="1" lang="ja-JP" altLang="en-US" dirty="0"/>
+                        <a:t>状態</a:t>
+                      </a:r>
+                    </a:p>
+                  </a:txBody>
+                  <a:tcPr anchor="ctr">
+                    <a:solidFill>
+                      <a:schemeClr val="bg1">
+                        <a:lumMod val="95000"/>
+                      </a:schemeClr>
+                    </a:solidFill>
+                  </a:tcPr>
+                </a:tc>
+                <a:extLst>
+                  <a:ext uri="{0D108BD9-81ED-4DB2-BD59-A6C34878D82A}">
+                    <a16:rowId xmlns:a16="http://schemas.microsoft.com/office/drawing/2014/main" val="526988081"/>
+                  </a:ext>
+                </a:extLst>
+              </a:tr>
+              <a:tr h="620186">
+                <a:tc>
+                  <a:txBody>
+                    <a:bodyPr/>
+                    <a:lstStyle/>
+                    <a:p>
+                      <a:pPr algn="ctr"/>
+                      <a:r>
+                        <a:rPr kumimoji="1" lang="en-US" altLang="ja-JP" dirty="0"/>
+                        <a:t>A00123</a:t>
+                      </a:r>
+                      <a:endParaRPr kumimoji="1" lang="ja-JP" altLang="en-US" dirty="0"/>
+                    </a:p>
+                  </a:txBody>
+                  <a:tcPr anchor="ctr"/>
+                </a:tc>
+                <a:tc>
+                  <a:txBody>
+                    <a:bodyPr/>
+                    <a:lstStyle/>
+                    <a:p>
+                      <a:pPr algn="ctr"/>
+                      <a:r>
+                        <a:rPr kumimoji="1" lang="ja-JP" altLang="en-US" dirty="0"/>
+                        <a:t>有機トマト（国産）</a:t>
+                      </a:r>
+                    </a:p>
+                  </a:txBody>
+                  <a:tcPr anchor="ctr"/>
+                </a:tc>
+                <a:tc>
+                  <a:txBody>
+                    <a:bodyPr/>
+                    <a:lstStyle/>
+                    <a:p>
+                      <a:pPr algn="ctr"/>
+                      <a:r>
+                        <a:rPr kumimoji="1" lang="ja-JP" altLang="en-US" dirty="0"/>
+                        <a:t>野菜</a:t>
+                      </a:r>
+                    </a:p>
+                  </a:txBody>
+                  <a:tcPr anchor="ctr"/>
+                </a:tc>
+                <a:tc>
+                  <a:txBody>
+                    <a:bodyPr/>
+                    <a:lstStyle/>
+                    <a:p>
+                      <a:pPr algn="ctr"/>
+                      <a:r>
+                        <a:rPr kumimoji="1" lang="en-US" altLang="ja-JP" dirty="0"/>
+                        <a:t>45</a:t>
+                      </a:r>
+                      <a:endParaRPr kumimoji="1" lang="ja-JP" altLang="en-US" dirty="0"/>
+                    </a:p>
+                  </a:txBody>
+                  <a:tcPr anchor="ctr"/>
+                </a:tc>
+                <a:tc>
+                  <a:txBody>
+                    <a:bodyPr/>
+                    <a:lstStyle/>
+                    <a:p>
+                      <a:pPr algn="ctr"/>
+                      <a:r>
+                        <a:rPr kumimoji="1" lang="en-US" altLang="ja-JP" dirty="0"/>
+                        <a:t>20</a:t>
+                      </a:r>
+                      <a:endParaRPr kumimoji="1" lang="ja-JP" altLang="en-US" dirty="0"/>
+                    </a:p>
+                  </a:txBody>
+                  <a:tcPr anchor="ctr"/>
+                </a:tc>
+                <a:tc>
+                  <a:txBody>
+                    <a:bodyPr/>
+                    <a:lstStyle/>
+                    <a:p>
+                      <a:pPr algn="ctr"/>
+                      <a:r>
+                        <a:rPr kumimoji="1" lang="ja-JP" altLang="en-US" dirty="0"/>
+                        <a:t>正常</a:t>
+                      </a:r>
+                    </a:p>
+                  </a:txBody>
+                  <a:tcPr anchor="ctr"/>
+                </a:tc>
+                <a:extLst>
+                  <a:ext uri="{0D108BD9-81ED-4DB2-BD59-A6C34878D82A}">
+                    <a16:rowId xmlns:a16="http://schemas.microsoft.com/office/drawing/2014/main" val="3162628732"/>
+                  </a:ext>
+                </a:extLst>
+              </a:tr>
+              <a:tr h="620186">
+                <a:tc>
+                  <a:txBody>
+                    <a:bodyPr/>
+                    <a:lstStyle/>
+                    <a:p>
+                      <a:pPr algn="ctr"/>
+                      <a:r>
+                        <a:rPr kumimoji="1" lang="en-US" altLang="ja-JP" dirty="0"/>
+                        <a:t>B00456</a:t>
+                      </a:r>
+                      <a:endParaRPr kumimoji="1" lang="ja-JP" altLang="en-US" dirty="0"/>
+                    </a:p>
+                  </a:txBody>
+                  <a:tcPr anchor="ctr"/>
+                </a:tc>
+                <a:tc>
+                  <a:txBody>
+                    <a:bodyPr/>
+                    <a:lstStyle/>
+                    <a:p>
+                      <a:pPr algn="ctr"/>
+                      <a:r>
+                        <a:rPr kumimoji="1" lang="ja-JP" altLang="en-US" dirty="0"/>
+                        <a:t>牛乳</a:t>
+                      </a:r>
+                    </a:p>
+                  </a:txBody>
+                  <a:tcPr anchor="ctr"/>
+                </a:tc>
+                <a:tc>
+                  <a:txBody>
+                    <a:bodyPr/>
+                    <a:lstStyle/>
+                    <a:p>
+                      <a:pPr algn="ctr"/>
+                      <a:r>
+                        <a:rPr kumimoji="1" lang="ja-JP" altLang="en-US" dirty="0"/>
+                        <a:t>乳製品</a:t>
+                      </a:r>
+                    </a:p>
+                  </a:txBody>
+                  <a:tcPr anchor="ctr"/>
+                </a:tc>
+                <a:tc>
+                  <a:txBody>
+                    <a:bodyPr/>
+                    <a:lstStyle/>
+                    <a:p>
+                      <a:pPr algn="ctr"/>
+                      <a:r>
+                        <a:rPr kumimoji="1" lang="en-US" altLang="ja-JP" dirty="0"/>
+                        <a:t>12</a:t>
+                      </a:r>
+                      <a:endParaRPr kumimoji="1" lang="ja-JP" altLang="en-US" dirty="0"/>
+                    </a:p>
+                  </a:txBody>
+                  <a:tcPr anchor="ctr"/>
+                </a:tc>
+                <a:tc>
+                  <a:txBody>
+                    <a:bodyPr/>
+                    <a:lstStyle/>
+                    <a:p>
+                      <a:pPr algn="ctr"/>
+                      <a:r>
+                        <a:rPr kumimoji="1" lang="en-US" altLang="ja-JP" dirty="0"/>
+                        <a:t>15</a:t>
+                      </a:r>
+                      <a:endParaRPr kumimoji="1" lang="ja-JP" altLang="en-US" dirty="0"/>
+                    </a:p>
+                  </a:txBody>
+                  <a:tcPr anchor="ctr"/>
+                </a:tc>
+                <a:tc>
+                  <a:txBody>
+                    <a:bodyPr/>
+                    <a:lstStyle/>
+                    <a:p>
+                      <a:pPr algn="ctr"/>
+                      <a:r>
+                        <a:rPr kumimoji="1" lang="ja-JP" altLang="en-US" dirty="0"/>
+                        <a:t>在庫不足</a:t>
+                      </a:r>
+                    </a:p>
+                  </a:txBody>
+                  <a:tcPr anchor="ctr"/>
+                </a:tc>
+                <a:extLst>
+                  <a:ext uri="{0D108BD9-81ED-4DB2-BD59-A6C34878D82A}">
+                    <a16:rowId xmlns:a16="http://schemas.microsoft.com/office/drawing/2014/main" val="3895842033"/>
+                  </a:ext>
+                </a:extLst>
+              </a:tr>
+              <a:tr h="620186">
+                <a:tc>
+                  <a:txBody>
+                    <a:bodyPr/>
+                    <a:lstStyle/>
+                    <a:p>
+                      <a:pPr algn="ctr"/>
+                      <a:r>
+                        <a:rPr kumimoji="1" lang="en-US" altLang="ja-JP" dirty="0"/>
+                        <a:t>C00789</a:t>
+                      </a:r>
+                      <a:endParaRPr kumimoji="1" lang="ja-JP" altLang="en-US" dirty="0"/>
+                    </a:p>
+                  </a:txBody>
+                  <a:tcPr anchor="ctr"/>
+                </a:tc>
+                <a:tc>
+                  <a:txBody>
+                    <a:bodyPr/>
+                    <a:lstStyle/>
+                    <a:p>
+                      <a:pPr algn="ctr"/>
+                      <a:r>
+                        <a:rPr kumimoji="1" lang="ja-JP" altLang="en-US" dirty="0"/>
+                        <a:t>お米（コシヒカリ</a:t>
+                      </a:r>
+                      <a:r>
+                        <a:rPr kumimoji="1" lang="en-US" altLang="ja-JP" dirty="0"/>
+                        <a:t>5kg</a:t>
+                      </a:r>
+                      <a:r>
+                        <a:rPr kumimoji="1" lang="ja-JP" altLang="en-US" dirty="0"/>
+                        <a:t>）</a:t>
+                      </a:r>
+                    </a:p>
+                  </a:txBody>
+                  <a:tcPr anchor="ctr"/>
+                </a:tc>
+                <a:tc>
+                  <a:txBody>
+                    <a:bodyPr/>
+                    <a:lstStyle/>
+                    <a:p>
+                      <a:pPr algn="ctr"/>
+                      <a:r>
+                        <a:rPr kumimoji="1" lang="ja-JP" altLang="en-US" dirty="0"/>
+                        <a:t>穀物</a:t>
+                      </a:r>
+                    </a:p>
+                  </a:txBody>
+                  <a:tcPr anchor="ctr"/>
+                </a:tc>
+                <a:tc>
+                  <a:txBody>
+                    <a:bodyPr/>
+                    <a:lstStyle/>
+                    <a:p>
+                      <a:pPr algn="ctr"/>
+                      <a:r>
+                        <a:rPr kumimoji="1" lang="en-US" altLang="ja-JP" dirty="0"/>
+                        <a:t>28</a:t>
+                      </a:r>
+                      <a:endParaRPr kumimoji="1" lang="ja-JP" altLang="en-US" dirty="0"/>
+                    </a:p>
+                  </a:txBody>
+                  <a:tcPr anchor="ctr"/>
+                </a:tc>
+                <a:tc>
+                  <a:txBody>
+                    <a:bodyPr/>
+                    <a:lstStyle/>
+                    <a:p>
+                      <a:pPr algn="ctr"/>
+                      <a:r>
+                        <a:rPr kumimoji="1" lang="en-US" altLang="ja-JP" dirty="0"/>
+                        <a:t>25</a:t>
+                      </a:r>
+                      <a:endParaRPr kumimoji="1" lang="ja-JP" altLang="en-US" dirty="0"/>
+                    </a:p>
+                  </a:txBody>
+                  <a:tcPr anchor="ctr"/>
+                </a:tc>
+                <a:tc>
+                  <a:txBody>
+                    <a:bodyPr/>
+                    <a:lstStyle/>
+                    <a:p>
+                      <a:pPr algn="ctr"/>
+                      <a:r>
+                        <a:rPr kumimoji="1" lang="ja-JP" altLang="en-US" dirty="0"/>
+                        <a:t>正常</a:t>
+                      </a:r>
+                    </a:p>
+                  </a:txBody>
+                  <a:tcPr anchor="ctr"/>
+                </a:tc>
+                <a:extLst>
+                  <a:ext uri="{0D108BD9-81ED-4DB2-BD59-A6C34878D82A}">
+                    <a16:rowId xmlns:a16="http://schemas.microsoft.com/office/drawing/2014/main" val="897782885"/>
+                  </a:ext>
+                </a:extLst>
+              </a:tr>
+            </a:tbl>
+          </a:graphicData>
+        </a:graphic>
+      </p:graphicFrame>
+      <p:grpSp>
+        <p:nvGrpSpPr>
+          <p:cNvPr id="22" name="グループ化 21">
+            <a:extLst>
+              <a:ext uri="{FF2B5EF4-FFF2-40B4-BE49-F238E27FC236}">
+                <a16:creationId xmlns:a16="http://schemas.microsoft.com/office/drawing/2014/main" id="{938DE854-D996-3C86-DBB3-0AFC64246010}"/>
+              </a:ext>
+            </a:extLst>
+          </p:cNvPr>
+          <p:cNvGrpSpPr/>
+          <p:nvPr/>
+        </p:nvGrpSpPr>
+        <p:grpSpPr>
+          <a:xfrm>
+            <a:off x="7751680" y="2279669"/>
+            <a:ext cx="3205078" cy="551754"/>
+            <a:chOff x="7286459" y="-1161008"/>
+            <a:chExt cx="3205078" cy="551754"/>
+          </a:xfrm>
+        </p:grpSpPr>
+        <p:sp>
+          <p:nvSpPr>
+            <p:cNvPr id="18" name="テキスト ボックス 17">
+              <a:extLst>
+                <a:ext uri="{FF2B5EF4-FFF2-40B4-BE49-F238E27FC236}">
+                  <a16:creationId xmlns:a16="http://schemas.microsoft.com/office/drawing/2014/main" id="{6A1D11CB-6E99-A1F6-12A3-7037A555F477}"/>
+                </a:ext>
+              </a:extLst>
+            </p:cNvPr>
+            <p:cNvSpPr txBox="1"/>
+            <p:nvPr/>
+          </p:nvSpPr>
+          <p:spPr>
+            <a:xfrm>
+              <a:off x="7286459" y="-1069797"/>
+              <a:ext cx="930442" cy="369332"/>
+            </a:xfrm>
+            <a:prstGeom prst="rect">
+              <a:avLst/>
+            </a:prstGeom>
+            <a:noFill/>
+          </p:spPr>
+          <p:txBody>
+            <a:bodyPr wrap="square" rtlCol="0">
+              <a:spAutoFit/>
+            </a:bodyPr>
+            <a:lstStyle/>
+            <a:p>
+              <a:r>
+                <a:rPr kumimoji="1" lang="ja-JP" altLang="en-US" dirty="0"/>
+                <a:t>検索</a:t>
+              </a:r>
+              <a:r>
+                <a:rPr kumimoji="1" lang="en-US" altLang="ja-JP" dirty="0"/>
+                <a:t>:</a:t>
+              </a:r>
+              <a:endParaRPr kumimoji="1" lang="ja-JP" altLang="en-US" dirty="0"/>
+            </a:p>
+          </p:txBody>
+        </p:sp>
+        <p:sp>
+          <p:nvSpPr>
+            <p:cNvPr id="19" name="正方形/長方形 18">
+              <a:extLst>
+                <a:ext uri="{FF2B5EF4-FFF2-40B4-BE49-F238E27FC236}">
+                  <a16:creationId xmlns:a16="http://schemas.microsoft.com/office/drawing/2014/main" id="{1A4C1466-832B-961A-F472-35BF042AD128}"/>
+                </a:ext>
+              </a:extLst>
+            </p:cNvPr>
+            <p:cNvSpPr/>
+            <p:nvPr/>
+          </p:nvSpPr>
+          <p:spPr>
+            <a:xfrm>
+              <a:off x="7937501" y="-1161008"/>
+              <a:ext cx="2554036" cy="551754"/>
+            </a:xfrm>
+            <a:prstGeom prst="rect">
+              <a:avLst/>
+            </a:prstGeom>
+            <a:ln>
+              <a:solidFill>
+                <a:schemeClr val="tx1"/>
+              </a:solidFill>
+            </a:ln>
+          </p:spPr>
+          <p:style>
+            <a:lnRef idx="2">
+              <a:schemeClr val="accent6"/>
+            </a:lnRef>
+            <a:fillRef idx="1">
+              <a:schemeClr val="lt1"/>
+            </a:fillRef>
+            <a:effectRef idx="0">
+              <a:schemeClr val="accent6"/>
+            </a:effectRef>
+            <a:fontRef idx="minor">
+              <a:schemeClr val="dk1"/>
+            </a:fontRef>
+          </p:style>
+          <p:txBody>
+            <a:bodyPr rtlCol="0" anchor="ctr"/>
+            <a:lstStyle/>
+            <a:p>
+              <a:pPr algn="ctr"/>
+              <a:endParaRPr kumimoji="1" lang="ja-JP" altLang="en-US"/>
+            </a:p>
+          </p:txBody>
+        </p:sp>
+      </p:grpSp>
+      <p:sp>
+        <p:nvSpPr>
+          <p:cNvPr id="23" name="四角形: 角を丸くする 22">
+            <a:extLst>
+              <a:ext uri="{FF2B5EF4-FFF2-40B4-BE49-F238E27FC236}">
+                <a16:creationId xmlns:a16="http://schemas.microsoft.com/office/drawing/2014/main" id="{86BB60CB-D985-E30B-5AF5-90FF95ADA8AD}"/>
               </a:ext>
             </a:extLst>
           </p:cNvPr>
@@ -6311,136 +6227,41 @@
         </p:nvSpPr>
         <p:spPr>
           <a:xfrm>
-            <a:off x="2869728" y="2077458"/>
-            <a:ext cx="2045364" cy="585527"/>
+            <a:off x="943811" y="5675485"/>
+            <a:ext cx="1334169" cy="468649"/>
           </a:xfrm>
           <a:prstGeom prst="roundRect">
             <a:avLst/>
           </a:prstGeom>
+          <a:solidFill>
+            <a:schemeClr val="tx2">
+              <a:lumMod val="10000"/>
+              <a:lumOff val="90000"/>
+            </a:schemeClr>
+          </a:solidFill>
           <a:ln>
             <a:solidFill>
-              <a:schemeClr val="accent6"/>
+              <a:schemeClr val="tx2">
+                <a:lumMod val="50000"/>
+                <a:lumOff val="50000"/>
+              </a:schemeClr>
             </a:solidFill>
           </a:ln>
         </p:spPr>
         <p:style>
           <a:lnRef idx="2">
-            <a:schemeClr val="accent4"/>
+            <a:schemeClr val="accent1">
+              <a:shade val="15000"/>
+            </a:schemeClr>
           </a:lnRef>
           <a:fillRef idx="1">
-            <a:schemeClr val="lt1"/>
+            <a:schemeClr val="accent1"/>
           </a:fillRef>
           <a:effectRef idx="0">
-            <a:schemeClr val="accent4"/>
+            <a:schemeClr val="accent1"/>
           </a:effectRef>
           <a:fontRef idx="minor">
-            <a:schemeClr val="dk1"/>
-          </a:fontRef>
-        </p:style>
-        <p:txBody>
-          <a:bodyPr rtlCol="0" anchor="ctr"/>
-          <a:lstStyle/>
-          <a:p>
-            <a:pPr algn="ctr"/>
-            <a:r>
-              <a:rPr lang="ja-JP" altLang="en-US" dirty="0"/>
-              <a:t>ログインページ</a:t>
-            </a:r>
-            <a:endParaRPr kumimoji="1" lang="ja-JP" altLang="en-US" dirty="0"/>
-          </a:p>
-        </p:txBody>
-      </p:sp>
-      <p:sp>
-        <p:nvSpPr>
-          <p:cNvPr id="8" name="四角形: 角を丸くする 7">
-            <a:extLst>
-              <a:ext uri="{FF2B5EF4-FFF2-40B4-BE49-F238E27FC236}">
-                <a16:creationId xmlns:a16="http://schemas.microsoft.com/office/drawing/2014/main" id="{E336EE27-B10C-C060-3207-D6D438988E26}"/>
-              </a:ext>
-            </a:extLst>
-          </p:cNvPr>
-          <p:cNvSpPr/>
-          <p:nvPr/>
-        </p:nvSpPr>
-        <p:spPr>
-          <a:xfrm>
-            <a:off x="465223" y="2077459"/>
-            <a:ext cx="2045364" cy="585527"/>
-          </a:xfrm>
-          <a:prstGeom prst="roundRect">
-            <a:avLst/>
-          </a:prstGeom>
-          <a:ln>
-            <a:solidFill>
-              <a:schemeClr val="accent6"/>
-            </a:solidFill>
-          </a:ln>
-        </p:spPr>
-        <p:style>
-          <a:lnRef idx="2">
-            <a:schemeClr val="accent4"/>
-          </a:lnRef>
-          <a:fillRef idx="1">
             <a:schemeClr val="lt1"/>
-          </a:fillRef>
-          <a:effectRef idx="0">
-            <a:schemeClr val="accent4"/>
-          </a:effectRef>
-          <a:fontRef idx="minor">
-            <a:schemeClr val="dk1"/>
-          </a:fontRef>
-        </p:style>
-        <p:txBody>
-          <a:bodyPr rtlCol="0" anchor="ctr"/>
-          <a:lstStyle/>
-          <a:p>
-            <a:pPr algn="ctr"/>
-            <a:r>
-              <a:rPr lang="ja-JP" altLang="en-US" dirty="0"/>
-              <a:t>情報登録ページ</a:t>
-            </a:r>
-            <a:endParaRPr kumimoji="1" lang="ja-JP" altLang="en-US" dirty="0"/>
-          </a:p>
-        </p:txBody>
-      </p:sp>
-      <p:sp>
-        <p:nvSpPr>
-          <p:cNvPr id="13" name="四角形: 角を丸くする 12">
-            <a:extLst>
-              <a:ext uri="{FF2B5EF4-FFF2-40B4-BE49-F238E27FC236}">
-                <a16:creationId xmlns:a16="http://schemas.microsoft.com/office/drawing/2014/main" id="{F8017EBA-8107-034A-9E8B-E28BC1DC3B57}"/>
-              </a:ext>
-            </a:extLst>
-          </p:cNvPr>
-          <p:cNvSpPr/>
-          <p:nvPr/>
-        </p:nvSpPr>
-        <p:spPr>
-          <a:xfrm>
-            <a:off x="5630791" y="1193140"/>
-            <a:ext cx="2045364" cy="585527"/>
-          </a:xfrm>
-          <a:prstGeom prst="roundRect">
-            <a:avLst/>
-          </a:prstGeom>
-          <a:ln>
-            <a:solidFill>
-              <a:srgbClr val="C00000"/>
-            </a:solidFill>
-          </a:ln>
-        </p:spPr>
-        <p:style>
-          <a:lnRef idx="2">
-            <a:schemeClr val="accent4"/>
-          </a:lnRef>
-          <a:fillRef idx="1">
-            <a:schemeClr val="lt1"/>
-          </a:fillRef>
-          <a:effectRef idx="0">
-            <a:schemeClr val="accent4"/>
-          </a:effectRef>
-          <a:fontRef idx="minor">
-            <a:schemeClr val="dk1"/>
           </a:fontRef>
         </p:style>
         <p:txBody>
@@ -6454,25 +6275,89 @@
                   <a:schemeClr val="tx1"/>
                 </a:solidFill>
               </a:rPr>
-              <a:t>打刻</a:t>
-            </a:r>
+              <a:t>新規</a:t>
+            </a:r>
+            <a:endParaRPr kumimoji="1" lang="ja-JP" altLang="en-US" dirty="0">
+              <a:solidFill>
+                <a:schemeClr val="tx1"/>
+              </a:solidFill>
+            </a:endParaRPr>
+          </a:p>
+        </p:txBody>
+      </p:sp>
+      <p:sp>
+        <p:nvSpPr>
+          <p:cNvPr id="24" name="四角形: 角を丸くする 23">
+            <a:extLst>
+              <a:ext uri="{FF2B5EF4-FFF2-40B4-BE49-F238E27FC236}">
+                <a16:creationId xmlns:a16="http://schemas.microsoft.com/office/drawing/2014/main" id="{10ADC90E-FE5A-8A8D-2DA6-5088D23BE21A}"/>
+              </a:ext>
+            </a:extLst>
+          </p:cNvPr>
+          <p:cNvSpPr/>
+          <p:nvPr/>
+        </p:nvSpPr>
+        <p:spPr>
+          <a:xfrm>
+            <a:off x="2437064" y="5702631"/>
+            <a:ext cx="1334169" cy="468649"/>
+          </a:xfrm>
+          <a:prstGeom prst="roundRect">
+            <a:avLst/>
+          </a:prstGeom>
+          <a:solidFill>
+            <a:schemeClr val="tx2">
+              <a:lumMod val="10000"/>
+              <a:lumOff val="90000"/>
+            </a:schemeClr>
+          </a:solidFill>
+          <a:ln>
+            <a:solidFill>
+              <a:schemeClr val="tx2">
+                <a:lumMod val="50000"/>
+                <a:lumOff val="50000"/>
+              </a:schemeClr>
+            </a:solidFill>
+          </a:ln>
+        </p:spPr>
+        <p:style>
+          <a:lnRef idx="2">
+            <a:schemeClr val="accent1">
+              <a:shade val="15000"/>
+            </a:schemeClr>
+          </a:lnRef>
+          <a:fillRef idx="1">
+            <a:schemeClr val="accent1"/>
+          </a:fillRef>
+          <a:effectRef idx="0">
+            <a:schemeClr val="accent1"/>
+          </a:effectRef>
+          <a:fontRef idx="minor">
+            <a:schemeClr val="lt1"/>
+          </a:fontRef>
+        </p:style>
+        <p:txBody>
+          <a:bodyPr rtlCol="0" anchor="ctr"/>
+          <a:lstStyle/>
+          <a:p>
+            <a:pPr algn="ctr"/>
             <a:r>
               <a:rPr kumimoji="1" lang="ja-JP" altLang="en-US" dirty="0">
                 <a:solidFill>
                   <a:schemeClr val="tx1"/>
                 </a:solidFill>
               </a:rPr>
-              <a:t>ページ</a:t>
-            </a:r>
-          </a:p>
-        </p:txBody>
-      </p:sp>
-      <p:sp>
-        <p:nvSpPr>
-          <p:cNvPr id="14" name="四角形: 角を丸くする 13">
-            <a:extLst>
-              <a:ext uri="{FF2B5EF4-FFF2-40B4-BE49-F238E27FC236}">
-                <a16:creationId xmlns:a16="http://schemas.microsoft.com/office/drawing/2014/main" id="{50D33F42-AFB0-4F3F-67E4-AB47F29C82B5}"/>
+              <a:t>編集</a:t>
+            </a:r>
+          </a:p>
+        </p:txBody>
+      </p:sp>
+      <p:sp>
+        <p:nvSpPr>
+          <p:cNvPr id="25" name="四角形: 角を丸くする 24">
+            <a:extLst>
+              <a:ext uri="{FF2B5EF4-FFF2-40B4-BE49-F238E27FC236}">
+                <a16:creationId xmlns:a16="http://schemas.microsoft.com/office/drawing/2014/main" id="{C44C1E67-3F0A-D5D0-5F64-234D2E419234}"/>
               </a:ext>
             </a:extLst>
           </p:cNvPr>
@@ -6481,30 +6366,41 @@
         </p:nvSpPr>
         <p:spPr>
           <a:xfrm>
-            <a:off x="8556464" y="1130973"/>
-            <a:ext cx="2045364" cy="585527"/>
+            <a:off x="3936330" y="5714831"/>
+            <a:ext cx="1334169" cy="468649"/>
           </a:xfrm>
           <a:prstGeom prst="roundRect">
             <a:avLst/>
           </a:prstGeom>
+          <a:solidFill>
+            <a:schemeClr val="tx2">
+              <a:lumMod val="10000"/>
+              <a:lumOff val="90000"/>
+            </a:schemeClr>
+          </a:solidFill>
           <a:ln>
             <a:solidFill>
-              <a:srgbClr val="C00000"/>
+              <a:schemeClr val="tx2">
+                <a:lumMod val="50000"/>
+                <a:lumOff val="50000"/>
+              </a:schemeClr>
             </a:solidFill>
           </a:ln>
         </p:spPr>
         <p:style>
           <a:lnRef idx="2">
-            <a:schemeClr val="accent4"/>
+            <a:schemeClr val="accent1">
+              <a:shade val="15000"/>
+            </a:schemeClr>
           </a:lnRef>
           <a:fillRef idx="1">
-            <a:schemeClr val="lt1"/>
+            <a:schemeClr val="accent1"/>
           </a:fillRef>
           <a:effectRef idx="0">
-            <a:schemeClr val="accent4"/>
+            <a:schemeClr val="accent1"/>
           </a:effectRef>
           <a:fontRef idx="minor">
-            <a:schemeClr val="dk1"/>
+            <a:schemeClr val="lt1"/>
           </a:fontRef>
         </p:style>
         <p:txBody>
@@ -6512,31 +6408,23 @@
           <a:lstStyle/>
           <a:p>
             <a:pPr algn="ctr"/>
-            <a:r>
-              <a:rPr lang="ja-JP" altLang="en-US" dirty="0">
-                <a:solidFill>
-                  <a:schemeClr val="tx1"/>
-                </a:solidFill>
-              </a:rPr>
-              <a:t>申請</a:t>
-            </a:r>
             <a:r>
               <a:rPr kumimoji="1" lang="ja-JP" altLang="en-US" dirty="0">
                 <a:solidFill>
                   <a:schemeClr val="tx1"/>
                 </a:solidFill>
               </a:rPr>
-              <a:t>ページ</a:t>
-            </a:r>
-          </a:p>
-        </p:txBody>
-      </p:sp>
-      <p:sp>
-        <p:nvSpPr>
-          <p:cNvPr id="15" name="四角形: 角を丸くする 14">
-            <a:extLst>
-              <a:ext uri="{FF2B5EF4-FFF2-40B4-BE49-F238E27FC236}">
-                <a16:creationId xmlns:a16="http://schemas.microsoft.com/office/drawing/2014/main" id="{E3A28A98-06C8-A389-A804-E067BBC6CDE5}"/>
+              <a:t>発注</a:t>
+            </a:r>
+          </a:p>
+        </p:txBody>
+      </p:sp>
+      <p:sp>
+        <p:nvSpPr>
+          <p:cNvPr id="26" name="四角形: 角を丸くする 25">
+            <a:extLst>
+              <a:ext uri="{FF2B5EF4-FFF2-40B4-BE49-F238E27FC236}">
+                <a16:creationId xmlns:a16="http://schemas.microsoft.com/office/drawing/2014/main" id="{20DF4CCB-E7FF-54B1-12E1-1617A8A69D3D}"/>
               </a:ext>
             </a:extLst>
           </p:cNvPr>
@@ -6545,30 +6433,41 @@
         </p:nvSpPr>
         <p:spPr>
           <a:xfrm>
-            <a:off x="5630791" y="3023944"/>
-            <a:ext cx="2045364" cy="585527"/>
+            <a:off x="5435596" y="5714831"/>
+            <a:ext cx="1334169" cy="468649"/>
           </a:xfrm>
           <a:prstGeom prst="roundRect">
             <a:avLst/>
           </a:prstGeom>
+          <a:solidFill>
+            <a:schemeClr val="tx2">
+              <a:lumMod val="10000"/>
+              <a:lumOff val="90000"/>
+            </a:schemeClr>
+          </a:solidFill>
           <a:ln>
             <a:solidFill>
-              <a:srgbClr val="C00000"/>
+              <a:schemeClr val="tx2">
+                <a:lumMod val="50000"/>
+                <a:lumOff val="50000"/>
+              </a:schemeClr>
             </a:solidFill>
           </a:ln>
         </p:spPr>
         <p:style>
           <a:lnRef idx="2">
-            <a:schemeClr val="accent4"/>
+            <a:schemeClr val="accent1">
+              <a:shade val="15000"/>
+            </a:schemeClr>
           </a:lnRef>
           <a:fillRef idx="1">
-            <a:schemeClr val="lt1"/>
+            <a:schemeClr val="accent1"/>
           </a:fillRef>
           <a:effectRef idx="0">
-            <a:schemeClr val="accent4"/>
+            <a:schemeClr val="accent1"/>
           </a:effectRef>
           <a:fontRef idx="minor">
-            <a:schemeClr val="dk1"/>
+            <a:schemeClr val="lt1"/>
           </a:fontRef>
         </p:style>
         <p:txBody>
@@ -6577,812 +6476,83 @@
           <a:p>
             <a:pPr algn="ctr"/>
             <a:r>
-              <a:rPr lang="ja-JP" altLang="en-US" dirty="0">
+              <a:rPr kumimoji="1" lang="ja-JP" altLang="en-US" dirty="0">
                 <a:solidFill>
                   <a:schemeClr val="tx1"/>
                 </a:solidFill>
               </a:rPr>
-              <a:t>打刻完了ページ</a:t>
-            </a:r>
-            <a:endParaRPr kumimoji="1" lang="ja-JP" altLang="en-US" dirty="0">
-              <a:solidFill>
-                <a:schemeClr val="tx1"/>
-              </a:solidFill>
-            </a:endParaRPr>
-          </a:p>
-        </p:txBody>
-      </p:sp>
-      <p:cxnSp>
-        <p:nvCxnSpPr>
-          <p:cNvPr id="21" name="直線矢印コネクタ 20">
-            <a:extLst>
-              <a:ext uri="{FF2B5EF4-FFF2-40B4-BE49-F238E27FC236}">
-                <a16:creationId xmlns:a16="http://schemas.microsoft.com/office/drawing/2014/main" id="{1A73B5D8-D135-E91C-FDBF-639093DCB62A}"/>
-              </a:ext>
-            </a:extLst>
-          </p:cNvPr>
-          <p:cNvCxnSpPr>
-            <a:stCxn id="5" idx="2"/>
-            <a:endCxn id="8" idx="0"/>
-          </p:cNvCxnSpPr>
+              <a:t>詳細</a:t>
+            </a:r>
+          </a:p>
+        </p:txBody>
+      </p:sp>
+      <p:sp>
+        <p:nvSpPr>
+          <p:cNvPr id="28" name="四角形: 角を丸くする 27">
+            <a:extLst>
+              <a:ext uri="{FF2B5EF4-FFF2-40B4-BE49-F238E27FC236}">
+                <a16:creationId xmlns:a16="http://schemas.microsoft.com/office/drawing/2014/main" id="{34963BCF-CBCF-AAC0-0217-6A8C268CA2BC}"/>
+              </a:ext>
+            </a:extLst>
+          </p:cNvPr>
+          <p:cNvSpPr/>
           <p:nvPr/>
-        </p:nvCxnSpPr>
+        </p:nvSpPr>
         <p:spPr>
           <a:xfrm>
-            <a:off x="1487905" y="1716501"/>
-            <a:ext cx="0" cy="360958"/>
-          </a:xfrm>
-          <a:prstGeom prst="straightConnector1">
+            <a:off x="9911346" y="5714831"/>
+            <a:ext cx="1334169" cy="468649"/>
+          </a:xfrm>
+          <a:prstGeom prst="roundRect">
             <a:avLst/>
           </a:prstGeom>
+          <a:solidFill>
+            <a:schemeClr val="tx2">
+              <a:lumMod val="10000"/>
+              <a:lumOff val="90000"/>
+            </a:schemeClr>
+          </a:solidFill>
           <a:ln>
-            <a:tailEnd type="triangle"/>
+            <a:solidFill>
+              <a:schemeClr val="tx2">
+                <a:lumMod val="50000"/>
+                <a:lumOff val="50000"/>
+              </a:schemeClr>
+            </a:solidFill>
           </a:ln>
         </p:spPr>
         <p:style>
           <a:lnRef idx="2">
-            <a:schemeClr val="accent1"/>
+            <a:schemeClr val="accent1">
+              <a:shade val="15000"/>
+            </a:schemeClr>
           </a:lnRef>
-          <a:fillRef idx="0">
+          <a:fillRef idx="1">
             <a:schemeClr val="accent1"/>
           </a:fillRef>
-          <a:effectRef idx="1">
+          <a:effectRef idx="0">
             <a:schemeClr val="accent1"/>
           </a:effectRef>
           <a:fontRef idx="minor">
-            <a:schemeClr val="tx1"/>
+            <a:schemeClr val="lt1"/>
           </a:fontRef>
         </p:style>
-      </p:cxnSp>
-      <p:sp>
-        <p:nvSpPr>
-          <p:cNvPr id="31" name="テキスト ボックス 30">
-            <a:extLst>
-              <a:ext uri="{FF2B5EF4-FFF2-40B4-BE49-F238E27FC236}">
-                <a16:creationId xmlns:a16="http://schemas.microsoft.com/office/drawing/2014/main" id="{4F4C545F-8F26-EFC3-ED7E-576C65A76865}"/>
-              </a:ext>
-            </a:extLst>
-          </p:cNvPr>
-          <p:cNvSpPr txBox="1"/>
-          <p:nvPr/>
-        </p:nvSpPr>
-        <p:spPr>
-          <a:xfrm>
-            <a:off x="1636295" y="1778667"/>
-            <a:ext cx="874268" cy="276999"/>
-          </a:xfrm>
-          <a:prstGeom prst="rect">
-            <a:avLst/>
-          </a:prstGeom>
-          <a:noFill/>
-        </p:spPr>
-        <p:txBody>
-          <a:bodyPr wrap="square" rtlCol="0">
-            <a:spAutoFit/>
-          </a:bodyPr>
-          <a:lstStyle/>
-          <a:p>
-            <a:r>
-              <a:rPr lang="ja-JP" altLang="en-US" sz="1200" dirty="0"/>
-              <a:t>会員登録</a:t>
-            </a:r>
-            <a:endParaRPr kumimoji="1" lang="ja-JP" altLang="en-US" sz="1200" dirty="0"/>
-          </a:p>
-        </p:txBody>
-      </p:sp>
-      <p:sp>
-        <p:nvSpPr>
-          <p:cNvPr id="32" name="テキスト ボックス 31">
-            <a:extLst>
-              <a:ext uri="{FF2B5EF4-FFF2-40B4-BE49-F238E27FC236}">
-                <a16:creationId xmlns:a16="http://schemas.microsoft.com/office/drawing/2014/main" id="{B7359804-75C0-A2A8-0509-C51237EC66F7}"/>
-              </a:ext>
-            </a:extLst>
-          </p:cNvPr>
-          <p:cNvSpPr txBox="1"/>
-          <p:nvPr/>
-        </p:nvSpPr>
-        <p:spPr>
-          <a:xfrm>
-            <a:off x="2327230" y="2657602"/>
-            <a:ext cx="874268" cy="276999"/>
-          </a:xfrm>
-          <a:prstGeom prst="rect">
-            <a:avLst/>
-          </a:prstGeom>
-          <a:noFill/>
-        </p:spPr>
-        <p:txBody>
-          <a:bodyPr wrap="square" rtlCol="0">
-            <a:spAutoFit/>
-          </a:bodyPr>
-          <a:lstStyle/>
-          <a:p>
-            <a:r>
-              <a:rPr kumimoji="1" lang="ja-JP" altLang="en-US" sz="1200" dirty="0"/>
-              <a:t>登録完了</a:t>
-            </a:r>
-          </a:p>
-        </p:txBody>
-      </p:sp>
-      <p:cxnSp>
-        <p:nvCxnSpPr>
-          <p:cNvPr id="38" name="コネクタ: カギ線 37">
-            <a:extLst>
-              <a:ext uri="{FF2B5EF4-FFF2-40B4-BE49-F238E27FC236}">
-                <a16:creationId xmlns:a16="http://schemas.microsoft.com/office/drawing/2014/main" id="{9DD93E7D-088D-4DC6-C667-F4F57D0A7E65}"/>
-              </a:ext>
-            </a:extLst>
-          </p:cNvPr>
-          <p:cNvCxnSpPr>
-            <a:cxnSpLocks/>
-            <a:stCxn id="5" idx="3"/>
-            <a:endCxn id="6" idx="0"/>
-          </p:cNvCxnSpPr>
-          <p:nvPr/>
-        </p:nvCxnSpPr>
-        <p:spPr>
-          <a:xfrm>
-            <a:off x="2510587" y="1423738"/>
-            <a:ext cx="1381823" cy="653720"/>
-          </a:xfrm>
-          <a:prstGeom prst="bentConnector2">
-            <a:avLst/>
-          </a:prstGeom>
-          <a:ln>
-            <a:tailEnd type="triangle"/>
-          </a:ln>
-        </p:spPr>
-        <p:style>
-          <a:lnRef idx="2">
-            <a:schemeClr val="accent1"/>
-          </a:lnRef>
-          <a:fillRef idx="0">
-            <a:schemeClr val="accent1"/>
-          </a:fillRef>
-          <a:effectRef idx="1">
-            <a:schemeClr val="accent1"/>
-          </a:effectRef>
-          <a:fontRef idx="minor">
-            <a:schemeClr val="tx1"/>
-          </a:fontRef>
-        </p:style>
-      </p:cxnSp>
-      <p:sp>
-        <p:nvSpPr>
-          <p:cNvPr id="40" name="テキスト ボックス 39">
-            <a:extLst>
-              <a:ext uri="{FF2B5EF4-FFF2-40B4-BE49-F238E27FC236}">
-                <a16:creationId xmlns:a16="http://schemas.microsoft.com/office/drawing/2014/main" id="{C53BBCFA-CF98-A5F2-B298-D8B7796CE04A}"/>
-              </a:ext>
-            </a:extLst>
-          </p:cNvPr>
-          <p:cNvSpPr txBox="1"/>
-          <p:nvPr/>
-        </p:nvSpPr>
-        <p:spPr>
-          <a:xfrm>
-            <a:off x="2679520" y="1206898"/>
-            <a:ext cx="874268" cy="276999"/>
-          </a:xfrm>
-          <a:prstGeom prst="rect">
-            <a:avLst/>
-          </a:prstGeom>
-          <a:noFill/>
-        </p:spPr>
-        <p:txBody>
-          <a:bodyPr wrap="square" rtlCol="0">
-            <a:spAutoFit/>
-          </a:bodyPr>
-          <a:lstStyle/>
-          <a:p>
-            <a:r>
-              <a:rPr kumimoji="1" lang="ja-JP" altLang="en-US" sz="1200" dirty="0"/>
-              <a:t>ログイン</a:t>
-            </a:r>
-          </a:p>
-        </p:txBody>
-      </p:sp>
-      <p:sp>
-        <p:nvSpPr>
-          <p:cNvPr id="41" name="テキスト ボックス 40">
-            <a:extLst>
-              <a:ext uri="{FF2B5EF4-FFF2-40B4-BE49-F238E27FC236}">
-                <a16:creationId xmlns:a16="http://schemas.microsoft.com/office/drawing/2014/main" id="{B0784DB1-DB3D-D8A8-189E-13BD4449D69C}"/>
-              </a:ext>
-            </a:extLst>
-          </p:cNvPr>
-          <p:cNvSpPr txBox="1"/>
-          <p:nvPr/>
-        </p:nvSpPr>
-        <p:spPr>
-          <a:xfrm>
-            <a:off x="2517570" y="3334125"/>
-            <a:ext cx="1198167" cy="276999"/>
-          </a:xfrm>
-          <a:prstGeom prst="rect">
-            <a:avLst/>
-          </a:prstGeom>
-          <a:noFill/>
-        </p:spPr>
-        <p:txBody>
-          <a:bodyPr wrap="square" rtlCol="0">
-            <a:spAutoFit/>
-          </a:bodyPr>
-          <a:lstStyle/>
-          <a:p>
-            <a:r>
-              <a:rPr kumimoji="1" lang="ja-JP" altLang="en-US" sz="1200" dirty="0"/>
-              <a:t>ログイン成功</a:t>
-            </a:r>
-          </a:p>
-        </p:txBody>
-      </p:sp>
-      <p:cxnSp>
-        <p:nvCxnSpPr>
-          <p:cNvPr id="48" name="コネクタ: カギ線 47">
-            <a:extLst>
-              <a:ext uri="{FF2B5EF4-FFF2-40B4-BE49-F238E27FC236}">
-                <a16:creationId xmlns:a16="http://schemas.microsoft.com/office/drawing/2014/main" id="{BD4DBA4E-A7A2-5481-67F6-B38C2A37F280}"/>
-              </a:ext>
-            </a:extLst>
-          </p:cNvPr>
-          <p:cNvCxnSpPr>
-            <a:cxnSpLocks/>
-            <a:stCxn id="6" idx="2"/>
-            <a:endCxn id="5" idx="1"/>
-          </p:cNvCxnSpPr>
-          <p:nvPr/>
-        </p:nvCxnSpPr>
-        <p:spPr>
-          <a:xfrm rot="5400000" flipH="1">
-            <a:off x="1559193" y="329769"/>
-            <a:ext cx="1239247" cy="3427187"/>
-          </a:xfrm>
-          <a:prstGeom prst="bentConnector4">
-            <a:avLst>
-              <a:gd name="adj1" fmla="val -56023"/>
-              <a:gd name="adj2" fmla="val 106670"/>
-            </a:avLst>
-          </a:prstGeom>
-          <a:ln>
-            <a:tailEnd type="triangle"/>
-          </a:ln>
-        </p:spPr>
-        <p:style>
-          <a:lnRef idx="2">
-            <a:schemeClr val="accent1"/>
-          </a:lnRef>
-          <a:fillRef idx="0">
-            <a:schemeClr val="accent1"/>
-          </a:fillRef>
-          <a:effectRef idx="1">
-            <a:schemeClr val="accent1"/>
-          </a:effectRef>
-          <a:fontRef idx="minor">
-            <a:schemeClr val="tx1"/>
-          </a:fontRef>
-        </p:style>
-      </p:cxnSp>
-      <p:cxnSp>
-        <p:nvCxnSpPr>
-          <p:cNvPr id="56" name="コネクタ: カギ線 55">
-            <a:extLst>
-              <a:ext uri="{FF2B5EF4-FFF2-40B4-BE49-F238E27FC236}">
-                <a16:creationId xmlns:a16="http://schemas.microsoft.com/office/drawing/2014/main" id="{0C286C89-8ED1-AE75-B5B9-387A1415CF8F}"/>
-              </a:ext>
-            </a:extLst>
-          </p:cNvPr>
-          <p:cNvCxnSpPr>
-            <a:cxnSpLocks/>
-            <a:stCxn id="5" idx="0"/>
-            <a:endCxn id="13" idx="0"/>
-          </p:cNvCxnSpPr>
-          <p:nvPr/>
-        </p:nvCxnSpPr>
-        <p:spPr>
-          <a:xfrm rot="16200000" flipH="1">
-            <a:off x="4039606" y="-1420727"/>
-            <a:ext cx="62166" cy="5165568"/>
-          </a:xfrm>
-          <a:prstGeom prst="bentConnector3">
-            <a:avLst>
-              <a:gd name="adj1" fmla="val -367725"/>
-            </a:avLst>
-          </a:prstGeom>
-          <a:ln>
-            <a:tailEnd type="triangle"/>
-          </a:ln>
-        </p:spPr>
-        <p:style>
-          <a:lnRef idx="2">
-            <a:schemeClr val="accent1"/>
-          </a:lnRef>
-          <a:fillRef idx="0">
-            <a:schemeClr val="accent1"/>
-          </a:fillRef>
-          <a:effectRef idx="1">
-            <a:schemeClr val="accent1"/>
-          </a:effectRef>
-          <a:fontRef idx="minor">
-            <a:schemeClr val="tx1"/>
-          </a:fontRef>
-        </p:style>
-      </p:cxnSp>
-      <p:sp>
-        <p:nvSpPr>
-          <p:cNvPr id="59" name="テキスト ボックス 58">
-            <a:extLst>
-              <a:ext uri="{FF2B5EF4-FFF2-40B4-BE49-F238E27FC236}">
-                <a16:creationId xmlns:a16="http://schemas.microsoft.com/office/drawing/2014/main" id="{764525EF-1B3A-B5E5-3A62-1E4605EA2154}"/>
-              </a:ext>
-            </a:extLst>
-          </p:cNvPr>
-          <p:cNvSpPr txBox="1"/>
-          <p:nvPr/>
-        </p:nvSpPr>
-        <p:spPr>
-          <a:xfrm>
-            <a:off x="3340781" y="697167"/>
-            <a:ext cx="1459816" cy="276999"/>
-          </a:xfrm>
-          <a:prstGeom prst="rect">
-            <a:avLst/>
-          </a:prstGeom>
-          <a:noFill/>
-        </p:spPr>
-        <p:txBody>
-          <a:bodyPr wrap="square" rtlCol="0">
-            <a:spAutoFit/>
-          </a:bodyPr>
-          <a:lstStyle/>
-          <a:p>
-            <a:r>
-              <a:rPr lang="ja-JP" altLang="en-US" sz="1200" dirty="0"/>
-              <a:t>打刻</a:t>
-            </a:r>
-            <a:r>
-              <a:rPr kumimoji="1" lang="ja-JP" altLang="en-US" sz="1200" dirty="0"/>
-              <a:t>　申請</a:t>
-            </a:r>
-          </a:p>
-        </p:txBody>
-      </p:sp>
-      <p:cxnSp>
-        <p:nvCxnSpPr>
-          <p:cNvPr id="60" name="コネクタ: カギ線 59">
-            <a:extLst>
-              <a:ext uri="{FF2B5EF4-FFF2-40B4-BE49-F238E27FC236}">
-                <a16:creationId xmlns:a16="http://schemas.microsoft.com/office/drawing/2014/main" id="{AA96194D-DB79-7B99-C217-8CAD384EECE6}"/>
-              </a:ext>
-            </a:extLst>
-          </p:cNvPr>
-          <p:cNvCxnSpPr>
-            <a:cxnSpLocks/>
-            <a:stCxn id="5" idx="0"/>
-            <a:endCxn id="14" idx="0"/>
-          </p:cNvCxnSpPr>
-          <p:nvPr/>
-        </p:nvCxnSpPr>
-        <p:spPr>
-          <a:xfrm rot="5400000" flipH="1" flipV="1">
-            <a:off x="5533525" y="-2914646"/>
-            <a:ext cx="1" cy="8091241"/>
-          </a:xfrm>
-          <a:prstGeom prst="bentConnector3">
-            <a:avLst>
-              <a:gd name="adj1" fmla="val 22860100000"/>
-            </a:avLst>
-          </a:prstGeom>
-          <a:ln>
-            <a:tailEnd type="triangle"/>
-          </a:ln>
-        </p:spPr>
-        <p:style>
-          <a:lnRef idx="2">
-            <a:schemeClr val="accent1"/>
-          </a:lnRef>
-          <a:fillRef idx="0">
-            <a:schemeClr val="accent1"/>
-          </a:fillRef>
-          <a:effectRef idx="1">
-            <a:schemeClr val="accent1"/>
-          </a:effectRef>
-          <a:fontRef idx="minor">
-            <a:schemeClr val="tx1"/>
-          </a:fontRef>
-        </p:style>
-      </p:cxnSp>
-      <p:cxnSp>
-        <p:nvCxnSpPr>
-          <p:cNvPr id="64" name="直線矢印コネクタ 63">
-            <a:extLst>
-              <a:ext uri="{FF2B5EF4-FFF2-40B4-BE49-F238E27FC236}">
-                <a16:creationId xmlns:a16="http://schemas.microsoft.com/office/drawing/2014/main" id="{8E283BD1-3590-1D1E-7B3C-B12072DF7FAD}"/>
-              </a:ext>
-            </a:extLst>
-          </p:cNvPr>
-          <p:cNvCxnSpPr>
-            <a:cxnSpLocks/>
-            <a:stCxn id="13" idx="2"/>
-            <a:endCxn id="15" idx="0"/>
-          </p:cNvCxnSpPr>
-          <p:nvPr/>
-        </p:nvCxnSpPr>
-        <p:spPr>
-          <a:xfrm>
-            <a:off x="6653473" y="1778667"/>
-            <a:ext cx="0" cy="1245277"/>
-          </a:xfrm>
-          <a:prstGeom prst="straightConnector1">
-            <a:avLst/>
-          </a:prstGeom>
-          <a:ln>
-            <a:tailEnd type="triangle"/>
-          </a:ln>
-        </p:spPr>
-        <p:style>
-          <a:lnRef idx="2">
-            <a:schemeClr val="accent1"/>
-          </a:lnRef>
-          <a:fillRef idx="0">
-            <a:schemeClr val="accent1"/>
-          </a:fillRef>
-          <a:effectRef idx="1">
-            <a:schemeClr val="accent1"/>
-          </a:effectRef>
-          <a:fontRef idx="minor">
-            <a:schemeClr val="tx1"/>
-          </a:fontRef>
-        </p:style>
-      </p:cxnSp>
-      <p:cxnSp>
-        <p:nvCxnSpPr>
-          <p:cNvPr id="84" name="コネクタ: カギ線 83">
-            <a:extLst>
-              <a:ext uri="{FF2B5EF4-FFF2-40B4-BE49-F238E27FC236}">
-                <a16:creationId xmlns:a16="http://schemas.microsoft.com/office/drawing/2014/main" id="{68A9AC1E-A742-9BE0-939F-F2E7E29C6F03}"/>
-              </a:ext>
-            </a:extLst>
-          </p:cNvPr>
-          <p:cNvCxnSpPr>
-            <a:cxnSpLocks/>
-            <a:stCxn id="20" idx="2"/>
-            <a:endCxn id="5" idx="1"/>
-          </p:cNvCxnSpPr>
-          <p:nvPr/>
-        </p:nvCxnSpPr>
-        <p:spPr>
-          <a:xfrm rot="5400000" flipH="1">
-            <a:off x="3944910" y="-2055949"/>
-            <a:ext cx="2162074" cy="9121448"/>
-          </a:xfrm>
-          <a:prstGeom prst="bentConnector4">
-            <a:avLst>
-              <a:gd name="adj1" fmla="val -118654"/>
-              <a:gd name="adj2" fmla="val 102506"/>
-            </a:avLst>
-          </a:prstGeom>
-          <a:ln>
-            <a:tailEnd type="triangle"/>
-          </a:ln>
-        </p:spPr>
-        <p:style>
-          <a:lnRef idx="2">
-            <a:schemeClr val="accent1"/>
-          </a:lnRef>
-          <a:fillRef idx="0">
-            <a:schemeClr val="accent1"/>
-          </a:fillRef>
-          <a:effectRef idx="1">
-            <a:schemeClr val="accent1"/>
-          </a:effectRef>
-          <a:fontRef idx="minor">
-            <a:schemeClr val="tx1"/>
-          </a:fontRef>
-        </p:style>
-      </p:cxnSp>
-      <p:sp>
-        <p:nvSpPr>
-          <p:cNvPr id="89" name="テキスト ボックス 88">
-            <a:extLst>
-              <a:ext uri="{FF2B5EF4-FFF2-40B4-BE49-F238E27FC236}">
-                <a16:creationId xmlns:a16="http://schemas.microsoft.com/office/drawing/2014/main" id="{D811893A-C395-81A8-88AF-14D9B2C812F9}"/>
-              </a:ext>
-            </a:extLst>
-          </p:cNvPr>
-          <p:cNvSpPr txBox="1"/>
-          <p:nvPr/>
-        </p:nvSpPr>
-        <p:spPr>
-          <a:xfrm>
-            <a:off x="3487155" y="5891865"/>
-            <a:ext cx="1313442" cy="276999"/>
-          </a:xfrm>
-          <a:prstGeom prst="rect">
-            <a:avLst/>
-          </a:prstGeom>
-          <a:noFill/>
-        </p:spPr>
-        <p:txBody>
-          <a:bodyPr wrap="square" rtlCol="0">
-            <a:spAutoFit/>
-          </a:bodyPr>
-          <a:lstStyle/>
-          <a:p>
-            <a:r>
-              <a:rPr lang="ja-JP" altLang="en-US" sz="1200" dirty="0"/>
-              <a:t>トップページ</a:t>
-            </a:r>
-            <a:r>
-              <a:rPr kumimoji="1" lang="ja-JP" altLang="en-US" sz="1200" dirty="0"/>
-              <a:t>へ</a:t>
-            </a:r>
-          </a:p>
-        </p:txBody>
-      </p:sp>
-      <p:sp>
-        <p:nvSpPr>
-          <p:cNvPr id="90" name="テキスト ボックス 89">
-            <a:extLst>
-              <a:ext uri="{FF2B5EF4-FFF2-40B4-BE49-F238E27FC236}">
-                <a16:creationId xmlns:a16="http://schemas.microsoft.com/office/drawing/2014/main" id="{AAADBF84-3E5C-F31C-C06C-C6889F4167C9}"/>
-              </a:ext>
-            </a:extLst>
-          </p:cNvPr>
-          <p:cNvSpPr txBox="1"/>
-          <p:nvPr/>
-        </p:nvSpPr>
-        <p:spPr>
-          <a:xfrm>
-            <a:off x="6653426" y="2225693"/>
-            <a:ext cx="874268" cy="276999"/>
-          </a:xfrm>
-          <a:prstGeom prst="rect">
-            <a:avLst/>
-          </a:prstGeom>
-          <a:noFill/>
-        </p:spPr>
-        <p:txBody>
-          <a:bodyPr wrap="square" rtlCol="0">
-            <a:spAutoFit/>
-          </a:bodyPr>
-          <a:lstStyle/>
-          <a:p>
-            <a:r>
-              <a:rPr kumimoji="1" lang="ja-JP" altLang="en-US" sz="1200" dirty="0"/>
-              <a:t>打刻</a:t>
-            </a:r>
-          </a:p>
-        </p:txBody>
-      </p:sp>
-      <p:sp>
-        <p:nvSpPr>
-          <p:cNvPr id="91" name="テキスト ボックス 90">
-            <a:extLst>
-              <a:ext uri="{FF2B5EF4-FFF2-40B4-BE49-F238E27FC236}">
-                <a16:creationId xmlns:a16="http://schemas.microsoft.com/office/drawing/2014/main" id="{CF13C12C-0833-41A7-1833-A3D186C46F12}"/>
-              </a:ext>
-            </a:extLst>
-          </p:cNvPr>
-          <p:cNvSpPr txBox="1"/>
-          <p:nvPr/>
-        </p:nvSpPr>
-        <p:spPr>
-          <a:xfrm>
-            <a:off x="9508892" y="2283863"/>
-            <a:ext cx="874268" cy="276999"/>
-          </a:xfrm>
-          <a:prstGeom prst="rect">
-            <a:avLst/>
-          </a:prstGeom>
-          <a:noFill/>
-        </p:spPr>
-        <p:txBody>
-          <a:bodyPr wrap="square" rtlCol="0">
-            <a:spAutoFit/>
-          </a:bodyPr>
-          <a:lstStyle/>
-          <a:p>
-            <a:r>
-              <a:rPr kumimoji="1" lang="ja-JP" altLang="en-US" sz="1200" dirty="0"/>
-              <a:t>残業申請</a:t>
-            </a:r>
-          </a:p>
-        </p:txBody>
-      </p:sp>
-      <p:cxnSp>
-        <p:nvCxnSpPr>
-          <p:cNvPr id="3" name="直線矢印コネクタ 2">
-            <a:extLst>
-              <a:ext uri="{FF2B5EF4-FFF2-40B4-BE49-F238E27FC236}">
-                <a16:creationId xmlns:a16="http://schemas.microsoft.com/office/drawing/2014/main" id="{195FE3DC-6D80-F63F-4FAE-4B119B752BB4}"/>
-              </a:ext>
-            </a:extLst>
-          </p:cNvPr>
-          <p:cNvCxnSpPr>
-            <a:cxnSpLocks/>
-            <a:stCxn id="14" idx="2"/>
-          </p:cNvCxnSpPr>
-          <p:nvPr/>
-        </p:nvCxnSpPr>
-        <p:spPr>
-          <a:xfrm>
-            <a:off x="9579146" y="1716500"/>
-            <a:ext cx="7525" cy="1283787"/>
-          </a:xfrm>
-          <a:prstGeom prst="straightConnector1">
-            <a:avLst/>
-          </a:prstGeom>
-          <a:ln>
-            <a:tailEnd type="triangle"/>
-          </a:ln>
-        </p:spPr>
-        <p:style>
-          <a:lnRef idx="2">
-            <a:schemeClr val="accent1"/>
-          </a:lnRef>
-          <a:fillRef idx="0">
-            <a:schemeClr val="accent1"/>
-          </a:fillRef>
-          <a:effectRef idx="1">
-            <a:schemeClr val="accent1"/>
-          </a:effectRef>
-          <a:fontRef idx="minor">
-            <a:schemeClr val="tx1"/>
-          </a:fontRef>
-        </p:style>
-      </p:cxnSp>
-      <p:sp>
-        <p:nvSpPr>
-          <p:cNvPr id="20" name="四角形: 角を丸くする 19">
-            <a:extLst>
-              <a:ext uri="{FF2B5EF4-FFF2-40B4-BE49-F238E27FC236}">
-                <a16:creationId xmlns:a16="http://schemas.microsoft.com/office/drawing/2014/main" id="{C70193D5-6246-C0BE-441B-0CF3AC40EC03}"/>
-              </a:ext>
-            </a:extLst>
-          </p:cNvPr>
-          <p:cNvSpPr/>
-          <p:nvPr/>
-        </p:nvSpPr>
-        <p:spPr>
-          <a:xfrm>
-            <a:off x="8563989" y="3000285"/>
-            <a:ext cx="2045364" cy="585527"/>
-          </a:xfrm>
-          <a:prstGeom prst="roundRect">
-            <a:avLst/>
-          </a:prstGeom>
-          <a:ln>
-            <a:solidFill>
-              <a:srgbClr val="C00000"/>
-            </a:solidFill>
-          </a:ln>
-        </p:spPr>
-        <p:style>
-          <a:lnRef idx="2">
-            <a:schemeClr val="accent4"/>
-          </a:lnRef>
-          <a:fillRef idx="1">
-            <a:schemeClr val="lt1"/>
-          </a:fillRef>
-          <a:effectRef idx="0">
-            <a:schemeClr val="accent4"/>
-          </a:effectRef>
-          <a:fontRef idx="minor">
-            <a:schemeClr val="dk1"/>
-          </a:fontRef>
-        </p:style>
         <p:txBody>
           <a:bodyPr rtlCol="0" anchor="ctr"/>
           <a:lstStyle/>
           <a:p>
             <a:pPr algn="ctr"/>
             <a:r>
-              <a:rPr lang="ja-JP" altLang="en-US" dirty="0">
+              <a:rPr kumimoji="1" lang="ja-JP" altLang="en-US" dirty="0">
                 <a:solidFill>
                   <a:schemeClr val="tx1"/>
                 </a:solidFill>
               </a:rPr>
-              <a:t>申請完了ページ</a:t>
-            </a:r>
-            <a:endParaRPr kumimoji="1" lang="ja-JP" altLang="en-US" dirty="0">
-              <a:solidFill>
-                <a:schemeClr val="tx1"/>
-              </a:solidFill>
-            </a:endParaRPr>
-          </a:p>
-        </p:txBody>
-      </p:sp>
-      <p:cxnSp>
-        <p:nvCxnSpPr>
-          <p:cNvPr id="27" name="直線矢印コネクタ 26">
-            <a:extLst>
-              <a:ext uri="{FF2B5EF4-FFF2-40B4-BE49-F238E27FC236}">
-                <a16:creationId xmlns:a16="http://schemas.microsoft.com/office/drawing/2014/main" id="{700942E3-42A1-A23F-2A82-776B5C0B15AE}"/>
-              </a:ext>
-            </a:extLst>
-          </p:cNvPr>
-          <p:cNvCxnSpPr>
-            <a:cxnSpLocks/>
-            <a:stCxn id="8" idx="3"/>
-            <a:endCxn id="6" idx="1"/>
-          </p:cNvCxnSpPr>
-          <p:nvPr/>
-        </p:nvCxnSpPr>
-        <p:spPr>
-          <a:xfrm flipV="1">
-            <a:off x="2510587" y="2370222"/>
-            <a:ext cx="359141" cy="1"/>
-          </a:xfrm>
-          <a:prstGeom prst="straightConnector1">
-            <a:avLst/>
-          </a:prstGeom>
-          <a:ln>
-            <a:tailEnd type="triangle"/>
-          </a:ln>
-        </p:spPr>
-        <p:style>
-          <a:lnRef idx="2">
-            <a:schemeClr val="accent1"/>
-          </a:lnRef>
-          <a:fillRef idx="0">
-            <a:schemeClr val="accent1"/>
-          </a:fillRef>
-          <a:effectRef idx="1">
-            <a:schemeClr val="accent1"/>
-          </a:effectRef>
-          <a:fontRef idx="minor">
-            <a:schemeClr val="tx1"/>
-          </a:fontRef>
-        </p:style>
-      </p:cxnSp>
-      <p:cxnSp>
-        <p:nvCxnSpPr>
-          <p:cNvPr id="47" name="コネクタ: カギ線 46">
-            <a:extLst>
-              <a:ext uri="{FF2B5EF4-FFF2-40B4-BE49-F238E27FC236}">
-                <a16:creationId xmlns:a16="http://schemas.microsoft.com/office/drawing/2014/main" id="{A6EEF00C-71AE-E944-2363-8B0610040F73}"/>
-              </a:ext>
-            </a:extLst>
-          </p:cNvPr>
-          <p:cNvCxnSpPr>
-            <a:cxnSpLocks/>
-            <a:stCxn id="15" idx="2"/>
-            <a:endCxn id="5" idx="1"/>
-          </p:cNvCxnSpPr>
-          <p:nvPr/>
-        </p:nvCxnSpPr>
-        <p:spPr>
-          <a:xfrm rot="5400000" flipH="1">
-            <a:off x="2466481" y="-577520"/>
-            <a:ext cx="2185733" cy="6188250"/>
-          </a:xfrm>
-          <a:prstGeom prst="bentConnector4">
-            <a:avLst>
-              <a:gd name="adj1" fmla="val -116209"/>
-              <a:gd name="adj2" fmla="val 103694"/>
-            </a:avLst>
-          </a:prstGeom>
-          <a:ln>
-            <a:tailEnd type="triangle"/>
-          </a:ln>
-        </p:spPr>
-        <p:style>
-          <a:lnRef idx="2">
-            <a:schemeClr val="accent1"/>
-          </a:lnRef>
-          <a:fillRef idx="0">
-            <a:schemeClr val="accent1"/>
-          </a:fillRef>
-          <a:effectRef idx="1">
-            <a:schemeClr val="accent1"/>
-          </a:effectRef>
-          <a:fontRef idx="minor">
-            <a:schemeClr val="tx1"/>
-          </a:fontRef>
-        </p:style>
-      </p:cxnSp>
+              <a:t>在庫移動</a:t>
+            </a:r>
+          </a:p>
+        </p:txBody>
+      </p:sp>
     </p:spTree>
     <p:extLst>
       <p:ext uri="{BB962C8B-B14F-4D97-AF65-F5344CB8AC3E}">

--- a/14_extratask/02_Inventory/レッスン14_課題②.pptx
+++ b/14_extratask/02_Inventory/レッスン14_課題②.pptx
@@ -8,6 +8,8 @@
     <p:sldId id="263" r:id="rId2"/>
     <p:sldId id="261" r:id="rId3"/>
     <p:sldId id="262" r:id="rId4"/>
+    <p:sldId id="264" r:id="rId5"/>
+    <p:sldId id="267" r:id="rId6"/>
   </p:sldIdLst>
   <p:sldSz cx="12192000" cy="6858000"/>
   <p:notesSz cx="6858000" cy="9144000"/>
@@ -261,7 +263,7 @@
           <a:p>
             <a:fld id="{0FB4450A-9251-4943-BD4B-9933E2EC7ADB}" type="datetimeFigureOut">
               <a:rPr kumimoji="1" lang="ja-JP" altLang="en-US" smtClean="0"/>
-              <a:t>2025/6/20</a:t>
+              <a:t>2025/6/23</a:t>
             </a:fld>
             <a:endParaRPr kumimoji="1" lang="ja-JP" altLang="en-US"/>
           </a:p>
@@ -491,7 +493,7 @@
           <a:p>
             <a:fld id="{0FB4450A-9251-4943-BD4B-9933E2EC7ADB}" type="datetimeFigureOut">
               <a:rPr kumimoji="1" lang="ja-JP" altLang="en-US" smtClean="0"/>
-              <a:t>2025/6/20</a:t>
+              <a:t>2025/6/23</a:t>
             </a:fld>
             <a:endParaRPr kumimoji="1" lang="ja-JP" altLang="en-US"/>
           </a:p>
@@ -731,7 +733,7 @@
           <a:p>
             <a:fld id="{0FB4450A-9251-4943-BD4B-9933E2EC7ADB}" type="datetimeFigureOut">
               <a:rPr kumimoji="1" lang="ja-JP" altLang="en-US" smtClean="0"/>
-              <a:t>2025/6/20</a:t>
+              <a:t>2025/6/23</a:t>
             </a:fld>
             <a:endParaRPr kumimoji="1" lang="ja-JP" altLang="en-US"/>
           </a:p>
@@ -961,7 +963,7 @@
           <a:p>
             <a:fld id="{0FB4450A-9251-4943-BD4B-9933E2EC7ADB}" type="datetimeFigureOut">
               <a:rPr kumimoji="1" lang="ja-JP" altLang="en-US" smtClean="0"/>
-              <a:t>2025/6/20</a:t>
+              <a:t>2025/6/23</a:t>
             </a:fld>
             <a:endParaRPr kumimoji="1" lang="ja-JP" altLang="en-US"/>
           </a:p>
@@ -1236,7 +1238,7 @@
           <a:p>
             <a:fld id="{0FB4450A-9251-4943-BD4B-9933E2EC7ADB}" type="datetimeFigureOut">
               <a:rPr kumimoji="1" lang="ja-JP" altLang="en-US" smtClean="0"/>
-              <a:t>2025/6/20</a:t>
+              <a:t>2025/6/23</a:t>
             </a:fld>
             <a:endParaRPr kumimoji="1" lang="ja-JP" altLang="en-US"/>
           </a:p>
@@ -1565,7 +1567,7 @@
           <a:p>
             <a:fld id="{0FB4450A-9251-4943-BD4B-9933E2EC7ADB}" type="datetimeFigureOut">
               <a:rPr kumimoji="1" lang="ja-JP" altLang="en-US" smtClean="0"/>
-              <a:t>2025/6/20</a:t>
+              <a:t>2025/6/23</a:t>
             </a:fld>
             <a:endParaRPr kumimoji="1" lang="ja-JP" altLang="en-US"/>
           </a:p>
@@ -2041,7 +2043,7 @@
           <a:p>
             <a:fld id="{0FB4450A-9251-4943-BD4B-9933E2EC7ADB}" type="datetimeFigureOut">
               <a:rPr kumimoji="1" lang="ja-JP" altLang="en-US" smtClean="0"/>
-              <a:t>2025/6/20</a:t>
+              <a:t>2025/6/23</a:t>
             </a:fld>
             <a:endParaRPr kumimoji="1" lang="ja-JP" altLang="en-US"/>
           </a:p>
@@ -2182,7 +2184,7 @@
           <a:p>
             <a:fld id="{0FB4450A-9251-4943-BD4B-9933E2EC7ADB}" type="datetimeFigureOut">
               <a:rPr kumimoji="1" lang="ja-JP" altLang="en-US" smtClean="0"/>
-              <a:t>2025/6/20</a:t>
+              <a:t>2025/6/23</a:t>
             </a:fld>
             <a:endParaRPr kumimoji="1" lang="ja-JP" altLang="en-US"/>
           </a:p>
@@ -2295,7 +2297,7 @@
           <a:p>
             <a:fld id="{0FB4450A-9251-4943-BD4B-9933E2EC7ADB}" type="datetimeFigureOut">
               <a:rPr kumimoji="1" lang="ja-JP" altLang="en-US" smtClean="0"/>
-              <a:t>2025/6/20</a:t>
+              <a:t>2025/6/23</a:t>
             </a:fld>
             <a:endParaRPr kumimoji="1" lang="ja-JP" altLang="en-US"/>
           </a:p>
@@ -2638,7 +2640,7 @@
           <a:p>
             <a:fld id="{0FB4450A-9251-4943-BD4B-9933E2EC7ADB}" type="datetimeFigureOut">
               <a:rPr kumimoji="1" lang="ja-JP" altLang="en-US" smtClean="0"/>
-              <a:t>2025/6/20</a:t>
+              <a:t>2025/6/23</a:t>
             </a:fld>
             <a:endParaRPr kumimoji="1" lang="ja-JP" altLang="en-US"/>
           </a:p>
@@ -2926,7 +2928,7 @@
           <a:p>
             <a:fld id="{0FB4450A-9251-4943-BD4B-9933E2EC7ADB}" type="datetimeFigureOut">
               <a:rPr kumimoji="1" lang="ja-JP" altLang="en-US" smtClean="0"/>
-              <a:t>2025/6/20</a:t>
+              <a:t>2025/6/23</a:t>
             </a:fld>
             <a:endParaRPr kumimoji="1" lang="ja-JP" altLang="en-US"/>
           </a:p>
@@ -3199,7 +3201,7 @@
           <a:p>
             <a:fld id="{0FB4450A-9251-4943-BD4B-9933E2EC7ADB}" type="datetimeFigureOut">
               <a:rPr kumimoji="1" lang="ja-JP" altLang="en-US" smtClean="0"/>
-              <a:t>2025/6/20</a:t>
+              <a:t>2025/6/23</a:t>
             </a:fld>
             <a:endParaRPr kumimoji="1" lang="ja-JP" altLang="en-US"/>
           </a:p>
@@ -3912,15 +3914,15 @@
           </p:cNvPr>
           <p:cNvCxnSpPr>
             <a:cxnSpLocks/>
-            <a:stCxn id="4" idx="6"/>
-            <a:endCxn id="5" idx="1"/>
+            <a:stCxn id="4" idx="4"/>
+            <a:endCxn id="3" idx="0"/>
           </p:cNvCxnSpPr>
           <p:nvPr/>
         </p:nvCxnSpPr>
         <p:spPr>
-          <a:xfrm flipV="1">
-            <a:off x="1925053" y="1628274"/>
-            <a:ext cx="481263" cy="8203"/>
+          <a:xfrm flipH="1">
+            <a:off x="1381626" y="1917214"/>
+            <a:ext cx="1" cy="471388"/>
           </a:xfrm>
           <a:prstGeom prst="straightConnector1">
             <a:avLst/>
@@ -4724,49 +4726,6 @@
           </a:p>
         </p:txBody>
       </p:sp>
-      <p:cxnSp>
-        <p:nvCxnSpPr>
-          <p:cNvPr id="71" name="直線矢印コネクタ 70">
-            <a:extLst>
-              <a:ext uri="{FF2B5EF4-FFF2-40B4-BE49-F238E27FC236}">
-                <a16:creationId xmlns:a16="http://schemas.microsoft.com/office/drawing/2014/main" id="{903C5889-2DDC-6E68-6C85-106DD3801C6D}"/>
-              </a:ext>
-            </a:extLst>
-          </p:cNvPr>
-          <p:cNvCxnSpPr>
-            <a:cxnSpLocks/>
-            <a:stCxn id="40" idx="3"/>
-            <a:endCxn id="61" idx="1"/>
-          </p:cNvCxnSpPr>
-          <p:nvPr/>
-        </p:nvCxnSpPr>
-        <p:spPr>
-          <a:xfrm flipV="1">
-            <a:off x="7034576" y="1608667"/>
-            <a:ext cx="1496597" cy="1559871"/>
-          </a:xfrm>
-          <a:prstGeom prst="straightConnector1">
-            <a:avLst/>
-          </a:prstGeom>
-          <a:ln>
-            <a:tailEnd type="triangle"/>
-          </a:ln>
-        </p:spPr>
-        <p:style>
-          <a:lnRef idx="2">
-            <a:schemeClr val="accent1"/>
-          </a:lnRef>
-          <a:fillRef idx="0">
-            <a:schemeClr val="accent1"/>
-          </a:fillRef>
-          <a:effectRef idx="1">
-            <a:schemeClr val="accent1"/>
-          </a:effectRef>
-          <a:fontRef idx="minor">
-            <a:schemeClr val="tx1"/>
-          </a:fontRef>
-        </p:style>
-      </p:cxnSp>
       <p:cxnSp>
         <p:nvCxnSpPr>
           <p:cNvPr id="88" name="コネクタ: カギ線 87">
@@ -5377,6 +5336,215 @@
           </a:fontRef>
         </p:style>
       </p:cxnSp>
+      <p:sp>
+        <p:nvSpPr>
+          <p:cNvPr id="3" name="ひし形 2">
+            <a:extLst>
+              <a:ext uri="{FF2B5EF4-FFF2-40B4-BE49-F238E27FC236}">
+                <a16:creationId xmlns:a16="http://schemas.microsoft.com/office/drawing/2014/main" id="{64B49780-8709-2AB9-E34C-A863411BDE59}"/>
+              </a:ext>
+            </a:extLst>
+          </p:cNvPr>
+          <p:cNvSpPr/>
+          <p:nvPr/>
+        </p:nvSpPr>
+        <p:spPr>
+          <a:xfrm>
+            <a:off x="481263" y="2388602"/>
+            <a:ext cx="1800726" cy="914400"/>
+          </a:xfrm>
+          <a:prstGeom prst="diamond">
+            <a:avLst/>
+          </a:prstGeom>
+        </p:spPr>
+        <p:style>
+          <a:lnRef idx="2">
+            <a:schemeClr val="accent2"/>
+          </a:lnRef>
+          <a:fillRef idx="1">
+            <a:schemeClr val="lt1"/>
+          </a:fillRef>
+          <a:effectRef idx="0">
+            <a:schemeClr val="accent2"/>
+          </a:effectRef>
+          <a:fontRef idx="minor">
+            <a:schemeClr val="dk1"/>
+          </a:fontRef>
+        </p:style>
+        <p:txBody>
+          <a:bodyPr rtlCol="0" anchor="ctr"/>
+          <a:lstStyle/>
+          <a:p>
+            <a:pPr algn="ctr"/>
+            <a:r>
+              <a:rPr lang="ja-JP" altLang="en-US" dirty="0"/>
+              <a:t>新規商品を登録する？</a:t>
+            </a:r>
+            <a:endParaRPr lang="en-US" altLang="ja-JP" dirty="0"/>
+          </a:p>
+        </p:txBody>
+      </p:sp>
+      <p:cxnSp>
+        <p:nvCxnSpPr>
+          <p:cNvPr id="7" name="直線矢印コネクタ 6">
+            <a:extLst>
+              <a:ext uri="{FF2B5EF4-FFF2-40B4-BE49-F238E27FC236}">
+                <a16:creationId xmlns:a16="http://schemas.microsoft.com/office/drawing/2014/main" id="{997E5822-9379-6C8A-C5A5-30FC3ECD4DD5}"/>
+              </a:ext>
+            </a:extLst>
+          </p:cNvPr>
+          <p:cNvCxnSpPr>
+            <a:cxnSpLocks/>
+            <a:stCxn id="3" idx="3"/>
+            <a:endCxn id="5" idx="2"/>
+          </p:cNvCxnSpPr>
+          <p:nvPr/>
+        </p:nvCxnSpPr>
+        <p:spPr>
+          <a:xfrm flipV="1">
+            <a:off x="2281989" y="1909011"/>
+            <a:ext cx="667754" cy="936791"/>
+          </a:xfrm>
+          <a:prstGeom prst="straightConnector1">
+            <a:avLst/>
+          </a:prstGeom>
+          <a:ln>
+            <a:tailEnd type="triangle"/>
+          </a:ln>
+        </p:spPr>
+        <p:style>
+          <a:lnRef idx="2">
+            <a:schemeClr val="accent1"/>
+          </a:lnRef>
+          <a:fillRef idx="0">
+            <a:schemeClr val="accent1"/>
+          </a:fillRef>
+          <a:effectRef idx="1">
+            <a:schemeClr val="accent1"/>
+          </a:effectRef>
+          <a:fontRef idx="minor">
+            <a:schemeClr val="tx1"/>
+          </a:fontRef>
+        </p:style>
+      </p:cxnSp>
+      <p:sp>
+        <p:nvSpPr>
+          <p:cNvPr id="24" name="テキスト ボックス 23">
+            <a:extLst>
+              <a:ext uri="{FF2B5EF4-FFF2-40B4-BE49-F238E27FC236}">
+                <a16:creationId xmlns:a16="http://schemas.microsoft.com/office/drawing/2014/main" id="{47D5600B-A1DE-E7BE-9886-CE97F259C808}"/>
+              </a:ext>
+            </a:extLst>
+          </p:cNvPr>
+          <p:cNvSpPr txBox="1"/>
+          <p:nvPr/>
+        </p:nvSpPr>
+        <p:spPr>
+          <a:xfrm>
+            <a:off x="1692534" y="2029509"/>
+            <a:ext cx="646331" cy="369332"/>
+          </a:xfrm>
+          <a:prstGeom prst="rect">
+            <a:avLst/>
+          </a:prstGeom>
+          <a:noFill/>
+        </p:spPr>
+        <p:txBody>
+          <a:bodyPr wrap="none" rtlCol="0">
+            <a:spAutoFit/>
+          </a:bodyPr>
+          <a:lstStyle/>
+          <a:p>
+            <a:r>
+              <a:rPr lang="ja-JP" altLang="en-US" dirty="0"/>
+              <a:t>はい</a:t>
+            </a:r>
+            <a:endParaRPr kumimoji="1" lang="en-US" altLang="ja-JP" dirty="0"/>
+          </a:p>
+        </p:txBody>
+      </p:sp>
+      <p:cxnSp>
+        <p:nvCxnSpPr>
+          <p:cNvPr id="26" name="コネクタ: カギ線 25">
+            <a:extLst>
+              <a:ext uri="{FF2B5EF4-FFF2-40B4-BE49-F238E27FC236}">
+                <a16:creationId xmlns:a16="http://schemas.microsoft.com/office/drawing/2014/main" id="{001396C0-2ADF-6F1D-288B-FCDF3D08AEAB}"/>
+              </a:ext>
+            </a:extLst>
+          </p:cNvPr>
+          <p:cNvCxnSpPr>
+            <a:stCxn id="3" idx="2"/>
+            <a:endCxn id="91" idx="0"/>
+          </p:cNvCxnSpPr>
+          <p:nvPr/>
+        </p:nvCxnSpPr>
+        <p:spPr>
+          <a:xfrm rot="5400000" flipH="1" flipV="1">
+            <a:off x="5751182" y="-2265458"/>
+            <a:ext cx="1198904" cy="9938016"/>
+          </a:xfrm>
+          <a:prstGeom prst="bentConnector5">
+            <a:avLst>
+              <a:gd name="adj1" fmla="val -19067"/>
+              <a:gd name="adj2" fmla="val -11628"/>
+              <a:gd name="adj3" fmla="val 188646"/>
+            </a:avLst>
+          </a:prstGeom>
+          <a:ln>
+            <a:tailEnd type="triangle"/>
+          </a:ln>
+        </p:spPr>
+        <p:style>
+          <a:lnRef idx="2">
+            <a:schemeClr val="accent1"/>
+          </a:lnRef>
+          <a:fillRef idx="0">
+            <a:schemeClr val="accent1"/>
+          </a:fillRef>
+          <a:effectRef idx="1">
+            <a:schemeClr val="accent1"/>
+          </a:effectRef>
+          <a:fontRef idx="minor">
+            <a:schemeClr val="tx1"/>
+          </a:fontRef>
+        </p:style>
+      </p:cxnSp>
+      <p:sp>
+        <p:nvSpPr>
+          <p:cNvPr id="29" name="テキスト ボックス 28">
+            <a:extLst>
+              <a:ext uri="{FF2B5EF4-FFF2-40B4-BE49-F238E27FC236}">
+                <a16:creationId xmlns:a16="http://schemas.microsoft.com/office/drawing/2014/main" id="{2C61D393-4826-FD88-9C38-B64231B8D3FB}"/>
+              </a:ext>
+            </a:extLst>
+          </p:cNvPr>
+          <p:cNvSpPr txBox="1"/>
+          <p:nvPr/>
+        </p:nvSpPr>
+        <p:spPr>
+          <a:xfrm>
+            <a:off x="515034" y="3516867"/>
+            <a:ext cx="877163" cy="369332"/>
+          </a:xfrm>
+          <a:prstGeom prst="rect">
+            <a:avLst/>
+          </a:prstGeom>
+          <a:noFill/>
+        </p:spPr>
+        <p:txBody>
+          <a:bodyPr wrap="none" rtlCol="0">
+            <a:spAutoFit/>
+          </a:bodyPr>
+          <a:lstStyle/>
+          <a:p>
+            <a:r>
+              <a:rPr kumimoji="1" lang="ja-JP" altLang="en-US" dirty="0"/>
+              <a:t>いいえ</a:t>
+            </a:r>
+            <a:endParaRPr kumimoji="1" lang="en-US" altLang="ja-JP" dirty="0"/>
+          </a:p>
+        </p:txBody>
+      </p:sp>
     </p:spTree>
     <p:extLst>
       <p:ext uri="{BB962C8B-B14F-4D97-AF65-F5344CB8AC3E}">
@@ -5439,6 +5607,448 @@
               <a:rPr kumimoji="1" lang="ja-JP" altLang="en-US" dirty="0"/>
               <a:t>画面モックアップ</a:t>
             </a:r>
+            <a:r>
+              <a:rPr lang="ja-JP" altLang="en-US" dirty="0"/>
+              <a:t>（メインメニュー）</a:t>
+            </a:r>
+            <a:endParaRPr kumimoji="1" lang="ja-JP" altLang="en-US" dirty="0"/>
+          </a:p>
+        </p:txBody>
+      </p:sp>
+      <p:sp>
+        <p:nvSpPr>
+          <p:cNvPr id="3" name="四角形: 角を丸くする 2">
+            <a:extLst>
+              <a:ext uri="{FF2B5EF4-FFF2-40B4-BE49-F238E27FC236}">
+                <a16:creationId xmlns:a16="http://schemas.microsoft.com/office/drawing/2014/main" id="{EEC6E16C-547A-DFC6-3F5E-2B117B8F50A5}"/>
+              </a:ext>
+            </a:extLst>
+          </p:cNvPr>
+          <p:cNvSpPr/>
+          <p:nvPr/>
+        </p:nvSpPr>
+        <p:spPr>
+          <a:xfrm>
+            <a:off x="1475872" y="882312"/>
+            <a:ext cx="4042612" cy="2679033"/>
+          </a:xfrm>
+          <a:prstGeom prst="roundRect">
+            <a:avLst/>
+          </a:prstGeom>
+          <a:solidFill>
+            <a:schemeClr val="accent1">
+              <a:lumMod val="20000"/>
+              <a:lumOff val="80000"/>
+            </a:schemeClr>
+          </a:solidFill>
+          <a:ln>
+            <a:noFill/>
+          </a:ln>
+          <a:effectLst>
+            <a:outerShdw blurRad="44450" dist="27940" dir="5400000" algn="ctr">
+              <a:srgbClr val="000000">
+                <a:alpha val="32000"/>
+              </a:srgbClr>
+            </a:outerShdw>
+          </a:effectLst>
+          <a:scene3d>
+            <a:camera prst="orthographicFront">
+              <a:rot lat="0" lon="0" rev="0"/>
+            </a:camera>
+            <a:lightRig rig="balanced" dir="t">
+              <a:rot lat="0" lon="0" rev="8700000"/>
+            </a:lightRig>
+          </a:scene3d>
+          <a:sp3d>
+            <a:bevelT w="190500" h="38100"/>
+          </a:sp3d>
+        </p:spPr>
+        <p:style>
+          <a:lnRef idx="2">
+            <a:schemeClr val="accent1">
+              <a:shade val="15000"/>
+            </a:schemeClr>
+          </a:lnRef>
+          <a:fillRef idx="1">
+            <a:schemeClr val="accent1"/>
+          </a:fillRef>
+          <a:effectRef idx="0">
+            <a:schemeClr val="accent1"/>
+          </a:effectRef>
+          <a:fontRef idx="minor">
+            <a:schemeClr val="lt1"/>
+          </a:fontRef>
+        </p:style>
+        <p:txBody>
+          <a:bodyPr rtlCol="0" anchor="ctr"/>
+          <a:lstStyle/>
+          <a:p>
+            <a:pPr algn="ctr"/>
+            <a:r>
+              <a:rPr kumimoji="1" lang="ja-JP" altLang="en-US" sz="4000" dirty="0">
+                <a:solidFill>
+                  <a:schemeClr val="tx1"/>
+                </a:solidFill>
+              </a:rPr>
+              <a:t>在庫確認</a:t>
+            </a:r>
+          </a:p>
+        </p:txBody>
+      </p:sp>
+      <p:sp>
+        <p:nvSpPr>
+          <p:cNvPr id="5" name="四角形: 角を丸くする 4">
+            <a:extLst>
+              <a:ext uri="{FF2B5EF4-FFF2-40B4-BE49-F238E27FC236}">
+                <a16:creationId xmlns:a16="http://schemas.microsoft.com/office/drawing/2014/main" id="{6144BAC3-20BF-71AC-1205-86BCC808CB94}"/>
+              </a:ext>
+            </a:extLst>
+          </p:cNvPr>
+          <p:cNvSpPr/>
+          <p:nvPr/>
+        </p:nvSpPr>
+        <p:spPr>
+          <a:xfrm>
+            <a:off x="1475872" y="3777921"/>
+            <a:ext cx="4042612" cy="2679033"/>
+          </a:xfrm>
+          <a:prstGeom prst="roundRect">
+            <a:avLst/>
+          </a:prstGeom>
+          <a:solidFill>
+            <a:schemeClr val="accent1">
+              <a:lumMod val="20000"/>
+              <a:lumOff val="80000"/>
+            </a:schemeClr>
+          </a:solidFill>
+          <a:ln>
+            <a:noFill/>
+          </a:ln>
+          <a:effectLst>
+            <a:outerShdw blurRad="44450" dist="27940" dir="5400000" algn="ctr">
+              <a:srgbClr val="000000">
+                <a:alpha val="32000"/>
+              </a:srgbClr>
+            </a:outerShdw>
+          </a:effectLst>
+          <a:scene3d>
+            <a:camera prst="orthographicFront">
+              <a:rot lat="0" lon="0" rev="0"/>
+            </a:camera>
+            <a:lightRig rig="balanced" dir="t">
+              <a:rot lat="0" lon="0" rev="8700000"/>
+            </a:lightRig>
+          </a:scene3d>
+          <a:sp3d>
+            <a:bevelT w="190500" h="38100"/>
+          </a:sp3d>
+        </p:spPr>
+        <p:style>
+          <a:lnRef idx="2">
+            <a:schemeClr val="accent1">
+              <a:shade val="15000"/>
+            </a:schemeClr>
+          </a:lnRef>
+          <a:fillRef idx="1">
+            <a:schemeClr val="accent1"/>
+          </a:fillRef>
+          <a:effectRef idx="0">
+            <a:schemeClr val="accent1"/>
+          </a:effectRef>
+          <a:fontRef idx="minor">
+            <a:schemeClr val="lt1"/>
+          </a:fontRef>
+        </p:style>
+        <p:txBody>
+          <a:bodyPr rtlCol="0" anchor="ctr"/>
+          <a:lstStyle/>
+          <a:p>
+            <a:pPr algn="ctr"/>
+            <a:r>
+              <a:rPr lang="ja-JP" altLang="en-US" sz="4000" dirty="0">
+                <a:solidFill>
+                  <a:schemeClr val="tx1"/>
+                </a:solidFill>
+              </a:rPr>
+              <a:t>発注管理</a:t>
+            </a:r>
+            <a:endParaRPr kumimoji="1" lang="ja-JP" altLang="en-US" sz="4000" dirty="0">
+              <a:solidFill>
+                <a:schemeClr val="tx1"/>
+              </a:solidFill>
+            </a:endParaRPr>
+          </a:p>
+        </p:txBody>
+      </p:sp>
+      <p:sp>
+        <p:nvSpPr>
+          <p:cNvPr id="7" name="四角形: 角を丸くする 6">
+            <a:extLst>
+              <a:ext uri="{FF2B5EF4-FFF2-40B4-BE49-F238E27FC236}">
+                <a16:creationId xmlns:a16="http://schemas.microsoft.com/office/drawing/2014/main" id="{4EA557DE-DEE6-B441-1D34-55ADCD42F1A0}"/>
+              </a:ext>
+            </a:extLst>
+          </p:cNvPr>
+          <p:cNvSpPr/>
+          <p:nvPr/>
+        </p:nvSpPr>
+        <p:spPr>
+          <a:xfrm>
+            <a:off x="6681536" y="846215"/>
+            <a:ext cx="4042612" cy="2679033"/>
+          </a:xfrm>
+          <a:prstGeom prst="roundRect">
+            <a:avLst/>
+          </a:prstGeom>
+          <a:solidFill>
+            <a:schemeClr val="accent1">
+              <a:lumMod val="20000"/>
+              <a:lumOff val="80000"/>
+            </a:schemeClr>
+          </a:solidFill>
+          <a:ln>
+            <a:noFill/>
+          </a:ln>
+          <a:effectLst>
+            <a:outerShdw blurRad="44450" dist="27940" dir="5400000" algn="ctr">
+              <a:srgbClr val="000000">
+                <a:alpha val="32000"/>
+              </a:srgbClr>
+            </a:outerShdw>
+          </a:effectLst>
+          <a:scene3d>
+            <a:camera prst="orthographicFront">
+              <a:rot lat="0" lon="0" rev="0"/>
+            </a:camera>
+            <a:lightRig rig="balanced" dir="t">
+              <a:rot lat="0" lon="0" rev="8700000"/>
+            </a:lightRig>
+          </a:scene3d>
+          <a:sp3d>
+            <a:bevelT w="190500" h="38100"/>
+          </a:sp3d>
+        </p:spPr>
+        <p:style>
+          <a:lnRef idx="2">
+            <a:schemeClr val="accent1">
+              <a:shade val="15000"/>
+            </a:schemeClr>
+          </a:lnRef>
+          <a:fillRef idx="1">
+            <a:schemeClr val="accent1"/>
+          </a:fillRef>
+          <a:effectRef idx="0">
+            <a:schemeClr val="accent1"/>
+          </a:effectRef>
+          <a:fontRef idx="minor">
+            <a:schemeClr val="lt1"/>
+          </a:fontRef>
+        </p:style>
+        <p:txBody>
+          <a:bodyPr rtlCol="0" anchor="ctr"/>
+          <a:lstStyle/>
+          <a:p>
+            <a:pPr algn="ctr"/>
+            <a:r>
+              <a:rPr kumimoji="1" lang="ja-JP" altLang="en-US" sz="4000" dirty="0">
+                <a:solidFill>
+                  <a:schemeClr val="tx1"/>
+                </a:solidFill>
+              </a:rPr>
+              <a:t>入出庫管理</a:t>
+            </a:r>
+          </a:p>
+        </p:txBody>
+      </p:sp>
+      <p:sp>
+        <p:nvSpPr>
+          <p:cNvPr id="8" name="四角形: 角を丸くする 7">
+            <a:extLst>
+              <a:ext uri="{FF2B5EF4-FFF2-40B4-BE49-F238E27FC236}">
+                <a16:creationId xmlns:a16="http://schemas.microsoft.com/office/drawing/2014/main" id="{B10CEF34-5293-CFD9-7AE6-6775D3BC344D}"/>
+              </a:ext>
+            </a:extLst>
+          </p:cNvPr>
+          <p:cNvSpPr/>
+          <p:nvPr/>
+        </p:nvSpPr>
+        <p:spPr>
+          <a:xfrm>
+            <a:off x="6681536" y="3777920"/>
+            <a:ext cx="4042612" cy="2679033"/>
+          </a:xfrm>
+          <a:prstGeom prst="roundRect">
+            <a:avLst/>
+          </a:prstGeom>
+          <a:solidFill>
+            <a:schemeClr val="accent1">
+              <a:lumMod val="20000"/>
+              <a:lumOff val="80000"/>
+            </a:schemeClr>
+          </a:solidFill>
+          <a:ln>
+            <a:noFill/>
+          </a:ln>
+          <a:effectLst>
+            <a:outerShdw blurRad="44450" dist="27940" dir="5400000" algn="ctr">
+              <a:srgbClr val="000000">
+                <a:alpha val="32000"/>
+              </a:srgbClr>
+            </a:outerShdw>
+          </a:effectLst>
+          <a:scene3d>
+            <a:camera prst="orthographicFront">
+              <a:rot lat="0" lon="0" rev="0"/>
+            </a:camera>
+            <a:lightRig rig="balanced" dir="t">
+              <a:rot lat="0" lon="0" rev="8700000"/>
+            </a:lightRig>
+          </a:scene3d>
+          <a:sp3d>
+            <a:bevelT w="190500" h="38100"/>
+          </a:sp3d>
+        </p:spPr>
+        <p:style>
+          <a:lnRef idx="2">
+            <a:schemeClr val="accent1">
+              <a:shade val="15000"/>
+            </a:schemeClr>
+          </a:lnRef>
+          <a:fillRef idx="1">
+            <a:schemeClr val="accent1"/>
+          </a:fillRef>
+          <a:effectRef idx="0">
+            <a:schemeClr val="accent1"/>
+          </a:effectRef>
+          <a:fontRef idx="minor">
+            <a:schemeClr val="lt1"/>
+          </a:fontRef>
+        </p:style>
+        <p:txBody>
+          <a:bodyPr rtlCol="0" anchor="ctr"/>
+          <a:lstStyle/>
+          <a:p>
+            <a:pPr algn="ctr"/>
+            <a:r>
+              <a:rPr kumimoji="1" lang="ja-JP" altLang="en-US" sz="4000" dirty="0">
+                <a:solidFill>
+                  <a:schemeClr val="tx1"/>
+                </a:solidFill>
+              </a:rPr>
+              <a:t>設定</a:t>
+            </a:r>
+          </a:p>
+        </p:txBody>
+      </p:sp>
+      <p:sp>
+        <p:nvSpPr>
+          <p:cNvPr id="9" name="正方形/長方形 8">
+            <a:extLst>
+              <a:ext uri="{FF2B5EF4-FFF2-40B4-BE49-F238E27FC236}">
+                <a16:creationId xmlns:a16="http://schemas.microsoft.com/office/drawing/2014/main" id="{5ED87E61-D47C-5FFA-0E28-83D3123899CC}"/>
+              </a:ext>
+            </a:extLst>
+          </p:cNvPr>
+          <p:cNvSpPr/>
+          <p:nvPr/>
+        </p:nvSpPr>
+        <p:spPr>
+          <a:xfrm>
+            <a:off x="433137" y="705835"/>
+            <a:ext cx="11454063" cy="6015798"/>
+          </a:xfrm>
+          <a:prstGeom prst="rect">
+            <a:avLst/>
+          </a:prstGeom>
+          <a:noFill/>
+        </p:spPr>
+        <p:style>
+          <a:lnRef idx="2">
+            <a:schemeClr val="accent1">
+              <a:shade val="15000"/>
+            </a:schemeClr>
+          </a:lnRef>
+          <a:fillRef idx="1">
+            <a:schemeClr val="accent1"/>
+          </a:fillRef>
+          <a:effectRef idx="0">
+            <a:schemeClr val="accent1"/>
+          </a:effectRef>
+          <a:fontRef idx="minor">
+            <a:schemeClr val="lt1"/>
+          </a:fontRef>
+        </p:style>
+        <p:txBody>
+          <a:bodyPr rtlCol="0" anchor="ctr"/>
+          <a:lstStyle/>
+          <a:p>
+            <a:pPr algn="ctr"/>
+            <a:endParaRPr kumimoji="1" lang="ja-JP" altLang="en-US"/>
+          </a:p>
+        </p:txBody>
+      </p:sp>
+    </p:spTree>
+    <p:extLst>
+      <p:ext uri="{BB962C8B-B14F-4D97-AF65-F5344CB8AC3E}">
+        <p14:creationId xmlns:p14="http://schemas.microsoft.com/office/powerpoint/2010/main" val="1003015468"/>
+      </p:ext>
+    </p:extLst>
+  </p:cSld>
+  <p:clrMapOvr>
+    <a:masterClrMapping/>
+  </p:clrMapOvr>
+</p:sld>
+</file>
+
+<file path=ppt/slides/slide4.xml><?xml version="1.0" encoding="utf-8"?>
+<p:sld xmlns:a="http://schemas.openxmlformats.org/drawingml/2006/main" xmlns:r="http://schemas.openxmlformats.org/officeDocument/2006/relationships" xmlns:p="http://schemas.openxmlformats.org/presentationml/2006/main">
+  <p:cSld>
+    <p:spTree>
+      <p:nvGrpSpPr>
+        <p:cNvPr id="1" name=""/>
+        <p:cNvGrpSpPr/>
+        <p:nvPr/>
+      </p:nvGrpSpPr>
+      <p:grpSpPr>
+        <a:xfrm>
+          <a:off x="0" y="0"/>
+          <a:ext cx="0" cy="0"/>
+          <a:chOff x="0" y="0"/>
+          <a:chExt cx="0" cy="0"/>
+        </a:xfrm>
+      </p:grpSpPr>
+      <p:sp>
+        <p:nvSpPr>
+          <p:cNvPr id="2" name="タイトル 1">
+            <a:extLst>
+              <a:ext uri="{FF2B5EF4-FFF2-40B4-BE49-F238E27FC236}">
+                <a16:creationId xmlns:a16="http://schemas.microsoft.com/office/drawing/2014/main" id="{5B45BD55-CC61-83DD-AC31-BF92B58B98C5}"/>
+              </a:ext>
+            </a:extLst>
+          </p:cNvPr>
+          <p:cNvSpPr>
+            <a:spLocks noGrp="1"/>
+          </p:cNvSpPr>
+          <p:nvPr>
+            <p:ph type="title"/>
+          </p:nvPr>
+        </p:nvSpPr>
+        <p:spPr>
+          <a:xfrm>
+            <a:off x="256674" y="128337"/>
+            <a:ext cx="11454063" cy="585528"/>
+          </a:xfrm>
+        </p:spPr>
+        <p:txBody>
+          <a:bodyPr>
+            <a:normAutofit fontScale="90000"/>
+          </a:bodyPr>
+          <a:lstStyle/>
+          <a:p>
+            <a:r>
+              <a:rPr kumimoji="1" lang="ja-JP" altLang="en-US" dirty="0"/>
+              <a:t>画面モックアップ（発注管理画面）</a:t>
+            </a:r>
           </a:p>
         </p:txBody>
       </p:sp>
@@ -5622,7 +6232,7 @@
           <p:nvPr>
             <p:extLst>
               <p:ext uri="{D42A27DB-BD31-4B8C-83A1-F6EECF244321}">
-                <p14:modId xmlns:p14="http://schemas.microsoft.com/office/powerpoint/2010/main" val="2633550083"/>
+                <p14:modId xmlns:p14="http://schemas.microsoft.com/office/powerpoint/2010/main" val="2982637492"/>
               </p:ext>
             </p:extLst>
           </p:nvPr>
@@ -6553,10 +7163,2761 @@
           </a:p>
         </p:txBody>
       </p:sp>
+      <p:sp>
+        <p:nvSpPr>
+          <p:cNvPr id="3" name="正方形/長方形 2">
+            <a:extLst>
+              <a:ext uri="{FF2B5EF4-FFF2-40B4-BE49-F238E27FC236}">
+                <a16:creationId xmlns:a16="http://schemas.microsoft.com/office/drawing/2014/main" id="{F2C94706-C2FD-F5FA-B591-24EA79F32B17}"/>
+              </a:ext>
+            </a:extLst>
+          </p:cNvPr>
+          <p:cNvSpPr/>
+          <p:nvPr/>
+        </p:nvSpPr>
+        <p:spPr>
+          <a:xfrm>
+            <a:off x="1548061" y="987248"/>
+            <a:ext cx="9095874" cy="5214661"/>
+          </a:xfrm>
+          <a:prstGeom prst="rect">
+            <a:avLst/>
+          </a:prstGeom>
+          <a:solidFill>
+            <a:schemeClr val="bg1"/>
+          </a:solidFill>
+        </p:spPr>
+        <p:style>
+          <a:lnRef idx="2">
+            <a:schemeClr val="accent1">
+              <a:shade val="15000"/>
+            </a:schemeClr>
+          </a:lnRef>
+          <a:fillRef idx="1">
+            <a:schemeClr val="accent1"/>
+          </a:fillRef>
+          <a:effectRef idx="0">
+            <a:schemeClr val="accent1"/>
+          </a:effectRef>
+          <a:fontRef idx="minor">
+            <a:schemeClr val="lt1"/>
+          </a:fontRef>
+        </p:style>
+        <p:txBody>
+          <a:bodyPr rtlCol="0" anchor="ctr"/>
+          <a:lstStyle/>
+          <a:p>
+            <a:pPr algn="ctr"/>
+            <a:endParaRPr kumimoji="1" lang="ja-JP" altLang="en-US"/>
+          </a:p>
+        </p:txBody>
+      </p:sp>
+      <p:graphicFrame>
+        <p:nvGraphicFramePr>
+          <p:cNvPr id="7" name="表 6">
+            <a:extLst>
+              <a:ext uri="{FF2B5EF4-FFF2-40B4-BE49-F238E27FC236}">
+                <a16:creationId xmlns:a16="http://schemas.microsoft.com/office/drawing/2014/main" id="{37FAECB0-4BCC-4524-0D5B-AD993CFB02BF}"/>
+              </a:ext>
+            </a:extLst>
+          </p:cNvPr>
+          <p:cNvGraphicFramePr>
+            <a:graphicFrameLocks noGrp="1"/>
+          </p:cNvGraphicFramePr>
+          <p:nvPr>
+            <p:extLst>
+              <p:ext uri="{D42A27DB-BD31-4B8C-83A1-F6EECF244321}">
+                <p14:modId xmlns:p14="http://schemas.microsoft.com/office/powerpoint/2010/main" val="742816200"/>
+              </p:ext>
+            </p:extLst>
+          </p:nvPr>
+        </p:nvGraphicFramePr>
+        <p:xfrm>
+          <a:off x="2179050" y="2135568"/>
+          <a:ext cx="7879345" cy="640080"/>
+        </p:xfrm>
+        <a:graphic>
+          <a:graphicData uri="http://schemas.openxmlformats.org/drawingml/2006/table">
+            <a:tbl>
+              <a:tblPr firstRow="1" bandRow="1">
+                <a:tableStyleId>{5940675A-B579-460E-94D1-54222C63F5DA}</a:tableStyleId>
+              </a:tblPr>
+              <a:tblGrid>
+                <a:gridCol w="1210681">
+                  <a:extLst>
+                    <a:ext uri="{9D8B030D-6E8A-4147-A177-3AD203B41FA5}">
+                      <a16:colId xmlns:a16="http://schemas.microsoft.com/office/drawing/2014/main" val="3953606517"/>
+                    </a:ext>
+                  </a:extLst>
+                </a:gridCol>
+                <a:gridCol w="2009828">
+                  <a:extLst>
+                    <a:ext uri="{9D8B030D-6E8A-4147-A177-3AD203B41FA5}">
+                      <a16:colId xmlns:a16="http://schemas.microsoft.com/office/drawing/2014/main" val="2733463744"/>
+                    </a:ext>
+                  </a:extLst>
+                </a:gridCol>
+                <a:gridCol w="719164">
+                  <a:extLst>
+                    <a:ext uri="{9D8B030D-6E8A-4147-A177-3AD203B41FA5}">
+                      <a16:colId xmlns:a16="http://schemas.microsoft.com/office/drawing/2014/main" val="1153279286"/>
+                    </a:ext>
+                  </a:extLst>
+                </a:gridCol>
+                <a:gridCol w="1313224">
+                  <a:extLst>
+                    <a:ext uri="{9D8B030D-6E8A-4147-A177-3AD203B41FA5}">
+                      <a16:colId xmlns:a16="http://schemas.microsoft.com/office/drawing/2014/main" val="886031512"/>
+                    </a:ext>
+                  </a:extLst>
+                </a:gridCol>
+                <a:gridCol w="1313224">
+                  <a:extLst>
+                    <a:ext uri="{9D8B030D-6E8A-4147-A177-3AD203B41FA5}">
+                      <a16:colId xmlns:a16="http://schemas.microsoft.com/office/drawing/2014/main" val="1241268529"/>
+                    </a:ext>
+                  </a:extLst>
+                </a:gridCol>
+                <a:gridCol w="1313224">
+                  <a:extLst>
+                    <a:ext uri="{9D8B030D-6E8A-4147-A177-3AD203B41FA5}">
+                      <a16:colId xmlns:a16="http://schemas.microsoft.com/office/drawing/2014/main" val="3895378869"/>
+                    </a:ext>
+                  </a:extLst>
+                </a:gridCol>
+              </a:tblGrid>
+              <a:tr h="620186">
+                <a:tc>
+                  <a:txBody>
+                    <a:bodyPr/>
+                    <a:lstStyle/>
+                    <a:p>
+                      <a:pPr algn="ctr"/>
+                      <a:r>
+                        <a:rPr kumimoji="1" lang="en-US" altLang="ja-JP" dirty="0"/>
+                        <a:t>A00123</a:t>
+                      </a:r>
+                      <a:endParaRPr kumimoji="1" lang="ja-JP" altLang="en-US" dirty="0"/>
+                    </a:p>
+                  </a:txBody>
+                  <a:tcPr anchor="ctr"/>
+                </a:tc>
+                <a:tc>
+                  <a:txBody>
+                    <a:bodyPr/>
+                    <a:lstStyle/>
+                    <a:p>
+                      <a:pPr algn="ctr"/>
+                      <a:r>
+                        <a:rPr kumimoji="1" lang="ja-JP" altLang="en-US" dirty="0"/>
+                        <a:t>有機トマト（国産）</a:t>
+                      </a:r>
+                    </a:p>
+                  </a:txBody>
+                  <a:tcPr anchor="ctr"/>
+                </a:tc>
+                <a:tc>
+                  <a:txBody>
+                    <a:bodyPr/>
+                    <a:lstStyle/>
+                    <a:p>
+                      <a:pPr algn="ctr"/>
+                      <a:r>
+                        <a:rPr kumimoji="1" lang="ja-JP" altLang="en-US" dirty="0"/>
+                        <a:t>野菜</a:t>
+                      </a:r>
+                    </a:p>
+                  </a:txBody>
+                  <a:tcPr anchor="ctr"/>
+                </a:tc>
+                <a:tc>
+                  <a:txBody>
+                    <a:bodyPr/>
+                    <a:lstStyle/>
+                    <a:p>
+                      <a:pPr algn="ctr"/>
+                      <a:r>
+                        <a:rPr kumimoji="1" lang="en-US" altLang="ja-JP" dirty="0"/>
+                        <a:t>45</a:t>
+                      </a:r>
+                      <a:endParaRPr kumimoji="1" lang="ja-JP" altLang="en-US" dirty="0"/>
+                    </a:p>
+                  </a:txBody>
+                  <a:tcPr anchor="ctr"/>
+                </a:tc>
+                <a:tc>
+                  <a:txBody>
+                    <a:bodyPr/>
+                    <a:lstStyle/>
+                    <a:p>
+                      <a:pPr algn="ctr"/>
+                      <a:r>
+                        <a:rPr kumimoji="1" lang="en-US" altLang="ja-JP" dirty="0"/>
+                        <a:t>20</a:t>
+                      </a:r>
+                      <a:endParaRPr kumimoji="1" lang="ja-JP" altLang="en-US" dirty="0"/>
+                    </a:p>
+                  </a:txBody>
+                  <a:tcPr anchor="ctr"/>
+                </a:tc>
+                <a:tc>
+                  <a:txBody>
+                    <a:bodyPr/>
+                    <a:lstStyle/>
+                    <a:p>
+                      <a:pPr algn="ctr"/>
+                      <a:r>
+                        <a:rPr kumimoji="1" lang="ja-JP" altLang="en-US" dirty="0"/>
+                        <a:t>正常</a:t>
+                      </a:r>
+                    </a:p>
+                  </a:txBody>
+                  <a:tcPr anchor="ctr"/>
+                </a:tc>
+                <a:extLst>
+                  <a:ext uri="{0D108BD9-81ED-4DB2-BD59-A6C34878D82A}">
+                    <a16:rowId xmlns:a16="http://schemas.microsoft.com/office/drawing/2014/main" val="821210985"/>
+                  </a:ext>
+                </a:extLst>
+              </a:tr>
+            </a:tbl>
+          </a:graphicData>
+        </a:graphic>
+      </p:graphicFrame>
+      <p:sp>
+        <p:nvSpPr>
+          <p:cNvPr id="8" name="テキスト ボックス 7">
+            <a:extLst>
+              <a:ext uri="{FF2B5EF4-FFF2-40B4-BE49-F238E27FC236}">
+                <a16:creationId xmlns:a16="http://schemas.microsoft.com/office/drawing/2014/main" id="{BA88D86C-899A-8238-45BE-F2D3026B3BF9}"/>
+              </a:ext>
+            </a:extLst>
+          </p:cNvPr>
+          <p:cNvSpPr txBox="1"/>
+          <p:nvPr/>
+        </p:nvSpPr>
+        <p:spPr>
+          <a:xfrm>
+            <a:off x="2179049" y="1399832"/>
+            <a:ext cx="3347453" cy="584775"/>
+          </a:xfrm>
+          <a:prstGeom prst="rect">
+            <a:avLst/>
+          </a:prstGeom>
+          <a:noFill/>
+        </p:spPr>
+        <p:txBody>
+          <a:bodyPr wrap="square" rtlCol="0">
+            <a:spAutoFit/>
+          </a:bodyPr>
+          <a:lstStyle/>
+          <a:p>
+            <a:r>
+              <a:rPr kumimoji="1" lang="ja-JP" altLang="en-US" sz="3200" dirty="0"/>
+              <a:t>有機国産トマト</a:t>
+            </a:r>
+          </a:p>
+        </p:txBody>
+      </p:sp>
+      <p:sp>
+        <p:nvSpPr>
+          <p:cNvPr id="9" name="四角形: 角を丸くする 8">
+            <a:extLst>
+              <a:ext uri="{FF2B5EF4-FFF2-40B4-BE49-F238E27FC236}">
+                <a16:creationId xmlns:a16="http://schemas.microsoft.com/office/drawing/2014/main" id="{C34CF47E-8256-3921-1CF6-1A3B276364C1}"/>
+              </a:ext>
+            </a:extLst>
+          </p:cNvPr>
+          <p:cNvSpPr/>
+          <p:nvPr/>
+        </p:nvSpPr>
+        <p:spPr>
+          <a:xfrm>
+            <a:off x="4072023" y="3215175"/>
+            <a:ext cx="5986372" cy="2614864"/>
+          </a:xfrm>
+          <a:prstGeom prst="roundRect">
+            <a:avLst/>
+          </a:prstGeom>
+          <a:solidFill>
+            <a:schemeClr val="tx2">
+              <a:lumMod val="10000"/>
+              <a:lumOff val="90000"/>
+            </a:schemeClr>
+          </a:solidFill>
+          <a:ln>
+            <a:noFill/>
+          </a:ln>
+          <a:effectLst>
+            <a:outerShdw blurRad="44450" dist="27940" dir="5400000" algn="ctr">
+              <a:srgbClr val="000000">
+                <a:alpha val="32000"/>
+              </a:srgbClr>
+            </a:outerShdw>
+          </a:effectLst>
+          <a:scene3d>
+            <a:camera prst="orthographicFront">
+              <a:rot lat="0" lon="0" rev="0"/>
+            </a:camera>
+            <a:lightRig rig="balanced" dir="t">
+              <a:rot lat="0" lon="0" rev="8700000"/>
+            </a:lightRig>
+          </a:scene3d>
+          <a:sp3d>
+            <a:bevelT w="190500" h="38100"/>
+          </a:sp3d>
+        </p:spPr>
+        <p:style>
+          <a:lnRef idx="2">
+            <a:schemeClr val="accent1">
+              <a:shade val="15000"/>
+            </a:schemeClr>
+          </a:lnRef>
+          <a:fillRef idx="1">
+            <a:schemeClr val="accent1"/>
+          </a:fillRef>
+          <a:effectRef idx="0">
+            <a:schemeClr val="accent1"/>
+          </a:effectRef>
+          <a:fontRef idx="minor">
+            <a:schemeClr val="lt1"/>
+          </a:fontRef>
+        </p:style>
+        <p:txBody>
+          <a:bodyPr rtlCol="0" anchor="ctr"/>
+          <a:lstStyle/>
+          <a:p>
+            <a:pPr algn="ctr"/>
+            <a:r>
+              <a:rPr kumimoji="1" lang="ja-JP" altLang="en-US" sz="3200" dirty="0">
+                <a:solidFill>
+                  <a:schemeClr val="tx1"/>
+                </a:solidFill>
+              </a:rPr>
+              <a:t>新規発注メールを生成</a:t>
+            </a:r>
+          </a:p>
+        </p:txBody>
+      </p:sp>
+      <p:sp>
+        <p:nvSpPr>
+          <p:cNvPr id="10" name="四角形: 角を丸くする 9">
+            <a:extLst>
+              <a:ext uri="{FF2B5EF4-FFF2-40B4-BE49-F238E27FC236}">
+                <a16:creationId xmlns:a16="http://schemas.microsoft.com/office/drawing/2014/main" id="{0A62A759-74BD-A418-E03E-6DEA8B4D1FBC}"/>
+              </a:ext>
+            </a:extLst>
+          </p:cNvPr>
+          <p:cNvSpPr/>
+          <p:nvPr/>
+        </p:nvSpPr>
+        <p:spPr>
+          <a:xfrm>
+            <a:off x="1845520" y="4908884"/>
+            <a:ext cx="1864218" cy="848960"/>
+          </a:xfrm>
+          <a:prstGeom prst="roundRect">
+            <a:avLst/>
+          </a:prstGeom>
+          <a:solidFill>
+            <a:schemeClr val="tx2">
+              <a:lumMod val="10000"/>
+              <a:lumOff val="90000"/>
+            </a:schemeClr>
+          </a:solidFill>
+          <a:ln>
+            <a:noFill/>
+          </a:ln>
+          <a:effectLst>
+            <a:outerShdw blurRad="44450" dist="27940" dir="5400000" algn="ctr">
+              <a:srgbClr val="000000">
+                <a:alpha val="32000"/>
+              </a:srgbClr>
+            </a:outerShdw>
+          </a:effectLst>
+          <a:scene3d>
+            <a:camera prst="orthographicFront">
+              <a:rot lat="0" lon="0" rev="0"/>
+            </a:camera>
+            <a:lightRig rig="balanced" dir="t">
+              <a:rot lat="0" lon="0" rev="8700000"/>
+            </a:lightRig>
+          </a:scene3d>
+          <a:sp3d>
+            <a:bevelT w="190500" h="38100"/>
+          </a:sp3d>
+        </p:spPr>
+        <p:style>
+          <a:lnRef idx="2">
+            <a:schemeClr val="accent1">
+              <a:shade val="15000"/>
+            </a:schemeClr>
+          </a:lnRef>
+          <a:fillRef idx="1">
+            <a:schemeClr val="accent1"/>
+          </a:fillRef>
+          <a:effectRef idx="0">
+            <a:schemeClr val="accent1"/>
+          </a:effectRef>
+          <a:fontRef idx="minor">
+            <a:schemeClr val="lt1"/>
+          </a:fontRef>
+        </p:style>
+        <p:txBody>
+          <a:bodyPr rtlCol="0" anchor="ctr"/>
+          <a:lstStyle/>
+          <a:p>
+            <a:pPr algn="ctr"/>
+            <a:r>
+              <a:rPr kumimoji="1" lang="ja-JP" altLang="en-US" sz="3200" dirty="0">
+                <a:solidFill>
+                  <a:schemeClr val="tx1"/>
+                </a:solidFill>
+              </a:rPr>
+              <a:t>戻る</a:t>
+            </a:r>
+          </a:p>
+        </p:txBody>
+      </p:sp>
+      <p:graphicFrame>
+        <p:nvGraphicFramePr>
+          <p:cNvPr id="13" name="表 12">
+            <a:extLst>
+              <a:ext uri="{FF2B5EF4-FFF2-40B4-BE49-F238E27FC236}">
+                <a16:creationId xmlns:a16="http://schemas.microsoft.com/office/drawing/2014/main" id="{B08A2E59-B281-E5A4-C1B7-D56AAD2A04B8}"/>
+              </a:ext>
+            </a:extLst>
+          </p:cNvPr>
+          <p:cNvGraphicFramePr>
+            <a:graphicFrameLocks noGrp="1"/>
+          </p:cNvGraphicFramePr>
+          <p:nvPr>
+            <p:extLst>
+              <p:ext uri="{D42A27DB-BD31-4B8C-83A1-F6EECF244321}">
+                <p14:modId xmlns:p14="http://schemas.microsoft.com/office/powerpoint/2010/main" val="2562569273"/>
+              </p:ext>
+            </p:extLst>
+          </p:nvPr>
+        </p:nvGraphicFramePr>
+        <p:xfrm>
+          <a:off x="1924386" y="3018481"/>
+          <a:ext cx="1785351" cy="1446338"/>
+        </p:xfrm>
+        <a:graphic>
+          <a:graphicData uri="http://schemas.openxmlformats.org/drawingml/2006/table">
+            <a:tbl>
+              <a:tblPr firstRow="1" bandRow="1">
+                <a:tableStyleId>{5C22544A-7EE6-4342-B048-85BDC9FD1C3A}</a:tableStyleId>
+              </a:tblPr>
+              <a:tblGrid>
+                <a:gridCol w="1785351">
+                  <a:extLst>
+                    <a:ext uri="{9D8B030D-6E8A-4147-A177-3AD203B41FA5}">
+                      <a16:colId xmlns:a16="http://schemas.microsoft.com/office/drawing/2014/main" val="854843024"/>
+                    </a:ext>
+                  </a:extLst>
+                </a:gridCol>
+              </a:tblGrid>
+              <a:tr h="723169">
+                <a:tc>
+                  <a:txBody>
+                    <a:bodyPr/>
+                    <a:lstStyle/>
+                    <a:p>
+                      <a:pPr algn="ctr"/>
+                      <a:r>
+                        <a:rPr kumimoji="1" lang="ja-JP" altLang="en-US" dirty="0">
+                          <a:solidFill>
+                            <a:schemeClr val="tx1"/>
+                          </a:solidFill>
+                        </a:rPr>
+                        <a:t>発注済み個数</a:t>
+                      </a:r>
+                    </a:p>
+                  </a:txBody>
+                  <a:tcPr anchor="ctr">
+                    <a:lnL w="12700" cap="flat" cmpd="sng" algn="ctr">
+                      <a:solidFill>
+                        <a:schemeClr val="tx1"/>
+                      </a:solidFill>
+                      <a:prstDash val="solid"/>
+                      <a:round/>
+                      <a:headEnd type="none" w="med" len="med"/>
+                      <a:tailEnd type="none" w="med" len="med"/>
+                    </a:lnL>
+                    <a:lnR w="12700" cap="flat" cmpd="sng" algn="ctr">
+                      <a:solidFill>
+                        <a:schemeClr val="tx1"/>
+                      </a:solidFill>
+                      <a:prstDash val="solid"/>
+                      <a:round/>
+                      <a:headEnd type="none" w="med" len="med"/>
+                      <a:tailEnd type="none" w="med" len="med"/>
+                    </a:lnR>
+                    <a:lnT w="12700" cap="flat" cmpd="sng" algn="ctr">
+                      <a:solidFill>
+                        <a:schemeClr val="tx1"/>
+                      </a:solidFill>
+                      <a:prstDash val="solid"/>
+                      <a:round/>
+                      <a:headEnd type="none" w="med" len="med"/>
+                      <a:tailEnd type="none" w="med" len="med"/>
+                    </a:lnT>
+                    <a:lnB w="12700" cap="flat" cmpd="sng" algn="ctr">
+                      <a:solidFill>
+                        <a:schemeClr val="tx1"/>
+                      </a:solidFill>
+                      <a:prstDash val="solid"/>
+                      <a:round/>
+                      <a:headEnd type="none" w="med" len="med"/>
+                      <a:tailEnd type="none" w="med" len="med"/>
+                    </a:lnB>
+                    <a:solidFill>
+                      <a:schemeClr val="bg1"/>
+                    </a:solidFill>
+                  </a:tcPr>
+                </a:tc>
+                <a:extLst>
+                  <a:ext uri="{0D108BD9-81ED-4DB2-BD59-A6C34878D82A}">
+                    <a16:rowId xmlns:a16="http://schemas.microsoft.com/office/drawing/2014/main" val="559564677"/>
+                  </a:ext>
+                </a:extLst>
+              </a:tr>
+              <a:tr h="723169">
+                <a:tc>
+                  <a:txBody>
+                    <a:bodyPr/>
+                    <a:lstStyle/>
+                    <a:p>
+                      <a:pPr algn="ctr"/>
+                      <a:r>
+                        <a:rPr kumimoji="1" lang="en-US" altLang="ja-JP" dirty="0">
+                          <a:solidFill>
+                            <a:schemeClr val="tx1"/>
+                          </a:solidFill>
+                        </a:rPr>
+                        <a:t>0</a:t>
+                      </a:r>
+                      <a:endParaRPr kumimoji="1" lang="ja-JP" altLang="en-US" dirty="0">
+                        <a:solidFill>
+                          <a:schemeClr val="tx1"/>
+                        </a:solidFill>
+                      </a:endParaRPr>
+                    </a:p>
+                  </a:txBody>
+                  <a:tcPr anchor="ctr">
+                    <a:lnL w="12700" cap="flat" cmpd="sng" algn="ctr">
+                      <a:solidFill>
+                        <a:schemeClr val="tx1"/>
+                      </a:solidFill>
+                      <a:prstDash val="solid"/>
+                      <a:round/>
+                      <a:headEnd type="none" w="med" len="med"/>
+                      <a:tailEnd type="none" w="med" len="med"/>
+                    </a:lnL>
+                    <a:lnR w="12700" cap="flat" cmpd="sng" algn="ctr">
+                      <a:solidFill>
+                        <a:schemeClr val="tx1"/>
+                      </a:solidFill>
+                      <a:prstDash val="solid"/>
+                      <a:round/>
+                      <a:headEnd type="none" w="med" len="med"/>
+                      <a:tailEnd type="none" w="med" len="med"/>
+                    </a:lnR>
+                    <a:lnT w="12700" cap="flat" cmpd="sng" algn="ctr">
+                      <a:solidFill>
+                        <a:schemeClr val="tx1"/>
+                      </a:solidFill>
+                      <a:prstDash val="solid"/>
+                      <a:round/>
+                      <a:headEnd type="none" w="med" len="med"/>
+                      <a:tailEnd type="none" w="med" len="med"/>
+                    </a:lnT>
+                    <a:lnB w="12700" cap="flat" cmpd="sng" algn="ctr">
+                      <a:solidFill>
+                        <a:schemeClr val="tx1"/>
+                      </a:solidFill>
+                      <a:prstDash val="solid"/>
+                      <a:round/>
+                      <a:headEnd type="none" w="med" len="med"/>
+                      <a:tailEnd type="none" w="med" len="med"/>
+                    </a:lnB>
+                    <a:solidFill>
+                      <a:schemeClr val="bg1"/>
+                    </a:solidFill>
+                  </a:tcPr>
+                </a:tc>
+                <a:extLst>
+                  <a:ext uri="{0D108BD9-81ED-4DB2-BD59-A6C34878D82A}">
+                    <a16:rowId xmlns:a16="http://schemas.microsoft.com/office/drawing/2014/main" val="80965254"/>
+                  </a:ext>
+                </a:extLst>
+              </a:tr>
+            </a:tbl>
+          </a:graphicData>
+        </a:graphic>
+      </p:graphicFrame>
     </p:spTree>
     <p:extLst>
       <p:ext uri="{BB962C8B-B14F-4D97-AF65-F5344CB8AC3E}">
-        <p14:creationId xmlns:p14="http://schemas.microsoft.com/office/powerpoint/2010/main" val="1003015468"/>
+        <p14:creationId xmlns:p14="http://schemas.microsoft.com/office/powerpoint/2010/main" val="973182004"/>
+      </p:ext>
+    </p:extLst>
+  </p:cSld>
+  <p:clrMapOvr>
+    <a:masterClrMapping/>
+  </p:clrMapOvr>
+</p:sld>
+</file>
+
+<file path=ppt/slides/slide5.xml><?xml version="1.0" encoding="utf-8"?>
+<p:sld xmlns:a="http://schemas.openxmlformats.org/drawingml/2006/main" xmlns:r="http://schemas.openxmlformats.org/officeDocument/2006/relationships" xmlns:p="http://schemas.openxmlformats.org/presentationml/2006/main">
+  <p:cSld>
+    <p:spTree>
+      <p:nvGrpSpPr>
+        <p:cNvPr id="1" name=""/>
+        <p:cNvGrpSpPr/>
+        <p:nvPr/>
+      </p:nvGrpSpPr>
+      <p:grpSpPr>
+        <a:xfrm>
+          <a:off x="0" y="0"/>
+          <a:ext cx="0" cy="0"/>
+          <a:chOff x="0" y="0"/>
+          <a:chExt cx="0" cy="0"/>
+        </a:xfrm>
+      </p:grpSpPr>
+      <p:sp>
+        <p:nvSpPr>
+          <p:cNvPr id="2" name="タイトル 1">
+            <a:extLst>
+              <a:ext uri="{FF2B5EF4-FFF2-40B4-BE49-F238E27FC236}">
+                <a16:creationId xmlns:a16="http://schemas.microsoft.com/office/drawing/2014/main" id="{5B45BD55-CC61-83DD-AC31-BF92B58B98C5}"/>
+              </a:ext>
+            </a:extLst>
+          </p:cNvPr>
+          <p:cNvSpPr>
+            <a:spLocks noGrp="1"/>
+          </p:cNvSpPr>
+          <p:nvPr>
+            <p:ph type="title"/>
+          </p:nvPr>
+        </p:nvSpPr>
+        <p:spPr>
+          <a:xfrm>
+            <a:off x="256674" y="128337"/>
+            <a:ext cx="11454063" cy="585528"/>
+          </a:xfrm>
+        </p:spPr>
+        <p:txBody>
+          <a:bodyPr>
+            <a:normAutofit fontScale="90000"/>
+          </a:bodyPr>
+          <a:lstStyle/>
+          <a:p>
+            <a:r>
+              <a:rPr kumimoji="1" lang="ja-JP" altLang="en-US" dirty="0"/>
+              <a:t>画面モックアップ（入出庫管理画面）</a:t>
+            </a:r>
+          </a:p>
+        </p:txBody>
+      </p:sp>
+      <p:sp>
+        <p:nvSpPr>
+          <p:cNvPr id="4" name="正方形/長方形 3">
+            <a:extLst>
+              <a:ext uri="{FF2B5EF4-FFF2-40B4-BE49-F238E27FC236}">
+                <a16:creationId xmlns:a16="http://schemas.microsoft.com/office/drawing/2014/main" id="{B8C44647-1E24-C4FB-6A34-914805FDEF5B}"/>
+              </a:ext>
+            </a:extLst>
+          </p:cNvPr>
+          <p:cNvSpPr/>
+          <p:nvPr/>
+        </p:nvSpPr>
+        <p:spPr>
+          <a:xfrm>
+            <a:off x="584200" y="713865"/>
+            <a:ext cx="11023600" cy="5799230"/>
+          </a:xfrm>
+          <a:prstGeom prst="rect">
+            <a:avLst/>
+          </a:prstGeom>
+          <a:ln>
+            <a:solidFill>
+              <a:schemeClr val="accent1"/>
+            </a:solidFill>
+          </a:ln>
+        </p:spPr>
+        <p:style>
+          <a:lnRef idx="2">
+            <a:schemeClr val="accent6"/>
+          </a:lnRef>
+          <a:fillRef idx="1">
+            <a:schemeClr val="lt1"/>
+          </a:fillRef>
+          <a:effectRef idx="0">
+            <a:schemeClr val="accent6"/>
+          </a:effectRef>
+          <a:fontRef idx="minor">
+            <a:schemeClr val="dk1"/>
+          </a:fontRef>
+        </p:style>
+        <p:txBody>
+          <a:bodyPr rtlCol="0" anchor="ctr"/>
+          <a:lstStyle/>
+          <a:p>
+            <a:pPr algn="ctr"/>
+            <a:endParaRPr kumimoji="1" lang="ja-JP" altLang="en-US"/>
+          </a:p>
+        </p:txBody>
+      </p:sp>
+      <p:sp>
+        <p:nvSpPr>
+          <p:cNvPr id="11" name="テキスト ボックス 10">
+            <a:extLst>
+              <a:ext uri="{FF2B5EF4-FFF2-40B4-BE49-F238E27FC236}">
+                <a16:creationId xmlns:a16="http://schemas.microsoft.com/office/drawing/2014/main" id="{9AB15E69-2BE0-475E-5317-17D73AEEBD2E}"/>
+              </a:ext>
+            </a:extLst>
+          </p:cNvPr>
+          <p:cNvSpPr txBox="1"/>
+          <p:nvPr/>
+        </p:nvSpPr>
+        <p:spPr>
+          <a:xfrm>
+            <a:off x="584199" y="713865"/>
+            <a:ext cx="11023599" cy="369332"/>
+          </a:xfrm>
+          <a:prstGeom prst="rect">
+            <a:avLst/>
+          </a:prstGeom>
+          <a:solidFill>
+            <a:schemeClr val="tx2">
+              <a:lumMod val="10000"/>
+              <a:lumOff val="90000"/>
+            </a:schemeClr>
+          </a:solidFill>
+          <a:ln>
+            <a:solidFill>
+              <a:schemeClr val="accent1"/>
+            </a:solidFill>
+          </a:ln>
+        </p:spPr>
+        <p:txBody>
+          <a:bodyPr wrap="square" rtlCol="0">
+            <a:spAutoFit/>
+          </a:bodyPr>
+          <a:lstStyle/>
+          <a:p>
+            <a:pPr algn="ctr"/>
+            <a:r>
+              <a:rPr kumimoji="1" lang="ja-JP" altLang="en-US" b="1" dirty="0"/>
+              <a:t>在庫一覧画面</a:t>
+            </a:r>
+          </a:p>
+        </p:txBody>
+      </p:sp>
+      <p:sp>
+        <p:nvSpPr>
+          <p:cNvPr id="12" name="テキスト ボックス 11">
+            <a:extLst>
+              <a:ext uri="{FF2B5EF4-FFF2-40B4-BE49-F238E27FC236}">
+                <a16:creationId xmlns:a16="http://schemas.microsoft.com/office/drawing/2014/main" id="{396500F8-3495-3A4E-725B-359A21C94D48}"/>
+              </a:ext>
+            </a:extLst>
+          </p:cNvPr>
+          <p:cNvSpPr txBox="1"/>
+          <p:nvPr/>
+        </p:nvSpPr>
+        <p:spPr>
+          <a:xfrm>
+            <a:off x="4756484" y="1299393"/>
+            <a:ext cx="2679032" cy="461665"/>
+          </a:xfrm>
+          <a:prstGeom prst="rect">
+            <a:avLst/>
+          </a:prstGeom>
+          <a:noFill/>
+        </p:spPr>
+        <p:txBody>
+          <a:bodyPr wrap="square" rtlCol="0">
+            <a:spAutoFit/>
+          </a:bodyPr>
+          <a:lstStyle/>
+          <a:p>
+            <a:r>
+              <a:rPr kumimoji="1" lang="ja-JP" altLang="en-US" sz="2400" b="1" dirty="0"/>
+              <a:t>在庫管理システム</a:t>
+            </a:r>
+          </a:p>
+        </p:txBody>
+      </p:sp>
+      <p:sp>
+        <p:nvSpPr>
+          <p:cNvPr id="16" name="テキスト ボックス 15">
+            <a:extLst>
+              <a:ext uri="{FF2B5EF4-FFF2-40B4-BE49-F238E27FC236}">
+                <a16:creationId xmlns:a16="http://schemas.microsoft.com/office/drawing/2014/main" id="{1FEA589A-A10F-EF87-3FD2-667F24696B67}"/>
+              </a:ext>
+            </a:extLst>
+          </p:cNvPr>
+          <p:cNvSpPr txBox="1"/>
+          <p:nvPr/>
+        </p:nvSpPr>
+        <p:spPr>
+          <a:xfrm>
+            <a:off x="1138990" y="2406316"/>
+            <a:ext cx="1138990" cy="369332"/>
+          </a:xfrm>
+          <a:prstGeom prst="rect">
+            <a:avLst/>
+          </a:prstGeom>
+          <a:noFill/>
+        </p:spPr>
+        <p:txBody>
+          <a:bodyPr wrap="square" rtlCol="0">
+            <a:spAutoFit/>
+          </a:bodyPr>
+          <a:lstStyle/>
+          <a:p>
+            <a:r>
+              <a:rPr kumimoji="1" lang="ja-JP" altLang="en-US" b="1" dirty="0"/>
+              <a:t>在庫一覧</a:t>
+            </a:r>
+          </a:p>
+        </p:txBody>
+      </p:sp>
+      <p:graphicFrame>
+        <p:nvGraphicFramePr>
+          <p:cNvPr id="17" name="表 16">
+            <a:extLst>
+              <a:ext uri="{FF2B5EF4-FFF2-40B4-BE49-F238E27FC236}">
+                <a16:creationId xmlns:a16="http://schemas.microsoft.com/office/drawing/2014/main" id="{DD2B0C91-CD0E-D0F6-2626-0E51EC345E52}"/>
+              </a:ext>
+            </a:extLst>
+          </p:cNvPr>
+          <p:cNvGraphicFramePr>
+            <a:graphicFrameLocks noGrp="1"/>
+          </p:cNvGraphicFramePr>
+          <p:nvPr/>
+        </p:nvGraphicFramePr>
+        <p:xfrm>
+          <a:off x="957178" y="2957530"/>
+          <a:ext cx="10288337" cy="2500638"/>
+        </p:xfrm>
+        <a:graphic>
+          <a:graphicData uri="http://schemas.openxmlformats.org/drawingml/2006/table">
+            <a:tbl>
+              <a:tblPr firstRow="1" bandRow="1">
+                <a:tableStyleId>{5940675A-B579-460E-94D1-54222C63F5DA}</a:tableStyleId>
+              </a:tblPr>
+              <a:tblGrid>
+                <a:gridCol w="1580829">
+                  <a:extLst>
+                    <a:ext uri="{9D8B030D-6E8A-4147-A177-3AD203B41FA5}">
+                      <a16:colId xmlns:a16="http://schemas.microsoft.com/office/drawing/2014/main" val="3056215732"/>
+                    </a:ext>
+                  </a:extLst>
+                </a:gridCol>
+                <a:gridCol w="2624302">
+                  <a:extLst>
+                    <a:ext uri="{9D8B030D-6E8A-4147-A177-3AD203B41FA5}">
+                      <a16:colId xmlns:a16="http://schemas.microsoft.com/office/drawing/2014/main" val="376254635"/>
+                    </a:ext>
+                  </a:extLst>
+                </a:gridCol>
+                <a:gridCol w="939037">
+                  <a:extLst>
+                    <a:ext uri="{9D8B030D-6E8A-4147-A177-3AD203B41FA5}">
+                      <a16:colId xmlns:a16="http://schemas.microsoft.com/office/drawing/2014/main" val="3665085651"/>
+                    </a:ext>
+                  </a:extLst>
+                </a:gridCol>
+                <a:gridCol w="1714723">
+                  <a:extLst>
+                    <a:ext uri="{9D8B030D-6E8A-4147-A177-3AD203B41FA5}">
+                      <a16:colId xmlns:a16="http://schemas.microsoft.com/office/drawing/2014/main" val="3430190410"/>
+                    </a:ext>
+                  </a:extLst>
+                </a:gridCol>
+                <a:gridCol w="1714723">
+                  <a:extLst>
+                    <a:ext uri="{9D8B030D-6E8A-4147-A177-3AD203B41FA5}">
+                      <a16:colId xmlns:a16="http://schemas.microsoft.com/office/drawing/2014/main" val="1143485321"/>
+                    </a:ext>
+                  </a:extLst>
+                </a:gridCol>
+                <a:gridCol w="1714723">
+                  <a:extLst>
+                    <a:ext uri="{9D8B030D-6E8A-4147-A177-3AD203B41FA5}">
+                      <a16:colId xmlns:a16="http://schemas.microsoft.com/office/drawing/2014/main" val="901810434"/>
+                    </a:ext>
+                  </a:extLst>
+                </a:gridCol>
+              </a:tblGrid>
+              <a:tr h="620186">
+                <a:tc>
+                  <a:txBody>
+                    <a:bodyPr/>
+                    <a:lstStyle/>
+                    <a:p>
+                      <a:pPr algn="ctr"/>
+                      <a:r>
+                        <a:rPr kumimoji="1" lang="ja-JP" altLang="en-US" dirty="0"/>
+                        <a:t>商品コード</a:t>
+                      </a:r>
+                      <a:endParaRPr kumimoji="1" lang="en-US" altLang="ja-JP" dirty="0"/>
+                    </a:p>
+                  </a:txBody>
+                  <a:tcPr anchor="ctr">
+                    <a:solidFill>
+                      <a:schemeClr val="bg1">
+                        <a:lumMod val="95000"/>
+                      </a:schemeClr>
+                    </a:solidFill>
+                  </a:tcPr>
+                </a:tc>
+                <a:tc>
+                  <a:txBody>
+                    <a:bodyPr/>
+                    <a:lstStyle/>
+                    <a:p>
+                      <a:pPr algn="ctr"/>
+                      <a:r>
+                        <a:rPr kumimoji="1" lang="ja-JP" altLang="en-US" dirty="0"/>
+                        <a:t>商品名</a:t>
+                      </a:r>
+                    </a:p>
+                  </a:txBody>
+                  <a:tcPr anchor="ctr">
+                    <a:solidFill>
+                      <a:schemeClr val="bg1">
+                        <a:lumMod val="95000"/>
+                      </a:schemeClr>
+                    </a:solidFill>
+                  </a:tcPr>
+                </a:tc>
+                <a:tc>
+                  <a:txBody>
+                    <a:bodyPr/>
+                    <a:lstStyle/>
+                    <a:p>
+                      <a:pPr algn="ctr"/>
+                      <a:r>
+                        <a:rPr kumimoji="1" lang="ja-JP" altLang="en-US" dirty="0"/>
+                        <a:t>カテゴリ</a:t>
+                      </a:r>
+                    </a:p>
+                  </a:txBody>
+                  <a:tcPr anchor="ctr">
+                    <a:solidFill>
+                      <a:schemeClr val="bg1">
+                        <a:lumMod val="95000"/>
+                      </a:schemeClr>
+                    </a:solidFill>
+                  </a:tcPr>
+                </a:tc>
+                <a:tc>
+                  <a:txBody>
+                    <a:bodyPr/>
+                    <a:lstStyle/>
+                    <a:p>
+                      <a:pPr algn="ctr"/>
+                      <a:r>
+                        <a:rPr kumimoji="1" lang="ja-JP" altLang="en-US" dirty="0"/>
+                        <a:t>在庫数</a:t>
+                      </a:r>
+                    </a:p>
+                  </a:txBody>
+                  <a:tcPr anchor="ctr">
+                    <a:solidFill>
+                      <a:schemeClr val="bg1">
+                        <a:lumMod val="95000"/>
+                      </a:schemeClr>
+                    </a:solidFill>
+                  </a:tcPr>
+                </a:tc>
+                <a:tc>
+                  <a:txBody>
+                    <a:bodyPr/>
+                    <a:lstStyle/>
+                    <a:p>
+                      <a:pPr algn="ctr"/>
+                      <a:r>
+                        <a:rPr kumimoji="1" lang="ja-JP" altLang="en-US" dirty="0"/>
+                        <a:t>闘値</a:t>
+                      </a:r>
+                    </a:p>
+                  </a:txBody>
+                  <a:tcPr anchor="ctr">
+                    <a:solidFill>
+                      <a:schemeClr val="bg1">
+                        <a:lumMod val="95000"/>
+                      </a:schemeClr>
+                    </a:solidFill>
+                  </a:tcPr>
+                </a:tc>
+                <a:tc>
+                  <a:txBody>
+                    <a:bodyPr/>
+                    <a:lstStyle/>
+                    <a:p>
+                      <a:pPr algn="ctr"/>
+                      <a:r>
+                        <a:rPr kumimoji="1" lang="ja-JP" altLang="en-US" dirty="0"/>
+                        <a:t>状態</a:t>
+                      </a:r>
+                    </a:p>
+                  </a:txBody>
+                  <a:tcPr anchor="ctr">
+                    <a:solidFill>
+                      <a:schemeClr val="bg1">
+                        <a:lumMod val="95000"/>
+                      </a:schemeClr>
+                    </a:solidFill>
+                  </a:tcPr>
+                </a:tc>
+                <a:extLst>
+                  <a:ext uri="{0D108BD9-81ED-4DB2-BD59-A6C34878D82A}">
+                    <a16:rowId xmlns:a16="http://schemas.microsoft.com/office/drawing/2014/main" val="526988081"/>
+                  </a:ext>
+                </a:extLst>
+              </a:tr>
+              <a:tr h="620186">
+                <a:tc>
+                  <a:txBody>
+                    <a:bodyPr/>
+                    <a:lstStyle/>
+                    <a:p>
+                      <a:pPr algn="ctr"/>
+                      <a:r>
+                        <a:rPr kumimoji="1" lang="en-US" altLang="ja-JP" dirty="0"/>
+                        <a:t>A00123</a:t>
+                      </a:r>
+                      <a:endParaRPr kumimoji="1" lang="ja-JP" altLang="en-US" dirty="0"/>
+                    </a:p>
+                  </a:txBody>
+                  <a:tcPr anchor="ctr"/>
+                </a:tc>
+                <a:tc>
+                  <a:txBody>
+                    <a:bodyPr/>
+                    <a:lstStyle/>
+                    <a:p>
+                      <a:pPr algn="ctr"/>
+                      <a:r>
+                        <a:rPr kumimoji="1" lang="ja-JP" altLang="en-US" dirty="0"/>
+                        <a:t>有機トマト（国産）</a:t>
+                      </a:r>
+                    </a:p>
+                  </a:txBody>
+                  <a:tcPr anchor="ctr"/>
+                </a:tc>
+                <a:tc>
+                  <a:txBody>
+                    <a:bodyPr/>
+                    <a:lstStyle/>
+                    <a:p>
+                      <a:pPr algn="ctr"/>
+                      <a:r>
+                        <a:rPr kumimoji="1" lang="ja-JP" altLang="en-US" dirty="0"/>
+                        <a:t>野菜</a:t>
+                      </a:r>
+                    </a:p>
+                  </a:txBody>
+                  <a:tcPr anchor="ctr"/>
+                </a:tc>
+                <a:tc>
+                  <a:txBody>
+                    <a:bodyPr/>
+                    <a:lstStyle/>
+                    <a:p>
+                      <a:pPr algn="ctr"/>
+                      <a:r>
+                        <a:rPr kumimoji="1" lang="en-US" altLang="ja-JP" dirty="0"/>
+                        <a:t>45</a:t>
+                      </a:r>
+                      <a:endParaRPr kumimoji="1" lang="ja-JP" altLang="en-US" dirty="0"/>
+                    </a:p>
+                  </a:txBody>
+                  <a:tcPr anchor="ctr"/>
+                </a:tc>
+                <a:tc>
+                  <a:txBody>
+                    <a:bodyPr/>
+                    <a:lstStyle/>
+                    <a:p>
+                      <a:pPr algn="ctr"/>
+                      <a:r>
+                        <a:rPr kumimoji="1" lang="en-US" altLang="ja-JP" dirty="0"/>
+                        <a:t>20</a:t>
+                      </a:r>
+                      <a:endParaRPr kumimoji="1" lang="ja-JP" altLang="en-US" dirty="0"/>
+                    </a:p>
+                  </a:txBody>
+                  <a:tcPr anchor="ctr"/>
+                </a:tc>
+                <a:tc>
+                  <a:txBody>
+                    <a:bodyPr/>
+                    <a:lstStyle/>
+                    <a:p>
+                      <a:pPr algn="ctr"/>
+                      <a:r>
+                        <a:rPr kumimoji="1" lang="ja-JP" altLang="en-US" dirty="0"/>
+                        <a:t>正常</a:t>
+                      </a:r>
+                    </a:p>
+                  </a:txBody>
+                  <a:tcPr anchor="ctr"/>
+                </a:tc>
+                <a:extLst>
+                  <a:ext uri="{0D108BD9-81ED-4DB2-BD59-A6C34878D82A}">
+                    <a16:rowId xmlns:a16="http://schemas.microsoft.com/office/drawing/2014/main" val="3162628732"/>
+                  </a:ext>
+                </a:extLst>
+              </a:tr>
+              <a:tr h="620186">
+                <a:tc>
+                  <a:txBody>
+                    <a:bodyPr/>
+                    <a:lstStyle/>
+                    <a:p>
+                      <a:pPr algn="ctr"/>
+                      <a:r>
+                        <a:rPr kumimoji="1" lang="en-US" altLang="ja-JP" dirty="0"/>
+                        <a:t>B00456</a:t>
+                      </a:r>
+                      <a:endParaRPr kumimoji="1" lang="ja-JP" altLang="en-US" dirty="0"/>
+                    </a:p>
+                  </a:txBody>
+                  <a:tcPr anchor="ctr"/>
+                </a:tc>
+                <a:tc>
+                  <a:txBody>
+                    <a:bodyPr/>
+                    <a:lstStyle/>
+                    <a:p>
+                      <a:pPr algn="ctr"/>
+                      <a:r>
+                        <a:rPr kumimoji="1" lang="ja-JP" altLang="en-US" dirty="0"/>
+                        <a:t>牛乳</a:t>
+                      </a:r>
+                    </a:p>
+                  </a:txBody>
+                  <a:tcPr anchor="ctr"/>
+                </a:tc>
+                <a:tc>
+                  <a:txBody>
+                    <a:bodyPr/>
+                    <a:lstStyle/>
+                    <a:p>
+                      <a:pPr algn="ctr"/>
+                      <a:r>
+                        <a:rPr kumimoji="1" lang="ja-JP" altLang="en-US" dirty="0"/>
+                        <a:t>乳製品</a:t>
+                      </a:r>
+                    </a:p>
+                  </a:txBody>
+                  <a:tcPr anchor="ctr"/>
+                </a:tc>
+                <a:tc>
+                  <a:txBody>
+                    <a:bodyPr/>
+                    <a:lstStyle/>
+                    <a:p>
+                      <a:pPr algn="ctr"/>
+                      <a:r>
+                        <a:rPr kumimoji="1" lang="en-US" altLang="ja-JP" dirty="0"/>
+                        <a:t>12</a:t>
+                      </a:r>
+                      <a:endParaRPr kumimoji="1" lang="ja-JP" altLang="en-US" dirty="0"/>
+                    </a:p>
+                  </a:txBody>
+                  <a:tcPr anchor="ctr"/>
+                </a:tc>
+                <a:tc>
+                  <a:txBody>
+                    <a:bodyPr/>
+                    <a:lstStyle/>
+                    <a:p>
+                      <a:pPr algn="ctr"/>
+                      <a:r>
+                        <a:rPr kumimoji="1" lang="en-US" altLang="ja-JP" dirty="0"/>
+                        <a:t>15</a:t>
+                      </a:r>
+                      <a:endParaRPr kumimoji="1" lang="ja-JP" altLang="en-US" dirty="0"/>
+                    </a:p>
+                  </a:txBody>
+                  <a:tcPr anchor="ctr"/>
+                </a:tc>
+                <a:tc>
+                  <a:txBody>
+                    <a:bodyPr/>
+                    <a:lstStyle/>
+                    <a:p>
+                      <a:pPr algn="ctr"/>
+                      <a:r>
+                        <a:rPr kumimoji="1" lang="ja-JP" altLang="en-US" dirty="0"/>
+                        <a:t>在庫不足</a:t>
+                      </a:r>
+                    </a:p>
+                  </a:txBody>
+                  <a:tcPr anchor="ctr"/>
+                </a:tc>
+                <a:extLst>
+                  <a:ext uri="{0D108BD9-81ED-4DB2-BD59-A6C34878D82A}">
+                    <a16:rowId xmlns:a16="http://schemas.microsoft.com/office/drawing/2014/main" val="3895842033"/>
+                  </a:ext>
+                </a:extLst>
+              </a:tr>
+              <a:tr h="620186">
+                <a:tc>
+                  <a:txBody>
+                    <a:bodyPr/>
+                    <a:lstStyle/>
+                    <a:p>
+                      <a:pPr algn="ctr"/>
+                      <a:r>
+                        <a:rPr kumimoji="1" lang="en-US" altLang="ja-JP" dirty="0"/>
+                        <a:t>C00789</a:t>
+                      </a:r>
+                      <a:endParaRPr kumimoji="1" lang="ja-JP" altLang="en-US" dirty="0"/>
+                    </a:p>
+                  </a:txBody>
+                  <a:tcPr anchor="ctr"/>
+                </a:tc>
+                <a:tc>
+                  <a:txBody>
+                    <a:bodyPr/>
+                    <a:lstStyle/>
+                    <a:p>
+                      <a:pPr algn="ctr"/>
+                      <a:r>
+                        <a:rPr kumimoji="1" lang="ja-JP" altLang="en-US" dirty="0"/>
+                        <a:t>お米（コシヒカリ</a:t>
+                      </a:r>
+                      <a:r>
+                        <a:rPr kumimoji="1" lang="en-US" altLang="ja-JP" dirty="0"/>
+                        <a:t>5kg</a:t>
+                      </a:r>
+                      <a:r>
+                        <a:rPr kumimoji="1" lang="ja-JP" altLang="en-US" dirty="0"/>
+                        <a:t>）</a:t>
+                      </a:r>
+                    </a:p>
+                  </a:txBody>
+                  <a:tcPr anchor="ctr"/>
+                </a:tc>
+                <a:tc>
+                  <a:txBody>
+                    <a:bodyPr/>
+                    <a:lstStyle/>
+                    <a:p>
+                      <a:pPr algn="ctr"/>
+                      <a:r>
+                        <a:rPr kumimoji="1" lang="ja-JP" altLang="en-US" dirty="0"/>
+                        <a:t>穀物</a:t>
+                      </a:r>
+                    </a:p>
+                  </a:txBody>
+                  <a:tcPr anchor="ctr"/>
+                </a:tc>
+                <a:tc>
+                  <a:txBody>
+                    <a:bodyPr/>
+                    <a:lstStyle/>
+                    <a:p>
+                      <a:pPr algn="ctr"/>
+                      <a:r>
+                        <a:rPr kumimoji="1" lang="en-US" altLang="ja-JP" dirty="0"/>
+                        <a:t>28</a:t>
+                      </a:r>
+                      <a:endParaRPr kumimoji="1" lang="ja-JP" altLang="en-US" dirty="0"/>
+                    </a:p>
+                  </a:txBody>
+                  <a:tcPr anchor="ctr"/>
+                </a:tc>
+                <a:tc>
+                  <a:txBody>
+                    <a:bodyPr/>
+                    <a:lstStyle/>
+                    <a:p>
+                      <a:pPr algn="ctr"/>
+                      <a:r>
+                        <a:rPr kumimoji="1" lang="en-US" altLang="ja-JP" dirty="0"/>
+                        <a:t>25</a:t>
+                      </a:r>
+                      <a:endParaRPr kumimoji="1" lang="ja-JP" altLang="en-US" dirty="0"/>
+                    </a:p>
+                  </a:txBody>
+                  <a:tcPr anchor="ctr"/>
+                </a:tc>
+                <a:tc>
+                  <a:txBody>
+                    <a:bodyPr/>
+                    <a:lstStyle/>
+                    <a:p>
+                      <a:pPr algn="ctr"/>
+                      <a:r>
+                        <a:rPr kumimoji="1" lang="ja-JP" altLang="en-US" dirty="0"/>
+                        <a:t>正常</a:t>
+                      </a:r>
+                    </a:p>
+                  </a:txBody>
+                  <a:tcPr anchor="ctr"/>
+                </a:tc>
+                <a:extLst>
+                  <a:ext uri="{0D108BD9-81ED-4DB2-BD59-A6C34878D82A}">
+                    <a16:rowId xmlns:a16="http://schemas.microsoft.com/office/drawing/2014/main" val="897782885"/>
+                  </a:ext>
+                </a:extLst>
+              </a:tr>
+            </a:tbl>
+          </a:graphicData>
+        </a:graphic>
+      </p:graphicFrame>
+      <p:grpSp>
+        <p:nvGrpSpPr>
+          <p:cNvPr id="22" name="グループ化 21">
+            <a:extLst>
+              <a:ext uri="{FF2B5EF4-FFF2-40B4-BE49-F238E27FC236}">
+                <a16:creationId xmlns:a16="http://schemas.microsoft.com/office/drawing/2014/main" id="{938DE854-D996-3C86-DBB3-0AFC64246010}"/>
+              </a:ext>
+            </a:extLst>
+          </p:cNvPr>
+          <p:cNvGrpSpPr/>
+          <p:nvPr/>
+        </p:nvGrpSpPr>
+        <p:grpSpPr>
+          <a:xfrm>
+            <a:off x="7751680" y="2279669"/>
+            <a:ext cx="3205078" cy="551754"/>
+            <a:chOff x="7286459" y="-1161008"/>
+            <a:chExt cx="3205078" cy="551754"/>
+          </a:xfrm>
+        </p:grpSpPr>
+        <p:sp>
+          <p:nvSpPr>
+            <p:cNvPr id="18" name="テキスト ボックス 17">
+              <a:extLst>
+                <a:ext uri="{FF2B5EF4-FFF2-40B4-BE49-F238E27FC236}">
+                  <a16:creationId xmlns:a16="http://schemas.microsoft.com/office/drawing/2014/main" id="{6A1D11CB-6E99-A1F6-12A3-7037A555F477}"/>
+                </a:ext>
+              </a:extLst>
+            </p:cNvPr>
+            <p:cNvSpPr txBox="1"/>
+            <p:nvPr/>
+          </p:nvSpPr>
+          <p:spPr>
+            <a:xfrm>
+              <a:off x="7286459" y="-1069797"/>
+              <a:ext cx="930442" cy="369332"/>
+            </a:xfrm>
+            <a:prstGeom prst="rect">
+              <a:avLst/>
+            </a:prstGeom>
+            <a:noFill/>
+          </p:spPr>
+          <p:txBody>
+            <a:bodyPr wrap="square" rtlCol="0">
+              <a:spAutoFit/>
+            </a:bodyPr>
+            <a:lstStyle/>
+            <a:p>
+              <a:r>
+                <a:rPr kumimoji="1" lang="ja-JP" altLang="en-US" dirty="0"/>
+                <a:t>検索</a:t>
+              </a:r>
+              <a:r>
+                <a:rPr kumimoji="1" lang="en-US" altLang="ja-JP" dirty="0"/>
+                <a:t>:</a:t>
+              </a:r>
+              <a:endParaRPr kumimoji="1" lang="ja-JP" altLang="en-US" dirty="0"/>
+            </a:p>
+          </p:txBody>
+        </p:sp>
+        <p:sp>
+          <p:nvSpPr>
+            <p:cNvPr id="19" name="正方形/長方形 18">
+              <a:extLst>
+                <a:ext uri="{FF2B5EF4-FFF2-40B4-BE49-F238E27FC236}">
+                  <a16:creationId xmlns:a16="http://schemas.microsoft.com/office/drawing/2014/main" id="{1A4C1466-832B-961A-F472-35BF042AD128}"/>
+                </a:ext>
+              </a:extLst>
+            </p:cNvPr>
+            <p:cNvSpPr/>
+            <p:nvPr/>
+          </p:nvSpPr>
+          <p:spPr>
+            <a:xfrm>
+              <a:off x="7937501" y="-1161008"/>
+              <a:ext cx="2554036" cy="551754"/>
+            </a:xfrm>
+            <a:prstGeom prst="rect">
+              <a:avLst/>
+            </a:prstGeom>
+            <a:ln>
+              <a:solidFill>
+                <a:schemeClr val="tx1"/>
+              </a:solidFill>
+            </a:ln>
+          </p:spPr>
+          <p:style>
+            <a:lnRef idx="2">
+              <a:schemeClr val="accent6"/>
+            </a:lnRef>
+            <a:fillRef idx="1">
+              <a:schemeClr val="lt1"/>
+            </a:fillRef>
+            <a:effectRef idx="0">
+              <a:schemeClr val="accent6"/>
+            </a:effectRef>
+            <a:fontRef idx="minor">
+              <a:schemeClr val="dk1"/>
+            </a:fontRef>
+          </p:style>
+          <p:txBody>
+            <a:bodyPr rtlCol="0" anchor="ctr"/>
+            <a:lstStyle/>
+            <a:p>
+              <a:pPr algn="ctr"/>
+              <a:endParaRPr kumimoji="1" lang="ja-JP" altLang="en-US"/>
+            </a:p>
+          </p:txBody>
+        </p:sp>
+      </p:grpSp>
+      <p:sp>
+        <p:nvSpPr>
+          <p:cNvPr id="23" name="四角形: 角を丸くする 22">
+            <a:extLst>
+              <a:ext uri="{FF2B5EF4-FFF2-40B4-BE49-F238E27FC236}">
+                <a16:creationId xmlns:a16="http://schemas.microsoft.com/office/drawing/2014/main" id="{86BB60CB-D985-E30B-5AF5-90FF95ADA8AD}"/>
+              </a:ext>
+            </a:extLst>
+          </p:cNvPr>
+          <p:cNvSpPr/>
+          <p:nvPr/>
+        </p:nvSpPr>
+        <p:spPr>
+          <a:xfrm>
+            <a:off x="943811" y="5675485"/>
+            <a:ext cx="1334169" cy="468649"/>
+          </a:xfrm>
+          <a:prstGeom prst="roundRect">
+            <a:avLst/>
+          </a:prstGeom>
+          <a:solidFill>
+            <a:schemeClr val="tx2">
+              <a:lumMod val="10000"/>
+              <a:lumOff val="90000"/>
+            </a:schemeClr>
+          </a:solidFill>
+          <a:ln>
+            <a:solidFill>
+              <a:schemeClr val="tx2">
+                <a:lumMod val="50000"/>
+                <a:lumOff val="50000"/>
+              </a:schemeClr>
+            </a:solidFill>
+          </a:ln>
+        </p:spPr>
+        <p:style>
+          <a:lnRef idx="2">
+            <a:schemeClr val="accent1">
+              <a:shade val="15000"/>
+            </a:schemeClr>
+          </a:lnRef>
+          <a:fillRef idx="1">
+            <a:schemeClr val="accent1"/>
+          </a:fillRef>
+          <a:effectRef idx="0">
+            <a:schemeClr val="accent1"/>
+          </a:effectRef>
+          <a:fontRef idx="minor">
+            <a:schemeClr val="lt1"/>
+          </a:fontRef>
+        </p:style>
+        <p:txBody>
+          <a:bodyPr rtlCol="0" anchor="ctr"/>
+          <a:lstStyle/>
+          <a:p>
+            <a:pPr algn="ctr"/>
+            <a:r>
+              <a:rPr lang="ja-JP" altLang="en-US" dirty="0">
+                <a:solidFill>
+                  <a:schemeClr val="tx1"/>
+                </a:solidFill>
+              </a:rPr>
+              <a:t>新規</a:t>
+            </a:r>
+            <a:endParaRPr kumimoji="1" lang="ja-JP" altLang="en-US" dirty="0">
+              <a:solidFill>
+                <a:schemeClr val="tx1"/>
+              </a:solidFill>
+            </a:endParaRPr>
+          </a:p>
+        </p:txBody>
+      </p:sp>
+      <p:sp>
+        <p:nvSpPr>
+          <p:cNvPr id="24" name="四角形: 角を丸くする 23">
+            <a:extLst>
+              <a:ext uri="{FF2B5EF4-FFF2-40B4-BE49-F238E27FC236}">
+                <a16:creationId xmlns:a16="http://schemas.microsoft.com/office/drawing/2014/main" id="{10ADC90E-FE5A-8A8D-2DA6-5088D23BE21A}"/>
+              </a:ext>
+            </a:extLst>
+          </p:cNvPr>
+          <p:cNvSpPr/>
+          <p:nvPr/>
+        </p:nvSpPr>
+        <p:spPr>
+          <a:xfrm>
+            <a:off x="2437064" y="5702631"/>
+            <a:ext cx="1334169" cy="468649"/>
+          </a:xfrm>
+          <a:prstGeom prst="roundRect">
+            <a:avLst/>
+          </a:prstGeom>
+          <a:solidFill>
+            <a:schemeClr val="tx2">
+              <a:lumMod val="10000"/>
+              <a:lumOff val="90000"/>
+            </a:schemeClr>
+          </a:solidFill>
+          <a:ln>
+            <a:solidFill>
+              <a:schemeClr val="tx2">
+                <a:lumMod val="50000"/>
+                <a:lumOff val="50000"/>
+              </a:schemeClr>
+            </a:solidFill>
+          </a:ln>
+        </p:spPr>
+        <p:style>
+          <a:lnRef idx="2">
+            <a:schemeClr val="accent1">
+              <a:shade val="15000"/>
+            </a:schemeClr>
+          </a:lnRef>
+          <a:fillRef idx="1">
+            <a:schemeClr val="accent1"/>
+          </a:fillRef>
+          <a:effectRef idx="0">
+            <a:schemeClr val="accent1"/>
+          </a:effectRef>
+          <a:fontRef idx="minor">
+            <a:schemeClr val="lt1"/>
+          </a:fontRef>
+        </p:style>
+        <p:txBody>
+          <a:bodyPr rtlCol="0" anchor="ctr"/>
+          <a:lstStyle/>
+          <a:p>
+            <a:pPr algn="ctr"/>
+            <a:r>
+              <a:rPr kumimoji="1" lang="ja-JP" altLang="en-US" dirty="0">
+                <a:solidFill>
+                  <a:schemeClr val="tx1"/>
+                </a:solidFill>
+              </a:rPr>
+              <a:t>編集</a:t>
+            </a:r>
+          </a:p>
+        </p:txBody>
+      </p:sp>
+      <p:sp>
+        <p:nvSpPr>
+          <p:cNvPr id="25" name="四角形: 角を丸くする 24">
+            <a:extLst>
+              <a:ext uri="{FF2B5EF4-FFF2-40B4-BE49-F238E27FC236}">
+                <a16:creationId xmlns:a16="http://schemas.microsoft.com/office/drawing/2014/main" id="{C44C1E67-3F0A-D5D0-5F64-234D2E419234}"/>
+              </a:ext>
+            </a:extLst>
+          </p:cNvPr>
+          <p:cNvSpPr/>
+          <p:nvPr/>
+        </p:nvSpPr>
+        <p:spPr>
+          <a:xfrm>
+            <a:off x="3936330" y="5714831"/>
+            <a:ext cx="1334169" cy="468649"/>
+          </a:xfrm>
+          <a:prstGeom prst="roundRect">
+            <a:avLst/>
+          </a:prstGeom>
+          <a:solidFill>
+            <a:schemeClr val="tx2">
+              <a:lumMod val="10000"/>
+              <a:lumOff val="90000"/>
+            </a:schemeClr>
+          </a:solidFill>
+          <a:ln>
+            <a:solidFill>
+              <a:schemeClr val="tx2">
+                <a:lumMod val="50000"/>
+                <a:lumOff val="50000"/>
+              </a:schemeClr>
+            </a:solidFill>
+          </a:ln>
+        </p:spPr>
+        <p:style>
+          <a:lnRef idx="2">
+            <a:schemeClr val="accent1">
+              <a:shade val="15000"/>
+            </a:schemeClr>
+          </a:lnRef>
+          <a:fillRef idx="1">
+            <a:schemeClr val="accent1"/>
+          </a:fillRef>
+          <a:effectRef idx="0">
+            <a:schemeClr val="accent1"/>
+          </a:effectRef>
+          <a:fontRef idx="minor">
+            <a:schemeClr val="lt1"/>
+          </a:fontRef>
+        </p:style>
+        <p:txBody>
+          <a:bodyPr rtlCol="0" anchor="ctr"/>
+          <a:lstStyle/>
+          <a:p>
+            <a:pPr algn="ctr"/>
+            <a:r>
+              <a:rPr kumimoji="1" lang="ja-JP" altLang="en-US" dirty="0">
+                <a:solidFill>
+                  <a:schemeClr val="tx1"/>
+                </a:solidFill>
+              </a:rPr>
+              <a:t>発注</a:t>
+            </a:r>
+          </a:p>
+        </p:txBody>
+      </p:sp>
+      <p:sp>
+        <p:nvSpPr>
+          <p:cNvPr id="26" name="四角形: 角を丸くする 25">
+            <a:extLst>
+              <a:ext uri="{FF2B5EF4-FFF2-40B4-BE49-F238E27FC236}">
+                <a16:creationId xmlns:a16="http://schemas.microsoft.com/office/drawing/2014/main" id="{20DF4CCB-E7FF-54B1-12E1-1617A8A69D3D}"/>
+              </a:ext>
+            </a:extLst>
+          </p:cNvPr>
+          <p:cNvSpPr/>
+          <p:nvPr/>
+        </p:nvSpPr>
+        <p:spPr>
+          <a:xfrm>
+            <a:off x="5435596" y="5714831"/>
+            <a:ext cx="1334169" cy="468649"/>
+          </a:xfrm>
+          <a:prstGeom prst="roundRect">
+            <a:avLst/>
+          </a:prstGeom>
+          <a:solidFill>
+            <a:schemeClr val="tx2">
+              <a:lumMod val="10000"/>
+              <a:lumOff val="90000"/>
+            </a:schemeClr>
+          </a:solidFill>
+          <a:ln>
+            <a:solidFill>
+              <a:schemeClr val="tx2">
+                <a:lumMod val="50000"/>
+                <a:lumOff val="50000"/>
+              </a:schemeClr>
+            </a:solidFill>
+          </a:ln>
+        </p:spPr>
+        <p:style>
+          <a:lnRef idx="2">
+            <a:schemeClr val="accent1">
+              <a:shade val="15000"/>
+            </a:schemeClr>
+          </a:lnRef>
+          <a:fillRef idx="1">
+            <a:schemeClr val="accent1"/>
+          </a:fillRef>
+          <a:effectRef idx="0">
+            <a:schemeClr val="accent1"/>
+          </a:effectRef>
+          <a:fontRef idx="minor">
+            <a:schemeClr val="lt1"/>
+          </a:fontRef>
+        </p:style>
+        <p:txBody>
+          <a:bodyPr rtlCol="0" anchor="ctr"/>
+          <a:lstStyle/>
+          <a:p>
+            <a:pPr algn="ctr"/>
+            <a:r>
+              <a:rPr kumimoji="1" lang="ja-JP" altLang="en-US" dirty="0">
+                <a:solidFill>
+                  <a:schemeClr val="tx1"/>
+                </a:solidFill>
+              </a:rPr>
+              <a:t>詳細</a:t>
+            </a:r>
+          </a:p>
+        </p:txBody>
+      </p:sp>
+      <p:sp>
+        <p:nvSpPr>
+          <p:cNvPr id="28" name="四角形: 角を丸くする 27">
+            <a:extLst>
+              <a:ext uri="{FF2B5EF4-FFF2-40B4-BE49-F238E27FC236}">
+                <a16:creationId xmlns:a16="http://schemas.microsoft.com/office/drawing/2014/main" id="{34963BCF-CBCF-AAC0-0217-6A8C268CA2BC}"/>
+              </a:ext>
+            </a:extLst>
+          </p:cNvPr>
+          <p:cNvSpPr/>
+          <p:nvPr/>
+        </p:nvSpPr>
+        <p:spPr>
+          <a:xfrm>
+            <a:off x="9911346" y="5714831"/>
+            <a:ext cx="1334169" cy="468649"/>
+          </a:xfrm>
+          <a:prstGeom prst="roundRect">
+            <a:avLst/>
+          </a:prstGeom>
+          <a:solidFill>
+            <a:schemeClr val="tx2">
+              <a:lumMod val="10000"/>
+              <a:lumOff val="90000"/>
+            </a:schemeClr>
+          </a:solidFill>
+          <a:ln>
+            <a:solidFill>
+              <a:schemeClr val="tx2">
+                <a:lumMod val="50000"/>
+                <a:lumOff val="50000"/>
+              </a:schemeClr>
+            </a:solidFill>
+          </a:ln>
+        </p:spPr>
+        <p:style>
+          <a:lnRef idx="2">
+            <a:schemeClr val="accent1">
+              <a:shade val="15000"/>
+            </a:schemeClr>
+          </a:lnRef>
+          <a:fillRef idx="1">
+            <a:schemeClr val="accent1"/>
+          </a:fillRef>
+          <a:effectRef idx="0">
+            <a:schemeClr val="accent1"/>
+          </a:effectRef>
+          <a:fontRef idx="minor">
+            <a:schemeClr val="lt1"/>
+          </a:fontRef>
+        </p:style>
+        <p:txBody>
+          <a:bodyPr rtlCol="0" anchor="ctr"/>
+          <a:lstStyle/>
+          <a:p>
+            <a:pPr algn="ctr"/>
+            <a:r>
+              <a:rPr kumimoji="1" lang="ja-JP" altLang="en-US" dirty="0">
+                <a:solidFill>
+                  <a:schemeClr val="tx1"/>
+                </a:solidFill>
+              </a:rPr>
+              <a:t>在庫移動</a:t>
+            </a:r>
+          </a:p>
+        </p:txBody>
+      </p:sp>
+      <p:sp>
+        <p:nvSpPr>
+          <p:cNvPr id="3" name="正方形/長方形 2">
+            <a:extLst>
+              <a:ext uri="{FF2B5EF4-FFF2-40B4-BE49-F238E27FC236}">
+                <a16:creationId xmlns:a16="http://schemas.microsoft.com/office/drawing/2014/main" id="{F2C94706-C2FD-F5FA-B591-24EA79F32B17}"/>
+              </a:ext>
+            </a:extLst>
+          </p:cNvPr>
+          <p:cNvSpPr/>
+          <p:nvPr/>
+        </p:nvSpPr>
+        <p:spPr>
+          <a:xfrm>
+            <a:off x="1548061" y="987248"/>
+            <a:ext cx="9095874" cy="5214661"/>
+          </a:xfrm>
+          <a:prstGeom prst="rect">
+            <a:avLst/>
+          </a:prstGeom>
+          <a:solidFill>
+            <a:schemeClr val="bg1"/>
+          </a:solidFill>
+        </p:spPr>
+        <p:style>
+          <a:lnRef idx="2">
+            <a:schemeClr val="accent1">
+              <a:shade val="15000"/>
+            </a:schemeClr>
+          </a:lnRef>
+          <a:fillRef idx="1">
+            <a:schemeClr val="accent1"/>
+          </a:fillRef>
+          <a:effectRef idx="0">
+            <a:schemeClr val="accent1"/>
+          </a:effectRef>
+          <a:fontRef idx="minor">
+            <a:schemeClr val="lt1"/>
+          </a:fontRef>
+        </p:style>
+        <p:txBody>
+          <a:bodyPr rtlCol="0" anchor="ctr"/>
+          <a:lstStyle/>
+          <a:p>
+            <a:pPr algn="ctr"/>
+            <a:endParaRPr kumimoji="1" lang="ja-JP" altLang="en-US"/>
+          </a:p>
+        </p:txBody>
+      </p:sp>
+      <p:graphicFrame>
+        <p:nvGraphicFramePr>
+          <p:cNvPr id="7" name="表 6">
+            <a:extLst>
+              <a:ext uri="{FF2B5EF4-FFF2-40B4-BE49-F238E27FC236}">
+                <a16:creationId xmlns:a16="http://schemas.microsoft.com/office/drawing/2014/main" id="{37FAECB0-4BCC-4524-0D5B-AD993CFB02BF}"/>
+              </a:ext>
+            </a:extLst>
+          </p:cNvPr>
+          <p:cNvGraphicFramePr>
+            <a:graphicFrameLocks noGrp="1"/>
+          </p:cNvGraphicFramePr>
+          <p:nvPr/>
+        </p:nvGraphicFramePr>
+        <p:xfrm>
+          <a:off x="2179050" y="2135568"/>
+          <a:ext cx="7879345" cy="640080"/>
+        </p:xfrm>
+        <a:graphic>
+          <a:graphicData uri="http://schemas.openxmlformats.org/drawingml/2006/table">
+            <a:tbl>
+              <a:tblPr firstRow="1" bandRow="1">
+                <a:tableStyleId>{5940675A-B579-460E-94D1-54222C63F5DA}</a:tableStyleId>
+              </a:tblPr>
+              <a:tblGrid>
+                <a:gridCol w="1210681">
+                  <a:extLst>
+                    <a:ext uri="{9D8B030D-6E8A-4147-A177-3AD203B41FA5}">
+                      <a16:colId xmlns:a16="http://schemas.microsoft.com/office/drawing/2014/main" val="3953606517"/>
+                    </a:ext>
+                  </a:extLst>
+                </a:gridCol>
+                <a:gridCol w="2009828">
+                  <a:extLst>
+                    <a:ext uri="{9D8B030D-6E8A-4147-A177-3AD203B41FA5}">
+                      <a16:colId xmlns:a16="http://schemas.microsoft.com/office/drawing/2014/main" val="2733463744"/>
+                    </a:ext>
+                  </a:extLst>
+                </a:gridCol>
+                <a:gridCol w="719164">
+                  <a:extLst>
+                    <a:ext uri="{9D8B030D-6E8A-4147-A177-3AD203B41FA5}">
+                      <a16:colId xmlns:a16="http://schemas.microsoft.com/office/drawing/2014/main" val="1153279286"/>
+                    </a:ext>
+                  </a:extLst>
+                </a:gridCol>
+                <a:gridCol w="1313224">
+                  <a:extLst>
+                    <a:ext uri="{9D8B030D-6E8A-4147-A177-3AD203B41FA5}">
+                      <a16:colId xmlns:a16="http://schemas.microsoft.com/office/drawing/2014/main" val="886031512"/>
+                    </a:ext>
+                  </a:extLst>
+                </a:gridCol>
+                <a:gridCol w="1313224">
+                  <a:extLst>
+                    <a:ext uri="{9D8B030D-6E8A-4147-A177-3AD203B41FA5}">
+                      <a16:colId xmlns:a16="http://schemas.microsoft.com/office/drawing/2014/main" val="1241268529"/>
+                    </a:ext>
+                  </a:extLst>
+                </a:gridCol>
+                <a:gridCol w="1313224">
+                  <a:extLst>
+                    <a:ext uri="{9D8B030D-6E8A-4147-A177-3AD203B41FA5}">
+                      <a16:colId xmlns:a16="http://schemas.microsoft.com/office/drawing/2014/main" val="3895378869"/>
+                    </a:ext>
+                  </a:extLst>
+                </a:gridCol>
+              </a:tblGrid>
+              <a:tr h="620186">
+                <a:tc>
+                  <a:txBody>
+                    <a:bodyPr/>
+                    <a:lstStyle/>
+                    <a:p>
+                      <a:pPr algn="ctr"/>
+                      <a:r>
+                        <a:rPr kumimoji="1" lang="en-US" altLang="ja-JP" dirty="0"/>
+                        <a:t>A00123</a:t>
+                      </a:r>
+                      <a:endParaRPr kumimoji="1" lang="ja-JP" altLang="en-US" dirty="0"/>
+                    </a:p>
+                  </a:txBody>
+                  <a:tcPr anchor="ctr"/>
+                </a:tc>
+                <a:tc>
+                  <a:txBody>
+                    <a:bodyPr/>
+                    <a:lstStyle/>
+                    <a:p>
+                      <a:pPr algn="ctr"/>
+                      <a:r>
+                        <a:rPr kumimoji="1" lang="ja-JP" altLang="en-US" dirty="0"/>
+                        <a:t>有機トマト（国産）</a:t>
+                      </a:r>
+                    </a:p>
+                  </a:txBody>
+                  <a:tcPr anchor="ctr"/>
+                </a:tc>
+                <a:tc>
+                  <a:txBody>
+                    <a:bodyPr/>
+                    <a:lstStyle/>
+                    <a:p>
+                      <a:pPr algn="ctr"/>
+                      <a:r>
+                        <a:rPr kumimoji="1" lang="ja-JP" altLang="en-US" dirty="0"/>
+                        <a:t>野菜</a:t>
+                      </a:r>
+                    </a:p>
+                  </a:txBody>
+                  <a:tcPr anchor="ctr"/>
+                </a:tc>
+                <a:tc>
+                  <a:txBody>
+                    <a:bodyPr/>
+                    <a:lstStyle/>
+                    <a:p>
+                      <a:pPr algn="ctr"/>
+                      <a:r>
+                        <a:rPr kumimoji="1" lang="en-US" altLang="ja-JP" dirty="0"/>
+                        <a:t>45</a:t>
+                      </a:r>
+                      <a:endParaRPr kumimoji="1" lang="ja-JP" altLang="en-US" dirty="0"/>
+                    </a:p>
+                  </a:txBody>
+                  <a:tcPr anchor="ctr"/>
+                </a:tc>
+                <a:tc>
+                  <a:txBody>
+                    <a:bodyPr/>
+                    <a:lstStyle/>
+                    <a:p>
+                      <a:pPr algn="ctr"/>
+                      <a:r>
+                        <a:rPr kumimoji="1" lang="en-US" altLang="ja-JP" dirty="0"/>
+                        <a:t>20</a:t>
+                      </a:r>
+                      <a:endParaRPr kumimoji="1" lang="ja-JP" altLang="en-US" dirty="0"/>
+                    </a:p>
+                  </a:txBody>
+                  <a:tcPr anchor="ctr"/>
+                </a:tc>
+                <a:tc>
+                  <a:txBody>
+                    <a:bodyPr/>
+                    <a:lstStyle/>
+                    <a:p>
+                      <a:pPr algn="ctr"/>
+                      <a:r>
+                        <a:rPr kumimoji="1" lang="ja-JP" altLang="en-US" dirty="0"/>
+                        <a:t>正常</a:t>
+                      </a:r>
+                    </a:p>
+                  </a:txBody>
+                  <a:tcPr anchor="ctr"/>
+                </a:tc>
+                <a:extLst>
+                  <a:ext uri="{0D108BD9-81ED-4DB2-BD59-A6C34878D82A}">
+                    <a16:rowId xmlns:a16="http://schemas.microsoft.com/office/drawing/2014/main" val="821210985"/>
+                  </a:ext>
+                </a:extLst>
+              </a:tr>
+            </a:tbl>
+          </a:graphicData>
+        </a:graphic>
+      </p:graphicFrame>
+      <p:sp>
+        <p:nvSpPr>
+          <p:cNvPr id="8" name="テキスト ボックス 7">
+            <a:extLst>
+              <a:ext uri="{FF2B5EF4-FFF2-40B4-BE49-F238E27FC236}">
+                <a16:creationId xmlns:a16="http://schemas.microsoft.com/office/drawing/2014/main" id="{BA88D86C-899A-8238-45BE-F2D3026B3BF9}"/>
+              </a:ext>
+            </a:extLst>
+          </p:cNvPr>
+          <p:cNvSpPr txBox="1"/>
+          <p:nvPr/>
+        </p:nvSpPr>
+        <p:spPr>
+          <a:xfrm>
+            <a:off x="2179049" y="1399832"/>
+            <a:ext cx="3347453" cy="584775"/>
+          </a:xfrm>
+          <a:prstGeom prst="rect">
+            <a:avLst/>
+          </a:prstGeom>
+          <a:noFill/>
+        </p:spPr>
+        <p:txBody>
+          <a:bodyPr wrap="square" rtlCol="0">
+            <a:spAutoFit/>
+          </a:bodyPr>
+          <a:lstStyle/>
+          <a:p>
+            <a:r>
+              <a:rPr kumimoji="1" lang="ja-JP" altLang="en-US" sz="3200" dirty="0"/>
+              <a:t>有機国産トマト</a:t>
+            </a:r>
+          </a:p>
+        </p:txBody>
+      </p:sp>
+      <p:sp>
+        <p:nvSpPr>
+          <p:cNvPr id="10" name="四角形: 角を丸くする 9">
+            <a:extLst>
+              <a:ext uri="{FF2B5EF4-FFF2-40B4-BE49-F238E27FC236}">
+                <a16:creationId xmlns:a16="http://schemas.microsoft.com/office/drawing/2014/main" id="{0A62A759-74BD-A418-E03E-6DEA8B4D1FBC}"/>
+              </a:ext>
+            </a:extLst>
+          </p:cNvPr>
+          <p:cNvSpPr/>
+          <p:nvPr/>
+        </p:nvSpPr>
+        <p:spPr>
+          <a:xfrm>
+            <a:off x="1845520" y="4908884"/>
+            <a:ext cx="1864218" cy="848960"/>
+          </a:xfrm>
+          <a:prstGeom prst="roundRect">
+            <a:avLst/>
+          </a:prstGeom>
+          <a:solidFill>
+            <a:schemeClr val="tx2">
+              <a:lumMod val="10000"/>
+              <a:lumOff val="90000"/>
+            </a:schemeClr>
+          </a:solidFill>
+          <a:ln>
+            <a:noFill/>
+          </a:ln>
+          <a:effectLst>
+            <a:outerShdw blurRad="44450" dist="27940" dir="5400000" algn="ctr">
+              <a:srgbClr val="000000">
+                <a:alpha val="32000"/>
+              </a:srgbClr>
+            </a:outerShdw>
+          </a:effectLst>
+          <a:scene3d>
+            <a:camera prst="orthographicFront">
+              <a:rot lat="0" lon="0" rev="0"/>
+            </a:camera>
+            <a:lightRig rig="balanced" dir="t">
+              <a:rot lat="0" lon="0" rev="8700000"/>
+            </a:lightRig>
+          </a:scene3d>
+          <a:sp3d>
+            <a:bevelT w="190500" h="38100"/>
+          </a:sp3d>
+        </p:spPr>
+        <p:style>
+          <a:lnRef idx="2">
+            <a:schemeClr val="accent1">
+              <a:shade val="15000"/>
+            </a:schemeClr>
+          </a:lnRef>
+          <a:fillRef idx="1">
+            <a:schemeClr val="accent1"/>
+          </a:fillRef>
+          <a:effectRef idx="0">
+            <a:schemeClr val="accent1"/>
+          </a:effectRef>
+          <a:fontRef idx="minor">
+            <a:schemeClr val="lt1"/>
+          </a:fontRef>
+        </p:style>
+        <p:txBody>
+          <a:bodyPr rtlCol="0" anchor="ctr"/>
+          <a:lstStyle/>
+          <a:p>
+            <a:pPr algn="ctr"/>
+            <a:r>
+              <a:rPr kumimoji="1" lang="ja-JP" altLang="en-US" sz="3200" dirty="0">
+                <a:solidFill>
+                  <a:schemeClr val="tx1"/>
+                </a:solidFill>
+              </a:rPr>
+              <a:t>戻る</a:t>
+            </a:r>
+          </a:p>
+        </p:txBody>
+      </p:sp>
+      <p:graphicFrame>
+        <p:nvGraphicFramePr>
+          <p:cNvPr id="6" name="表 5">
+            <a:extLst>
+              <a:ext uri="{FF2B5EF4-FFF2-40B4-BE49-F238E27FC236}">
+                <a16:creationId xmlns:a16="http://schemas.microsoft.com/office/drawing/2014/main" id="{AEBC01C8-765C-E1F4-7DF7-8C99DADBC55F}"/>
+              </a:ext>
+            </a:extLst>
+          </p:cNvPr>
+          <p:cNvGraphicFramePr>
+            <a:graphicFrameLocks noGrp="1"/>
+          </p:cNvGraphicFramePr>
+          <p:nvPr>
+            <p:extLst>
+              <p:ext uri="{D42A27DB-BD31-4B8C-83A1-F6EECF244321}">
+                <p14:modId xmlns:p14="http://schemas.microsoft.com/office/powerpoint/2010/main" val="546737459"/>
+              </p:ext>
+            </p:extLst>
+          </p:nvPr>
+        </p:nvGraphicFramePr>
+        <p:xfrm>
+          <a:off x="2179049" y="3102171"/>
+          <a:ext cx="7879344" cy="1248927"/>
+        </p:xfrm>
+        <a:graphic>
+          <a:graphicData uri="http://schemas.openxmlformats.org/drawingml/2006/table">
+            <a:tbl>
+              <a:tblPr firstRow="1" bandRow="1">
+                <a:tableStyleId>{5C22544A-7EE6-4342-B048-85BDC9FD1C3A}</a:tableStyleId>
+              </a:tblPr>
+              <a:tblGrid>
+                <a:gridCol w="1313224">
+                  <a:extLst>
+                    <a:ext uri="{9D8B030D-6E8A-4147-A177-3AD203B41FA5}">
+                      <a16:colId xmlns:a16="http://schemas.microsoft.com/office/drawing/2014/main" val="2705202033"/>
+                    </a:ext>
+                  </a:extLst>
+                </a:gridCol>
+                <a:gridCol w="1313224">
+                  <a:extLst>
+                    <a:ext uri="{9D8B030D-6E8A-4147-A177-3AD203B41FA5}">
+                      <a16:colId xmlns:a16="http://schemas.microsoft.com/office/drawing/2014/main" val="2722778632"/>
+                    </a:ext>
+                  </a:extLst>
+                </a:gridCol>
+                <a:gridCol w="1313224">
+                  <a:extLst>
+                    <a:ext uri="{9D8B030D-6E8A-4147-A177-3AD203B41FA5}">
+                      <a16:colId xmlns:a16="http://schemas.microsoft.com/office/drawing/2014/main" val="1722347950"/>
+                    </a:ext>
+                  </a:extLst>
+                </a:gridCol>
+                <a:gridCol w="1313224">
+                  <a:extLst>
+                    <a:ext uri="{9D8B030D-6E8A-4147-A177-3AD203B41FA5}">
+                      <a16:colId xmlns:a16="http://schemas.microsoft.com/office/drawing/2014/main" val="2806991420"/>
+                    </a:ext>
+                  </a:extLst>
+                </a:gridCol>
+                <a:gridCol w="1313224">
+                  <a:extLst>
+                    <a:ext uri="{9D8B030D-6E8A-4147-A177-3AD203B41FA5}">
+                      <a16:colId xmlns:a16="http://schemas.microsoft.com/office/drawing/2014/main" val="3912740967"/>
+                    </a:ext>
+                  </a:extLst>
+                </a:gridCol>
+                <a:gridCol w="1313224">
+                  <a:extLst>
+                    <a:ext uri="{9D8B030D-6E8A-4147-A177-3AD203B41FA5}">
+                      <a16:colId xmlns:a16="http://schemas.microsoft.com/office/drawing/2014/main" val="3977770295"/>
+                    </a:ext>
+                  </a:extLst>
+                </a:gridCol>
+              </a:tblGrid>
+              <a:tr h="416309">
+                <a:tc>
+                  <a:txBody>
+                    <a:bodyPr/>
+                    <a:lstStyle/>
+                    <a:p>
+                      <a:endParaRPr kumimoji="1" lang="ja-JP" altLang="en-US" dirty="0"/>
+                    </a:p>
+                  </a:txBody>
+                  <a:tcPr/>
+                </a:tc>
+                <a:tc>
+                  <a:txBody>
+                    <a:bodyPr/>
+                    <a:lstStyle/>
+                    <a:p>
+                      <a:r>
+                        <a:rPr kumimoji="1" lang="en-US" altLang="ja-JP" dirty="0"/>
+                        <a:t>1</a:t>
+                      </a:r>
+                      <a:r>
+                        <a:rPr kumimoji="1" lang="ja-JP" altLang="en-US" dirty="0"/>
+                        <a:t>月</a:t>
+                      </a:r>
+                    </a:p>
+                  </a:txBody>
+                  <a:tcPr/>
+                </a:tc>
+                <a:tc>
+                  <a:txBody>
+                    <a:bodyPr/>
+                    <a:lstStyle/>
+                    <a:p>
+                      <a:r>
+                        <a:rPr kumimoji="1" lang="en-US" altLang="ja-JP" dirty="0"/>
+                        <a:t>2</a:t>
+                      </a:r>
+                      <a:r>
+                        <a:rPr kumimoji="1" lang="ja-JP" altLang="en-US" dirty="0"/>
+                        <a:t>月</a:t>
+                      </a:r>
+                    </a:p>
+                  </a:txBody>
+                  <a:tcPr/>
+                </a:tc>
+                <a:tc>
+                  <a:txBody>
+                    <a:bodyPr/>
+                    <a:lstStyle/>
+                    <a:p>
+                      <a:r>
+                        <a:rPr kumimoji="1" lang="en-US" altLang="ja-JP" dirty="0"/>
+                        <a:t>3</a:t>
+                      </a:r>
+                      <a:r>
+                        <a:rPr kumimoji="1" lang="ja-JP" altLang="en-US" dirty="0"/>
+                        <a:t>月</a:t>
+                      </a:r>
+                    </a:p>
+                  </a:txBody>
+                  <a:tcPr/>
+                </a:tc>
+                <a:tc>
+                  <a:txBody>
+                    <a:bodyPr/>
+                    <a:lstStyle/>
+                    <a:p>
+                      <a:r>
+                        <a:rPr kumimoji="1" lang="en-US" altLang="ja-JP" dirty="0"/>
+                        <a:t>4</a:t>
+                      </a:r>
+                      <a:r>
+                        <a:rPr kumimoji="1" lang="ja-JP" altLang="en-US" dirty="0"/>
+                        <a:t>月</a:t>
+                      </a:r>
+                    </a:p>
+                  </a:txBody>
+                  <a:tcPr/>
+                </a:tc>
+                <a:tc>
+                  <a:txBody>
+                    <a:bodyPr/>
+                    <a:lstStyle/>
+                    <a:p>
+                      <a:r>
+                        <a:rPr kumimoji="1" lang="en-US" altLang="ja-JP" dirty="0"/>
+                        <a:t>5</a:t>
+                      </a:r>
+                      <a:r>
+                        <a:rPr kumimoji="1" lang="ja-JP" altLang="en-US" dirty="0"/>
+                        <a:t>月</a:t>
+                      </a:r>
+                    </a:p>
+                  </a:txBody>
+                  <a:tcPr/>
+                </a:tc>
+                <a:extLst>
+                  <a:ext uri="{0D108BD9-81ED-4DB2-BD59-A6C34878D82A}">
+                    <a16:rowId xmlns:a16="http://schemas.microsoft.com/office/drawing/2014/main" val="1331211820"/>
+                  </a:ext>
+                </a:extLst>
+              </a:tr>
+              <a:tr h="416309">
+                <a:tc>
+                  <a:txBody>
+                    <a:bodyPr/>
+                    <a:lstStyle/>
+                    <a:p>
+                      <a:r>
+                        <a:rPr kumimoji="1" lang="ja-JP" altLang="en-US" dirty="0"/>
+                        <a:t>入庫</a:t>
+                      </a:r>
+                      <a:endParaRPr kumimoji="1" lang="en-US" altLang="ja-JP" dirty="0"/>
+                    </a:p>
+                  </a:txBody>
+                  <a:tcPr/>
+                </a:tc>
+                <a:tc>
+                  <a:txBody>
+                    <a:bodyPr/>
+                    <a:lstStyle/>
+                    <a:p>
+                      <a:r>
+                        <a:rPr kumimoji="1" lang="en-US" altLang="ja-JP" dirty="0"/>
+                        <a:t>10</a:t>
+                      </a:r>
+                      <a:endParaRPr kumimoji="1" lang="ja-JP" altLang="en-US" dirty="0"/>
+                    </a:p>
+                  </a:txBody>
+                  <a:tcPr/>
+                </a:tc>
+                <a:tc>
+                  <a:txBody>
+                    <a:bodyPr/>
+                    <a:lstStyle/>
+                    <a:p>
+                      <a:r>
+                        <a:rPr kumimoji="1" lang="en-US" altLang="ja-JP" dirty="0"/>
+                        <a:t>23</a:t>
+                      </a:r>
+                      <a:endParaRPr kumimoji="1" lang="ja-JP" altLang="en-US" dirty="0"/>
+                    </a:p>
+                  </a:txBody>
+                  <a:tcPr/>
+                </a:tc>
+                <a:tc>
+                  <a:txBody>
+                    <a:bodyPr/>
+                    <a:lstStyle/>
+                    <a:p>
+                      <a:r>
+                        <a:rPr kumimoji="1" lang="en-US" altLang="ja-JP" dirty="0"/>
+                        <a:t>43</a:t>
+                      </a:r>
+                      <a:endParaRPr kumimoji="1" lang="ja-JP" altLang="en-US" dirty="0"/>
+                    </a:p>
+                  </a:txBody>
+                  <a:tcPr/>
+                </a:tc>
+                <a:tc>
+                  <a:txBody>
+                    <a:bodyPr/>
+                    <a:lstStyle/>
+                    <a:p>
+                      <a:r>
+                        <a:rPr kumimoji="1" lang="en-US" altLang="ja-JP" dirty="0"/>
+                        <a:t>2</a:t>
+                      </a:r>
+                      <a:endParaRPr kumimoji="1" lang="ja-JP" altLang="en-US" dirty="0"/>
+                    </a:p>
+                  </a:txBody>
+                  <a:tcPr/>
+                </a:tc>
+                <a:tc>
+                  <a:txBody>
+                    <a:bodyPr/>
+                    <a:lstStyle/>
+                    <a:p>
+                      <a:r>
+                        <a:rPr kumimoji="1" lang="en-US" altLang="ja-JP" dirty="0"/>
+                        <a:t>12</a:t>
+                      </a:r>
+                      <a:endParaRPr kumimoji="1" lang="ja-JP" altLang="en-US" dirty="0"/>
+                    </a:p>
+                  </a:txBody>
+                  <a:tcPr/>
+                </a:tc>
+                <a:extLst>
+                  <a:ext uri="{0D108BD9-81ED-4DB2-BD59-A6C34878D82A}">
+                    <a16:rowId xmlns:a16="http://schemas.microsoft.com/office/drawing/2014/main" val="1696506923"/>
+                  </a:ext>
+                </a:extLst>
+              </a:tr>
+              <a:tr h="416309">
+                <a:tc>
+                  <a:txBody>
+                    <a:bodyPr/>
+                    <a:lstStyle/>
+                    <a:p>
+                      <a:r>
+                        <a:rPr kumimoji="1" lang="ja-JP" altLang="en-US" dirty="0"/>
+                        <a:t>出庫</a:t>
+                      </a:r>
+                    </a:p>
+                  </a:txBody>
+                  <a:tcPr/>
+                </a:tc>
+                <a:tc>
+                  <a:txBody>
+                    <a:bodyPr/>
+                    <a:lstStyle/>
+                    <a:p>
+                      <a:r>
+                        <a:rPr kumimoji="1" lang="en-US" altLang="ja-JP" dirty="0"/>
+                        <a:t>32</a:t>
+                      </a:r>
+                      <a:endParaRPr kumimoji="1" lang="ja-JP" altLang="en-US" dirty="0"/>
+                    </a:p>
+                  </a:txBody>
+                  <a:tcPr/>
+                </a:tc>
+                <a:tc>
+                  <a:txBody>
+                    <a:bodyPr/>
+                    <a:lstStyle/>
+                    <a:p>
+                      <a:r>
+                        <a:rPr kumimoji="1" lang="en-US" altLang="ja-JP" dirty="0"/>
+                        <a:t>42</a:t>
+                      </a:r>
+                      <a:endParaRPr kumimoji="1" lang="ja-JP" altLang="en-US" dirty="0"/>
+                    </a:p>
+                  </a:txBody>
+                  <a:tcPr/>
+                </a:tc>
+                <a:tc>
+                  <a:txBody>
+                    <a:bodyPr/>
+                    <a:lstStyle/>
+                    <a:p>
+                      <a:r>
+                        <a:rPr kumimoji="1" lang="en-US" altLang="ja-JP" dirty="0"/>
+                        <a:t>21</a:t>
+                      </a:r>
+                      <a:endParaRPr kumimoji="1" lang="ja-JP" altLang="en-US" dirty="0"/>
+                    </a:p>
+                  </a:txBody>
+                  <a:tcPr/>
+                </a:tc>
+                <a:tc>
+                  <a:txBody>
+                    <a:bodyPr/>
+                    <a:lstStyle/>
+                    <a:p>
+                      <a:r>
+                        <a:rPr kumimoji="1" lang="en-US" altLang="ja-JP" dirty="0"/>
+                        <a:t>15</a:t>
+                      </a:r>
+                      <a:endParaRPr kumimoji="1" lang="ja-JP" altLang="en-US" dirty="0"/>
+                    </a:p>
+                  </a:txBody>
+                  <a:tcPr/>
+                </a:tc>
+                <a:tc>
+                  <a:txBody>
+                    <a:bodyPr/>
+                    <a:lstStyle/>
+                    <a:p>
+                      <a:r>
+                        <a:rPr kumimoji="1" lang="en-US" altLang="ja-JP" dirty="0"/>
+                        <a:t>24</a:t>
+                      </a:r>
+                      <a:endParaRPr kumimoji="1" lang="ja-JP" altLang="en-US" dirty="0"/>
+                    </a:p>
+                  </a:txBody>
+                  <a:tcPr/>
+                </a:tc>
+                <a:extLst>
+                  <a:ext uri="{0D108BD9-81ED-4DB2-BD59-A6C34878D82A}">
+                    <a16:rowId xmlns:a16="http://schemas.microsoft.com/office/drawing/2014/main" val="1165200898"/>
+                  </a:ext>
+                </a:extLst>
+              </a:tr>
+            </a:tbl>
+          </a:graphicData>
+        </a:graphic>
+      </p:graphicFrame>
+      <p:sp>
+        <p:nvSpPr>
+          <p:cNvPr id="14" name="テキスト ボックス 13">
+            <a:extLst>
+              <a:ext uri="{FF2B5EF4-FFF2-40B4-BE49-F238E27FC236}">
+                <a16:creationId xmlns:a16="http://schemas.microsoft.com/office/drawing/2014/main" id="{7001FC97-703C-6366-27C0-2D53FC881B04}"/>
+              </a:ext>
+            </a:extLst>
+          </p:cNvPr>
+          <p:cNvSpPr txBox="1"/>
+          <p:nvPr/>
+        </p:nvSpPr>
+        <p:spPr>
+          <a:xfrm>
+            <a:off x="8705852" y="4795164"/>
+            <a:ext cx="1492582" cy="276999"/>
+          </a:xfrm>
+          <a:prstGeom prst="rect">
+            <a:avLst/>
+          </a:prstGeom>
+          <a:noFill/>
+        </p:spPr>
+        <p:txBody>
+          <a:bodyPr wrap="square" rtlCol="0">
+            <a:spAutoFit/>
+          </a:bodyPr>
+          <a:lstStyle/>
+          <a:p>
+            <a:r>
+              <a:rPr lang="ja-JP" altLang="en-US" sz="1200" dirty="0">
+                <a:solidFill>
+                  <a:schemeClr val="accent4"/>
+                </a:solidFill>
+              </a:rPr>
+              <a:t>次の</a:t>
+            </a:r>
+            <a:r>
+              <a:rPr lang="en-US" altLang="ja-JP" sz="1200" dirty="0">
+                <a:solidFill>
+                  <a:schemeClr val="accent4"/>
+                </a:solidFill>
+              </a:rPr>
+              <a:t>5</a:t>
+            </a:r>
+            <a:r>
+              <a:rPr lang="ja-JP" altLang="en-US" sz="1200" dirty="0">
+                <a:solidFill>
+                  <a:schemeClr val="accent4"/>
+                </a:solidFill>
+              </a:rPr>
+              <a:t>か月を表示≫</a:t>
+            </a:r>
+            <a:endParaRPr kumimoji="1" lang="ja-JP" altLang="en-US" sz="1200" dirty="0">
+              <a:solidFill>
+                <a:schemeClr val="accent4"/>
+              </a:solidFill>
+            </a:endParaRPr>
+          </a:p>
+        </p:txBody>
+      </p:sp>
+      <p:graphicFrame>
+        <p:nvGraphicFramePr>
+          <p:cNvPr id="15" name="表 14">
+            <a:extLst>
+              <a:ext uri="{FF2B5EF4-FFF2-40B4-BE49-F238E27FC236}">
+                <a16:creationId xmlns:a16="http://schemas.microsoft.com/office/drawing/2014/main" id="{1C13188B-7DFE-F40B-56B3-9DBBD66354DA}"/>
+              </a:ext>
+            </a:extLst>
+          </p:cNvPr>
+          <p:cNvGraphicFramePr>
+            <a:graphicFrameLocks noGrp="1"/>
+          </p:cNvGraphicFramePr>
+          <p:nvPr>
+            <p:extLst>
+              <p:ext uri="{D42A27DB-BD31-4B8C-83A1-F6EECF244321}">
+                <p14:modId xmlns:p14="http://schemas.microsoft.com/office/powerpoint/2010/main" val="1607942428"/>
+              </p:ext>
+            </p:extLst>
+          </p:nvPr>
+        </p:nvGraphicFramePr>
+        <p:xfrm>
+          <a:off x="2191077" y="4343808"/>
+          <a:ext cx="7879344" cy="416309"/>
+        </p:xfrm>
+        <a:graphic>
+          <a:graphicData uri="http://schemas.openxmlformats.org/drawingml/2006/table">
+            <a:tbl>
+              <a:tblPr firstRow="1" bandRow="1">
+                <a:tableStyleId>{5C22544A-7EE6-4342-B048-85BDC9FD1C3A}</a:tableStyleId>
+              </a:tblPr>
+              <a:tblGrid>
+                <a:gridCol w="1313224">
+                  <a:extLst>
+                    <a:ext uri="{9D8B030D-6E8A-4147-A177-3AD203B41FA5}">
+                      <a16:colId xmlns:a16="http://schemas.microsoft.com/office/drawing/2014/main" val="1863484806"/>
+                    </a:ext>
+                  </a:extLst>
+                </a:gridCol>
+                <a:gridCol w="1313224">
+                  <a:extLst>
+                    <a:ext uri="{9D8B030D-6E8A-4147-A177-3AD203B41FA5}">
+                      <a16:colId xmlns:a16="http://schemas.microsoft.com/office/drawing/2014/main" val="774714344"/>
+                    </a:ext>
+                  </a:extLst>
+                </a:gridCol>
+                <a:gridCol w="1313224">
+                  <a:extLst>
+                    <a:ext uri="{9D8B030D-6E8A-4147-A177-3AD203B41FA5}">
+                      <a16:colId xmlns:a16="http://schemas.microsoft.com/office/drawing/2014/main" val="2674802471"/>
+                    </a:ext>
+                  </a:extLst>
+                </a:gridCol>
+                <a:gridCol w="1313224">
+                  <a:extLst>
+                    <a:ext uri="{9D8B030D-6E8A-4147-A177-3AD203B41FA5}">
+                      <a16:colId xmlns:a16="http://schemas.microsoft.com/office/drawing/2014/main" val="2543384080"/>
+                    </a:ext>
+                  </a:extLst>
+                </a:gridCol>
+                <a:gridCol w="1313224">
+                  <a:extLst>
+                    <a:ext uri="{9D8B030D-6E8A-4147-A177-3AD203B41FA5}">
+                      <a16:colId xmlns:a16="http://schemas.microsoft.com/office/drawing/2014/main" val="2129816583"/>
+                    </a:ext>
+                  </a:extLst>
+                </a:gridCol>
+                <a:gridCol w="1313224">
+                  <a:extLst>
+                    <a:ext uri="{9D8B030D-6E8A-4147-A177-3AD203B41FA5}">
+                      <a16:colId xmlns:a16="http://schemas.microsoft.com/office/drawing/2014/main" val="2418154172"/>
+                    </a:ext>
+                  </a:extLst>
+                </a:gridCol>
+              </a:tblGrid>
+              <a:tr h="416309">
+                <a:tc>
+                  <a:txBody>
+                    <a:bodyPr/>
+                    <a:lstStyle/>
+                    <a:p>
+                      <a:r>
+                        <a:rPr kumimoji="1" lang="ja-JP" altLang="en-US" b="0" dirty="0">
+                          <a:solidFill>
+                            <a:schemeClr val="tx1"/>
+                          </a:solidFill>
+                        </a:rPr>
+                        <a:t>閾値</a:t>
+                      </a:r>
+                    </a:p>
+                  </a:txBody>
+                  <a:tcPr>
+                    <a:solidFill>
+                      <a:schemeClr val="bg2"/>
+                    </a:solidFill>
+                  </a:tcPr>
+                </a:tc>
+                <a:tc>
+                  <a:txBody>
+                    <a:bodyPr/>
+                    <a:lstStyle/>
+                    <a:p>
+                      <a:r>
+                        <a:rPr kumimoji="1" lang="en-US" altLang="ja-JP" b="0" dirty="0">
+                          <a:solidFill>
+                            <a:schemeClr val="tx1"/>
+                          </a:solidFill>
+                        </a:rPr>
+                        <a:t>18</a:t>
+                      </a:r>
+                      <a:endParaRPr kumimoji="1" lang="ja-JP" altLang="en-US" b="0" dirty="0">
+                        <a:solidFill>
+                          <a:schemeClr val="tx1"/>
+                        </a:solidFill>
+                      </a:endParaRPr>
+                    </a:p>
+                  </a:txBody>
+                  <a:tcPr>
+                    <a:solidFill>
+                      <a:schemeClr val="bg2"/>
+                    </a:solidFill>
+                  </a:tcPr>
+                </a:tc>
+                <a:tc>
+                  <a:txBody>
+                    <a:bodyPr/>
+                    <a:lstStyle/>
+                    <a:p>
+                      <a:r>
+                        <a:rPr kumimoji="1" lang="en-US" altLang="ja-JP" b="0" dirty="0">
+                          <a:solidFill>
+                            <a:schemeClr val="tx1"/>
+                          </a:solidFill>
+                        </a:rPr>
+                        <a:t>20</a:t>
+                      </a:r>
+                      <a:endParaRPr kumimoji="1" lang="ja-JP" altLang="en-US" b="0" dirty="0">
+                        <a:solidFill>
+                          <a:schemeClr val="tx1"/>
+                        </a:solidFill>
+                      </a:endParaRPr>
+                    </a:p>
+                  </a:txBody>
+                  <a:tcPr>
+                    <a:solidFill>
+                      <a:schemeClr val="bg2"/>
+                    </a:solidFill>
+                  </a:tcPr>
+                </a:tc>
+                <a:tc>
+                  <a:txBody>
+                    <a:bodyPr/>
+                    <a:lstStyle/>
+                    <a:p>
+                      <a:r>
+                        <a:rPr kumimoji="1" lang="en-US" altLang="ja-JP" b="0" dirty="0">
+                          <a:solidFill>
+                            <a:schemeClr val="tx1"/>
+                          </a:solidFill>
+                        </a:rPr>
+                        <a:t>25</a:t>
+                      </a:r>
+                      <a:endParaRPr kumimoji="1" lang="ja-JP" altLang="en-US" b="0" dirty="0">
+                        <a:solidFill>
+                          <a:schemeClr val="tx1"/>
+                        </a:solidFill>
+                      </a:endParaRPr>
+                    </a:p>
+                  </a:txBody>
+                  <a:tcPr>
+                    <a:solidFill>
+                      <a:schemeClr val="bg2"/>
+                    </a:solidFill>
+                  </a:tcPr>
+                </a:tc>
+                <a:tc>
+                  <a:txBody>
+                    <a:bodyPr/>
+                    <a:lstStyle/>
+                    <a:p>
+                      <a:r>
+                        <a:rPr kumimoji="1" lang="en-US" altLang="ja-JP" b="0" dirty="0">
+                          <a:solidFill>
+                            <a:schemeClr val="tx1"/>
+                          </a:solidFill>
+                        </a:rPr>
+                        <a:t>25</a:t>
+                      </a:r>
+                      <a:endParaRPr kumimoji="1" lang="ja-JP" altLang="en-US" b="0" dirty="0">
+                        <a:solidFill>
+                          <a:schemeClr val="tx1"/>
+                        </a:solidFill>
+                      </a:endParaRPr>
+                    </a:p>
+                  </a:txBody>
+                  <a:tcPr>
+                    <a:solidFill>
+                      <a:schemeClr val="bg2"/>
+                    </a:solidFill>
+                  </a:tcPr>
+                </a:tc>
+                <a:tc>
+                  <a:txBody>
+                    <a:bodyPr/>
+                    <a:lstStyle/>
+                    <a:p>
+                      <a:r>
+                        <a:rPr kumimoji="1" lang="en-US" altLang="ja-JP" b="0" dirty="0">
+                          <a:solidFill>
+                            <a:schemeClr val="tx1"/>
+                          </a:solidFill>
+                        </a:rPr>
+                        <a:t>25</a:t>
+                      </a:r>
+                      <a:endParaRPr kumimoji="1" lang="ja-JP" altLang="en-US" b="0" dirty="0">
+                        <a:solidFill>
+                          <a:schemeClr val="tx1"/>
+                        </a:solidFill>
+                      </a:endParaRPr>
+                    </a:p>
+                  </a:txBody>
+                  <a:tcPr>
+                    <a:solidFill>
+                      <a:schemeClr val="bg2"/>
+                    </a:solidFill>
+                  </a:tcPr>
+                </a:tc>
+                <a:extLst>
+                  <a:ext uri="{0D108BD9-81ED-4DB2-BD59-A6C34878D82A}">
+                    <a16:rowId xmlns:a16="http://schemas.microsoft.com/office/drawing/2014/main" val="3559763021"/>
+                  </a:ext>
+                </a:extLst>
+              </a:tr>
+            </a:tbl>
+          </a:graphicData>
+        </a:graphic>
+      </p:graphicFrame>
+    </p:spTree>
+    <p:extLst>
+      <p:ext uri="{BB962C8B-B14F-4D97-AF65-F5344CB8AC3E}">
+        <p14:creationId xmlns:p14="http://schemas.microsoft.com/office/powerpoint/2010/main" val="3100264245"/>
       </p:ext>
     </p:extLst>
   </p:cSld>
